--- a/PPT/第二部分 软件测试技术/3.6  黑盒测试技术 -场景法.pptx
+++ b/PPT/第二部分 软件测试技术/3.6  黑盒测试技术 -场景法.pptx
@@ -5365,157 +5365,6 @@
       </p:grpSpPr>
       <p:sp>
         <p:nvSpPr>
-          <p:cNvPr id="3074" name="Rectangle 6"/>
-          <p:cNvSpPr>
-            <a:spLocks noGrp="1" noChangeArrowheads="1"/>
-          </p:cNvSpPr>
-          <p:nvPr>
-            <p:ph type="sldNum" sz="quarter" idx="12"/>
-          </p:nvPr>
-        </p:nvSpPr>
-        <p:spPr>
-          <a:noFill/>
-          <a:extLst>
-            <a:ext uri="{909E8E84-426E-40DD-AFC4-6F175D3DCCD1}">
-              <a14:hiddenFill xmlns:a14="http://schemas.microsoft.com/office/drawing/2010/main">
-                <a:solidFill>
-                  <a:srgbClr val="FFFFFF"/>
-                </a:solidFill>
-              </a14:hiddenFill>
-            </a:ext>
-            <a:ext uri="{91240B29-F687-4F45-9708-019B960494DF}">
-              <a14:hiddenLine xmlns:a14="http://schemas.microsoft.com/office/drawing/2010/main" w="9525">
-                <a:solidFill>
-                  <a:srgbClr val="000000"/>
-                </a:solidFill>
-                <a:miter lim="800000"/>
-                <a:headEnd/>
-                <a:tailEnd/>
-              </a14:hiddenLine>
-            </a:ext>
-          </a:extLst>
-        </p:spPr>
-        <p:txBody>
-          <a:bodyPr/>
-          <a:lstStyle>
-            <a:lvl1pPr eaLnBrk="0" hangingPunct="0">
-              <a:defRPr>
-                <a:solidFill>
-                  <a:schemeClr val="tx1"/>
-                </a:solidFill>
-                <a:latin typeface="Verdana" panose="020B0604030504040204" pitchFamily="34" charset="0"/>
-                <a:ea typeface="宋体" panose="02010600030101010101" pitchFamily="2" charset="-122"/>
-              </a:defRPr>
-            </a:lvl1pPr>
-            <a:lvl2pPr marL="742950" indent="-285750" eaLnBrk="0" hangingPunct="0">
-              <a:defRPr>
-                <a:solidFill>
-                  <a:schemeClr val="tx1"/>
-                </a:solidFill>
-                <a:latin typeface="Verdana" panose="020B0604030504040204" pitchFamily="34" charset="0"/>
-                <a:ea typeface="宋体" panose="02010600030101010101" pitchFamily="2" charset="-122"/>
-              </a:defRPr>
-            </a:lvl2pPr>
-            <a:lvl3pPr marL="1143000" indent="-228600" eaLnBrk="0" hangingPunct="0">
-              <a:defRPr>
-                <a:solidFill>
-                  <a:schemeClr val="tx1"/>
-                </a:solidFill>
-                <a:latin typeface="Verdana" panose="020B0604030504040204" pitchFamily="34" charset="0"/>
-                <a:ea typeface="宋体" panose="02010600030101010101" pitchFamily="2" charset="-122"/>
-              </a:defRPr>
-            </a:lvl3pPr>
-            <a:lvl4pPr marL="1600200" indent="-228600" eaLnBrk="0" hangingPunct="0">
-              <a:defRPr>
-                <a:solidFill>
-                  <a:schemeClr val="tx1"/>
-                </a:solidFill>
-                <a:latin typeface="Verdana" panose="020B0604030504040204" pitchFamily="34" charset="0"/>
-                <a:ea typeface="宋体" panose="02010600030101010101" pitchFamily="2" charset="-122"/>
-              </a:defRPr>
-            </a:lvl4pPr>
-            <a:lvl5pPr marL="2057400" indent="-228600" eaLnBrk="0" hangingPunct="0">
-              <a:defRPr>
-                <a:solidFill>
-                  <a:schemeClr val="tx1"/>
-                </a:solidFill>
-                <a:latin typeface="Verdana" panose="020B0604030504040204" pitchFamily="34" charset="0"/>
-                <a:ea typeface="宋体" panose="02010600030101010101" pitchFamily="2" charset="-122"/>
-              </a:defRPr>
-            </a:lvl5pPr>
-            <a:lvl6pPr marL="2514600" indent="-228600" eaLnBrk="0" fontAlgn="base" hangingPunct="0">
-              <a:spcBef>
-                <a:spcPct val="0"/>
-              </a:spcBef>
-              <a:spcAft>
-                <a:spcPct val="0"/>
-              </a:spcAft>
-              <a:defRPr>
-                <a:solidFill>
-                  <a:schemeClr val="tx1"/>
-                </a:solidFill>
-                <a:latin typeface="Verdana" panose="020B0604030504040204" pitchFamily="34" charset="0"/>
-                <a:ea typeface="宋体" panose="02010600030101010101" pitchFamily="2" charset="-122"/>
-              </a:defRPr>
-            </a:lvl6pPr>
-            <a:lvl7pPr marL="2971800" indent="-228600" eaLnBrk="0" fontAlgn="base" hangingPunct="0">
-              <a:spcBef>
-                <a:spcPct val="0"/>
-              </a:spcBef>
-              <a:spcAft>
-                <a:spcPct val="0"/>
-              </a:spcAft>
-              <a:defRPr>
-                <a:solidFill>
-                  <a:schemeClr val="tx1"/>
-                </a:solidFill>
-                <a:latin typeface="Verdana" panose="020B0604030504040204" pitchFamily="34" charset="0"/>
-                <a:ea typeface="宋体" panose="02010600030101010101" pitchFamily="2" charset="-122"/>
-              </a:defRPr>
-            </a:lvl7pPr>
-            <a:lvl8pPr marL="3429000" indent="-228600" eaLnBrk="0" fontAlgn="base" hangingPunct="0">
-              <a:spcBef>
-                <a:spcPct val="0"/>
-              </a:spcBef>
-              <a:spcAft>
-                <a:spcPct val="0"/>
-              </a:spcAft>
-              <a:defRPr>
-                <a:solidFill>
-                  <a:schemeClr val="tx1"/>
-                </a:solidFill>
-                <a:latin typeface="Verdana" panose="020B0604030504040204" pitchFamily="34" charset="0"/>
-                <a:ea typeface="宋体" panose="02010600030101010101" pitchFamily="2" charset="-122"/>
-              </a:defRPr>
-            </a:lvl8pPr>
-            <a:lvl9pPr marL="3886200" indent="-228600" eaLnBrk="0" fontAlgn="base" hangingPunct="0">
-              <a:spcBef>
-                <a:spcPct val="0"/>
-              </a:spcBef>
-              <a:spcAft>
-                <a:spcPct val="0"/>
-              </a:spcAft>
-              <a:defRPr>
-                <a:solidFill>
-                  <a:schemeClr val="tx1"/>
-                </a:solidFill>
-                <a:latin typeface="Verdana" panose="020B0604030504040204" pitchFamily="34" charset="0"/>
-                <a:ea typeface="宋体" panose="02010600030101010101" pitchFamily="2" charset="-122"/>
-              </a:defRPr>
-            </a:lvl9pPr>
-          </a:lstStyle>
-          <a:p>
-            <a:pPr eaLnBrk="1" hangingPunct="1"/>
-            <a:fld id="{CF3F84FD-A9EF-411A-AD41-005FD50D6B7A}" type="slidenum">
-              <a:rPr lang="en-US" altLang="zh-CN" smtClean="0"/>
-              <a:t>1</a:t>
-            </a:fld>
-            <a:endParaRPr lang="en-US" altLang="zh-CN" smtClean="0"/>
-          </a:p>
-        </p:txBody>
-      </p:sp>
-      <p:sp>
-        <p:nvSpPr>
           <p:cNvPr id="3075" name="Rectangle 2"/>
           <p:cNvSpPr>
             <a:spLocks noGrp="1" noChangeArrowheads="1"/>
@@ -6254,14 +6103,7 @@
                 <a:latin typeface="黑体" pitchFamily="2" charset="-122"/>
                 <a:ea typeface="黑体" pitchFamily="2" charset="-122"/>
               </a:rPr>
-              <a:t>基于场景的</a:t>
-            </a:r>
-            <a:r>
-              <a:rPr lang="zh-CN" altLang="en-US" b="1" dirty="0" smtClean="0">
-                <a:latin typeface="黑体" pitchFamily="2" charset="-122"/>
-                <a:ea typeface="黑体" pitchFamily="2" charset="-122"/>
-              </a:rPr>
-              <a:t>测试</a:t>
+              <a:t>基于场景的测试</a:t>
             </a:r>
           </a:p>
         </p:txBody>
@@ -6299,7 +6141,7 @@
           <p:nvPr>
             <p:extLst>
               <p:ext uri="{D42A27DB-BD31-4B8C-83A1-F6EECF244321}">
-                <p14:modId xmlns:p14="http://schemas.microsoft.com/office/powerpoint/2010/main" val="3298765561"/>
+                <p14:modId xmlns:p14="http://schemas.microsoft.com/office/powerpoint/2010/main" val="2191245811"/>
               </p:ext>
             </p:extLst>
           </p:nvPr>
@@ -7761,7 +7603,7 @@
                           <a:ea typeface="+mn-ea"/>
                           <a:cs typeface="+mn-cs"/>
                         </a:rPr>
-                        <a:t>V</a:t>
+                        <a:t>I</a:t>
                       </a:r>
                       <a:endParaRPr lang="zh-CN" altLang="en-US" sz="1600" kern="1200" dirty="0">
                         <a:solidFill>
@@ -9670,27 +9512,8 @@
                           <a:ea typeface="+mn-ea"/>
                           <a:cs typeface="+mn-cs"/>
                         </a:rPr>
-                        <a:t>消息提示</a:t>
+                        <a:t>消息提示，吞卡</a:t>
                       </a:r>
-                      <a:r>
-                        <a:rPr lang="zh-CN" altLang="en-US" sz="1600" kern="1200" dirty="0" smtClean="0">
-                          <a:solidFill>
-                            <a:schemeClr val="tx1"/>
-                          </a:solidFill>
-                          <a:latin typeface="+mn-lt"/>
-                          <a:ea typeface="+mn-ea"/>
-                          <a:cs typeface="+mn-cs"/>
-                        </a:rPr>
-                        <a:t>，退卡</a:t>
-                      </a:r>
-                      <a:endParaRPr lang="zh-CN" altLang="en-US" sz="1600" kern="1200" dirty="0" smtClean="0">
-                        <a:solidFill>
-                          <a:schemeClr val="tx1"/>
-                        </a:solidFill>
-                        <a:latin typeface="+mn-lt"/>
-                        <a:ea typeface="+mn-ea"/>
-                        <a:cs typeface="+mn-cs"/>
-                      </a:endParaRPr>
                     </a:p>
                   </a:txBody>
                   <a:tcPr>
@@ -10216,27 +10039,8 @@
                           <a:ea typeface="+mn-ea"/>
                           <a:cs typeface="+mn-cs"/>
                         </a:rPr>
-                        <a:t>消息提示</a:t>
+                        <a:t>消息提示，返回基本流</a:t>
                       </a:r>
-                      <a:r>
-                        <a:rPr lang="zh-CN" altLang="en-US" sz="1600" kern="1200" dirty="0" smtClean="0">
-                          <a:solidFill>
-                            <a:schemeClr val="tx1"/>
-                          </a:solidFill>
-                          <a:latin typeface="+mn-lt"/>
-                          <a:ea typeface="+mn-ea"/>
-                          <a:cs typeface="+mn-cs"/>
-                        </a:rPr>
-                        <a:t>，返回基本流</a:t>
-                      </a:r>
-                      <a:endParaRPr lang="zh-CN" altLang="en-US" sz="1600" kern="1200" dirty="0" smtClean="0">
-                        <a:solidFill>
-                          <a:schemeClr val="tx1"/>
-                        </a:solidFill>
-                        <a:latin typeface="+mn-lt"/>
-                        <a:ea typeface="+mn-ea"/>
-                        <a:cs typeface="+mn-cs"/>
-                      </a:endParaRPr>
                     </a:p>
                   </a:txBody>
                   <a:tcPr>
@@ -10931,14 +10735,7 @@
                 <a:latin typeface="黑体" pitchFamily="2" charset="-122"/>
                 <a:ea typeface="黑体" pitchFamily="2" charset="-122"/>
               </a:rPr>
-              <a:t>基于场景的</a:t>
-            </a:r>
-            <a:r>
-              <a:rPr lang="zh-CN" altLang="en-US" b="1" dirty="0" smtClean="0">
-                <a:latin typeface="黑体" pitchFamily="2" charset="-122"/>
-                <a:ea typeface="黑体" pitchFamily="2" charset="-122"/>
-              </a:rPr>
-              <a:t>测试</a:t>
+              <a:t>基于场景的测试</a:t>
             </a:r>
           </a:p>
         </p:txBody>
@@ -10976,14 +10773,14 @@
           <p:nvPr>
             <p:extLst>
               <p:ext uri="{D42A27DB-BD31-4B8C-83A1-F6EECF244321}">
-                <p14:modId xmlns:p14="http://schemas.microsoft.com/office/powerpoint/2010/main" val="2646159296"/>
+                <p14:modId xmlns:p14="http://schemas.microsoft.com/office/powerpoint/2010/main" val="993947163"/>
               </p:ext>
             </p:extLst>
           </p:nvPr>
         </p:nvGraphicFramePr>
         <p:xfrm>
-          <a:off x="395536" y="908720"/>
-          <a:ext cx="7848872" cy="5796528"/>
+          <a:off x="539552" y="889208"/>
+          <a:ext cx="7848872" cy="6284208"/>
         </p:xfrm>
         <a:graphic>
           <a:graphicData uri="http://schemas.openxmlformats.org/drawingml/2006/table">
@@ -11130,6 +10927,7 @@
                     <a:bodyPr/>
                     <a:lstStyle/>
                     <a:p>
+                      <a:pPr algn="ctr"/>
                       <a:r>
                         <a:rPr lang="zh-CN" altLang="en-US" dirty="0" smtClean="0">
                           <a:solidFill>
@@ -11811,17 +11609,21 @@
                     <a:lstStyle/>
                     <a:p>
                       <a:r>
-                        <a:rPr lang="en-US" altLang="zh-CN" sz="1600" dirty="0" smtClean="0">
+                        <a:rPr lang="en-US" altLang="zh-CN" sz="1800" b="0" dirty="0" smtClean="0">
                           <a:solidFill>
                             <a:schemeClr val="tx1"/>
                           </a:solidFill>
+                          <a:latin typeface="+mn-ea"/>
+                          <a:ea typeface="+mn-ea"/>
                         </a:rPr>
                         <a:t>ATM-ST-001</a:t>
                       </a:r>
-                      <a:endParaRPr lang="zh-CN" altLang="en-US" sz="1600" dirty="0">
+                      <a:endParaRPr lang="zh-CN" altLang="en-US" sz="1800" b="0" dirty="0">
                         <a:solidFill>
                           <a:schemeClr val="tx1"/>
                         </a:solidFill>
+                        <a:latin typeface="+mn-ea"/>
+                        <a:ea typeface="+mn-ea"/>
                       </a:endParaRPr>
                     </a:p>
                   </a:txBody>
@@ -11872,21 +11674,21 @@
                     <a:p>
                       <a:pPr marL="0" algn="l" defTabSz="914400" rtl="0" eaLnBrk="1" latinLnBrk="0" hangingPunct="1"/>
                       <a:r>
-                        <a:rPr lang="en-US" altLang="zh-CN" sz="1600" kern="1200" dirty="0" smtClean="0">
+                        <a:rPr lang="en-US" altLang="zh-CN" sz="1800" b="0" kern="1200" dirty="0" smtClean="0">
                           <a:solidFill>
                             <a:schemeClr val="tx1"/>
                           </a:solidFill>
-                          <a:latin typeface="+mn-lt"/>
+                          <a:latin typeface="+mn-ea"/>
                           <a:ea typeface="+mn-ea"/>
                           <a:cs typeface="+mn-cs"/>
                         </a:rPr>
                         <a:t>1</a:t>
                       </a:r>
-                      <a:endParaRPr lang="zh-CN" altLang="en-US" sz="1600" kern="1200" dirty="0">
+                      <a:endParaRPr lang="zh-CN" altLang="en-US" sz="1800" b="0" kern="1200" dirty="0">
                         <a:solidFill>
                           <a:schemeClr val="tx1"/>
                         </a:solidFill>
-                        <a:latin typeface="+mn-lt"/>
+                        <a:latin typeface="+mn-ea"/>
                         <a:ea typeface="+mn-ea"/>
                         <a:cs typeface="+mn-cs"/>
                       </a:endParaRPr>
@@ -11955,32 +11757,32 @@
                         <a:defRPr/>
                       </a:pPr>
                       <a:r>
-                        <a:rPr lang="en-US" altLang="zh-CN" sz="1600" kern="1200" dirty="0" smtClean="0">
+                        <a:rPr lang="en-US" altLang="zh-CN" sz="1800" b="0" kern="1200" dirty="0" smtClean="0">
                           <a:solidFill>
                             <a:schemeClr val="tx1"/>
                           </a:solidFill>
-                          <a:latin typeface="+mn-lt"/>
+                          <a:latin typeface="+mn-ea"/>
                           <a:ea typeface="+mn-ea"/>
                           <a:cs typeface="+mn-cs"/>
                         </a:rPr>
                         <a:t>4201</a:t>
                       </a:r>
-                      <a:endParaRPr lang="zh-CN" altLang="en-US" sz="1600" kern="1200" dirty="0" smtClean="0">
+                      <a:endParaRPr lang="zh-CN" altLang="en-US" sz="1800" b="0" kern="1200" dirty="0" smtClean="0">
                         <a:solidFill>
                           <a:schemeClr val="tx1"/>
                         </a:solidFill>
-                        <a:latin typeface="+mn-lt"/>
+                        <a:latin typeface="+mn-ea"/>
                         <a:ea typeface="+mn-ea"/>
                         <a:cs typeface="+mn-cs"/>
                       </a:endParaRPr>
                     </a:p>
                     <a:p>
                       <a:pPr marL="0" algn="l" defTabSz="914400" rtl="0" eaLnBrk="1" latinLnBrk="0" hangingPunct="1"/>
-                      <a:endParaRPr lang="zh-CN" altLang="en-US" sz="1600" kern="1200" dirty="0">
+                      <a:endParaRPr lang="zh-CN" altLang="en-US" sz="1800" b="0" kern="1200" dirty="0">
                         <a:solidFill>
                           <a:schemeClr val="tx1"/>
                         </a:solidFill>
-                        <a:latin typeface="+mn-lt"/>
+                        <a:latin typeface="+mn-ea"/>
                         <a:ea typeface="+mn-ea"/>
                         <a:cs typeface="+mn-cs"/>
                       </a:endParaRPr>
@@ -12033,21 +11835,21 @@
                     <a:p>
                       <a:pPr marL="0" algn="l" defTabSz="914400" rtl="0" eaLnBrk="1" latinLnBrk="0" hangingPunct="1"/>
                       <a:r>
-                        <a:rPr lang="en-US" altLang="zh-CN" sz="1600" kern="1200" dirty="0" smtClean="0">
+                        <a:rPr lang="en-US" altLang="zh-CN" sz="1800" b="0" kern="1200" dirty="0" smtClean="0">
                           <a:solidFill>
                             <a:schemeClr val="tx1"/>
                           </a:solidFill>
-                          <a:latin typeface="+mn-lt"/>
+                          <a:latin typeface="+mn-ea"/>
                           <a:ea typeface="+mn-ea"/>
                           <a:cs typeface="+mn-cs"/>
                         </a:rPr>
                         <a:t>888888</a:t>
                       </a:r>
-                      <a:endParaRPr lang="zh-CN" altLang="en-US" sz="1600" kern="1200" dirty="0">
+                      <a:endParaRPr lang="zh-CN" altLang="en-US" sz="1800" b="0" kern="1200" dirty="0">
                         <a:solidFill>
                           <a:schemeClr val="tx1"/>
                         </a:solidFill>
-                        <a:latin typeface="+mn-lt"/>
+                        <a:latin typeface="+mn-ea"/>
                         <a:ea typeface="+mn-ea"/>
                         <a:cs typeface="+mn-cs"/>
                       </a:endParaRPr>
@@ -12100,21 +11902,21 @@
                     <a:p>
                       <a:pPr marL="0" algn="l" defTabSz="914400" rtl="0" eaLnBrk="1" latinLnBrk="0" hangingPunct="1"/>
                       <a:r>
-                        <a:rPr lang="en-US" altLang="zh-CN" sz="1600" kern="1200" dirty="0" smtClean="0">
+                        <a:rPr lang="en-US" altLang="zh-CN" sz="1800" b="0" kern="1200" dirty="0" smtClean="0">
                           <a:solidFill>
                             <a:schemeClr val="tx1"/>
                           </a:solidFill>
-                          <a:latin typeface="+mn-lt"/>
+                          <a:latin typeface="+mn-ea"/>
                           <a:ea typeface="+mn-ea"/>
                           <a:cs typeface="+mn-cs"/>
                         </a:rPr>
                         <a:t>1000</a:t>
                       </a:r>
-                      <a:endParaRPr lang="zh-CN" altLang="en-US" sz="1600" kern="1200" dirty="0">
+                      <a:endParaRPr lang="zh-CN" altLang="en-US" sz="1800" b="0" kern="1200" dirty="0">
                         <a:solidFill>
                           <a:schemeClr val="tx1"/>
                         </a:solidFill>
-                        <a:latin typeface="+mn-lt"/>
+                        <a:latin typeface="+mn-ea"/>
                         <a:ea typeface="+mn-ea"/>
                         <a:cs typeface="+mn-cs"/>
                       </a:endParaRPr>
@@ -12167,21 +11969,21 @@
                     <a:p>
                       <a:pPr marL="0" algn="l" defTabSz="914400" rtl="0" eaLnBrk="1" latinLnBrk="0" hangingPunct="1"/>
                       <a:r>
-                        <a:rPr lang="zh-CN" altLang="en-US" sz="1600" kern="1200" dirty="0" smtClean="0">
+                        <a:rPr lang="zh-CN" altLang="en-US" sz="1800" b="0" kern="1200" dirty="0" smtClean="0">
                           <a:solidFill>
                             <a:schemeClr val="tx1"/>
                           </a:solidFill>
-                          <a:latin typeface="+mn-lt"/>
+                          <a:latin typeface="+mn-ea"/>
                           <a:ea typeface="+mn-ea"/>
                           <a:cs typeface="+mn-cs"/>
                         </a:rPr>
                         <a:t>是</a:t>
                       </a:r>
-                      <a:endParaRPr lang="zh-CN" altLang="en-US" sz="1600" kern="1200" dirty="0">
+                      <a:endParaRPr lang="zh-CN" altLang="en-US" sz="1800" b="0" kern="1200" dirty="0">
                         <a:solidFill>
                           <a:schemeClr val="tx1"/>
                         </a:solidFill>
-                        <a:latin typeface="+mn-lt"/>
+                        <a:latin typeface="+mn-ea"/>
                         <a:ea typeface="+mn-ea"/>
                         <a:cs typeface="+mn-cs"/>
                       </a:endParaRPr>
@@ -12234,32 +12036,32 @@
                     <a:p>
                       <a:pPr marL="0" algn="l" defTabSz="914400" rtl="0" eaLnBrk="1" latinLnBrk="0" hangingPunct="1"/>
                       <a:r>
-                        <a:rPr lang="zh-CN" altLang="en-US" sz="1600" kern="1200" dirty="0" smtClean="0">
+                        <a:rPr lang="zh-CN" altLang="en-US" sz="1800" b="0" kern="1200" dirty="0" smtClean="0">
                           <a:solidFill>
                             <a:schemeClr val="tx1"/>
                           </a:solidFill>
-                          <a:latin typeface="+mn-lt"/>
+                          <a:latin typeface="+mn-ea"/>
                           <a:ea typeface="+mn-ea"/>
                           <a:cs typeface="+mn-cs"/>
                         </a:rPr>
                         <a:t>取款成功，并打印交易凭条，账户余额更新为</a:t>
                       </a:r>
                       <a:r>
-                        <a:rPr lang="en-US" altLang="zh-CN" sz="1600" kern="1200" dirty="0" smtClean="0">
+                        <a:rPr lang="en-US" altLang="zh-CN" sz="1800" b="0" kern="1200" dirty="0" smtClean="0">
                           <a:solidFill>
                             <a:schemeClr val="tx1"/>
                           </a:solidFill>
-                          <a:latin typeface="+mn-lt"/>
+                          <a:latin typeface="+mn-ea"/>
                           <a:ea typeface="+mn-ea"/>
                           <a:cs typeface="+mn-cs"/>
                         </a:rPr>
                         <a:t>9000</a:t>
                       </a:r>
-                      <a:endParaRPr lang="zh-CN" altLang="en-US" sz="1600" kern="1200" dirty="0">
+                      <a:endParaRPr lang="zh-CN" altLang="en-US" sz="1800" b="0" kern="1200" dirty="0">
                         <a:solidFill>
                           <a:schemeClr val="tx1"/>
                         </a:solidFill>
-                        <a:latin typeface="+mn-lt"/>
+                        <a:latin typeface="+mn-ea"/>
                         <a:ea typeface="+mn-ea"/>
                         <a:cs typeface="+mn-cs"/>
                       </a:endParaRPr>
@@ -12313,17 +12115,21 @@
                     <a:lstStyle/>
                     <a:p>
                       <a:r>
-                        <a:rPr lang="en-US" altLang="zh-CN" sz="1600" dirty="0" smtClean="0">
+                        <a:rPr lang="en-US" altLang="zh-CN" sz="1800" b="0" dirty="0" smtClean="0">
                           <a:solidFill>
                             <a:schemeClr val="tx1"/>
                           </a:solidFill>
+                          <a:latin typeface="+mn-ea"/>
+                          <a:ea typeface="+mn-ea"/>
                         </a:rPr>
                         <a:t>ATM-ST-002</a:t>
                       </a:r>
-                      <a:endParaRPr lang="zh-CN" altLang="en-US" sz="1600" dirty="0">
+                      <a:endParaRPr lang="zh-CN" altLang="en-US" sz="1800" b="0" dirty="0">
                         <a:solidFill>
                           <a:schemeClr val="tx1"/>
                         </a:solidFill>
+                        <a:latin typeface="+mn-ea"/>
+                        <a:ea typeface="+mn-ea"/>
                       </a:endParaRPr>
                     </a:p>
                   </a:txBody>
@@ -12374,21 +12180,21 @@
                     <a:p>
                       <a:pPr marL="0" algn="l" defTabSz="914400" rtl="0" eaLnBrk="1" latinLnBrk="0" hangingPunct="1"/>
                       <a:r>
-                        <a:rPr lang="en-US" altLang="zh-CN" sz="1600" kern="1200" dirty="0" smtClean="0">
+                        <a:rPr lang="en-US" altLang="zh-CN" sz="1800" b="0" kern="1200" dirty="0" smtClean="0">
                           <a:solidFill>
                             <a:schemeClr val="tx1"/>
                           </a:solidFill>
-                          <a:latin typeface="+mn-lt"/>
+                          <a:latin typeface="+mn-ea"/>
                           <a:ea typeface="+mn-ea"/>
                           <a:cs typeface="+mn-cs"/>
                         </a:rPr>
                         <a:t>2</a:t>
                       </a:r>
-                      <a:endParaRPr lang="zh-CN" altLang="en-US" sz="1600" kern="1200" dirty="0">
+                      <a:endParaRPr lang="zh-CN" altLang="en-US" sz="1800" b="0" kern="1200" dirty="0">
                         <a:solidFill>
                           <a:schemeClr val="tx1"/>
                         </a:solidFill>
-                        <a:latin typeface="+mn-lt"/>
+                        <a:latin typeface="+mn-ea"/>
                         <a:ea typeface="+mn-ea"/>
                         <a:cs typeface="+mn-cs"/>
                       </a:endParaRPr>
@@ -12441,21 +12247,21 @@
                     <a:p>
                       <a:pPr marL="0" algn="l" defTabSz="914400" rtl="0" eaLnBrk="1" latinLnBrk="0" hangingPunct="1"/>
                       <a:r>
-                        <a:rPr lang="en-US" altLang="zh-CN" sz="1600" kern="1200" dirty="0" smtClean="0">
+                        <a:rPr lang="en-US" altLang="zh-CN" sz="1800" b="0" kern="1200" dirty="0" smtClean="0">
                           <a:solidFill>
                             <a:schemeClr val="tx1"/>
                           </a:solidFill>
-                          <a:latin typeface="+mn-lt"/>
+                          <a:latin typeface="+mn-ea"/>
                           <a:ea typeface="+mn-ea"/>
                           <a:cs typeface="+mn-cs"/>
                         </a:rPr>
                         <a:t>6789</a:t>
                       </a:r>
-                      <a:endParaRPr lang="zh-CN" altLang="en-US" sz="1600" kern="1200" dirty="0">
+                      <a:endParaRPr lang="zh-CN" altLang="en-US" sz="1800" b="0" kern="1200" dirty="0">
                         <a:solidFill>
                           <a:schemeClr val="tx1"/>
                         </a:solidFill>
-                        <a:latin typeface="+mn-lt"/>
+                        <a:latin typeface="+mn-ea"/>
                         <a:ea typeface="+mn-ea"/>
                         <a:cs typeface="+mn-cs"/>
                       </a:endParaRPr>
@@ -12524,32 +12330,32 @@
                         <a:defRPr/>
                       </a:pPr>
                       <a:r>
-                        <a:rPr lang="en-US" altLang="zh-CN" sz="1600" kern="1200" dirty="0" smtClean="0">
+                        <a:rPr lang="en-US" altLang="zh-CN" sz="1800" b="0" kern="1200" dirty="0" smtClean="0">
                           <a:solidFill>
                             <a:schemeClr val="tx1"/>
                           </a:solidFill>
-                          <a:latin typeface="+mn-lt"/>
+                          <a:latin typeface="+mn-ea"/>
                           <a:ea typeface="+mn-ea"/>
                           <a:cs typeface="+mn-cs"/>
                         </a:rPr>
                         <a:t>N/A</a:t>
                       </a:r>
-                      <a:endParaRPr lang="zh-CN" altLang="en-US" sz="1600" kern="1200" dirty="0" smtClean="0">
+                      <a:endParaRPr lang="zh-CN" altLang="en-US" sz="1800" b="0" kern="1200" dirty="0" smtClean="0">
                         <a:solidFill>
                           <a:schemeClr val="tx1"/>
                         </a:solidFill>
-                        <a:latin typeface="+mn-lt"/>
+                        <a:latin typeface="+mn-ea"/>
                         <a:ea typeface="+mn-ea"/>
                         <a:cs typeface="+mn-cs"/>
                       </a:endParaRPr>
                     </a:p>
                     <a:p>
                       <a:pPr marL="0" algn="l" defTabSz="914400" rtl="0" eaLnBrk="1" latinLnBrk="0" hangingPunct="1"/>
-                      <a:endParaRPr lang="zh-CN" altLang="en-US" sz="1600" kern="1200" dirty="0">
+                      <a:endParaRPr lang="zh-CN" altLang="en-US" sz="1800" b="0" kern="1200" dirty="0">
                         <a:solidFill>
                           <a:schemeClr val="tx1"/>
                         </a:solidFill>
-                        <a:latin typeface="+mn-lt"/>
+                        <a:latin typeface="+mn-ea"/>
                         <a:ea typeface="+mn-ea"/>
                         <a:cs typeface="+mn-cs"/>
                       </a:endParaRPr>
@@ -12602,21 +12408,21 @@
                     <a:p>
                       <a:pPr marL="0" algn="l" defTabSz="914400" rtl="0" eaLnBrk="1" latinLnBrk="0" hangingPunct="1"/>
                       <a:r>
-                        <a:rPr lang="en-US" altLang="zh-CN" sz="1600" kern="1200" dirty="0" smtClean="0">
+                        <a:rPr lang="en-US" altLang="zh-CN" sz="1800" b="0" kern="1200" dirty="0" smtClean="0">
                           <a:solidFill>
                             <a:schemeClr val="tx1"/>
                           </a:solidFill>
-                          <a:latin typeface="+mn-lt"/>
+                          <a:latin typeface="+mn-ea"/>
                           <a:ea typeface="+mn-ea"/>
                           <a:cs typeface="+mn-cs"/>
                         </a:rPr>
                         <a:t>N/A</a:t>
                       </a:r>
-                      <a:endParaRPr lang="zh-CN" altLang="en-US" sz="1600" kern="1200" dirty="0">
+                      <a:endParaRPr lang="zh-CN" altLang="en-US" sz="1800" b="0" kern="1200" dirty="0">
                         <a:solidFill>
                           <a:schemeClr val="tx1"/>
                         </a:solidFill>
-                        <a:latin typeface="+mn-lt"/>
+                        <a:latin typeface="+mn-ea"/>
                         <a:ea typeface="+mn-ea"/>
                         <a:cs typeface="+mn-cs"/>
                       </a:endParaRPr>
@@ -12669,21 +12475,21 @@
                     <a:p>
                       <a:pPr marL="0" algn="l" defTabSz="914400" rtl="0" eaLnBrk="1" latinLnBrk="0" hangingPunct="1"/>
                       <a:r>
-                        <a:rPr lang="en-US" altLang="zh-CN" sz="1600" kern="1200" dirty="0" smtClean="0">
+                        <a:rPr lang="en-US" altLang="zh-CN" sz="1800" b="0" kern="1200" dirty="0" smtClean="0">
                           <a:solidFill>
                             <a:schemeClr val="tx1"/>
                           </a:solidFill>
-                          <a:latin typeface="+mn-lt"/>
+                          <a:latin typeface="+mn-ea"/>
                           <a:ea typeface="+mn-ea"/>
                           <a:cs typeface="+mn-cs"/>
                         </a:rPr>
                         <a:t>N/A</a:t>
                       </a:r>
-                      <a:endParaRPr lang="zh-CN" altLang="en-US" sz="1600" kern="1200" dirty="0">
+                      <a:endParaRPr lang="zh-CN" altLang="en-US" sz="1800" b="0" kern="1200" dirty="0">
                         <a:solidFill>
                           <a:schemeClr val="tx1"/>
                         </a:solidFill>
-                        <a:latin typeface="+mn-lt"/>
+                        <a:latin typeface="+mn-ea"/>
                         <a:ea typeface="+mn-ea"/>
                         <a:cs typeface="+mn-cs"/>
                       </a:endParaRPr>
@@ -12736,21 +12542,21 @@
                     <a:p>
                       <a:pPr marL="0" algn="l" defTabSz="914400" rtl="0" eaLnBrk="1" latinLnBrk="0" hangingPunct="1"/>
                       <a:r>
-                        <a:rPr lang="zh-CN" altLang="en-US" sz="1600" kern="1200" dirty="0" smtClean="0">
+                        <a:rPr lang="zh-CN" altLang="en-US" sz="1800" b="0" kern="1200" dirty="0" smtClean="0">
                           <a:solidFill>
                             <a:schemeClr val="tx1"/>
                           </a:solidFill>
-                          <a:latin typeface="+mn-lt"/>
+                          <a:latin typeface="+mn-ea"/>
                           <a:ea typeface="+mn-ea"/>
                           <a:cs typeface="+mn-cs"/>
                         </a:rPr>
                         <a:t>消息提示，退卡</a:t>
                       </a:r>
-                      <a:endParaRPr lang="zh-CN" altLang="en-US" sz="1600" kern="1200" dirty="0">
+                      <a:endParaRPr lang="zh-CN" altLang="en-US" sz="1800" b="0" kern="1200" dirty="0">
                         <a:solidFill>
                           <a:schemeClr val="tx1"/>
                         </a:solidFill>
-                        <a:latin typeface="+mn-lt"/>
+                        <a:latin typeface="+mn-ea"/>
                         <a:ea typeface="+mn-ea"/>
                         <a:cs typeface="+mn-cs"/>
                       </a:endParaRPr>
@@ -12821,21 +12627,21 @@
                         <a:defRPr/>
                       </a:pPr>
                       <a:r>
-                        <a:rPr lang="en-US" altLang="zh-CN" sz="1600" kern="1200" dirty="0" smtClean="0">
+                        <a:rPr lang="en-US" altLang="zh-CN" sz="1800" b="0" kern="1200" dirty="0" smtClean="0">
                           <a:solidFill>
                             <a:schemeClr val="tx1"/>
                           </a:solidFill>
-                          <a:latin typeface="+mn-lt"/>
+                          <a:latin typeface="+mn-ea"/>
                           <a:ea typeface="+mn-ea"/>
                           <a:cs typeface="+mn-cs"/>
                         </a:rPr>
                         <a:t>ATM-ST-003</a:t>
                       </a:r>
-                      <a:endParaRPr lang="zh-CN" altLang="en-US" sz="1600" kern="1200" dirty="0" smtClean="0">
+                      <a:endParaRPr lang="zh-CN" altLang="en-US" sz="1800" b="0" kern="1200" dirty="0" smtClean="0">
                         <a:solidFill>
                           <a:schemeClr val="tx1"/>
                         </a:solidFill>
-                        <a:latin typeface="+mn-lt"/>
+                        <a:latin typeface="+mn-ea"/>
                         <a:ea typeface="+mn-ea"/>
                         <a:cs typeface="+mn-cs"/>
                       </a:endParaRPr>
@@ -12888,21 +12694,21 @@
                     <a:p>
                       <a:pPr marL="0" algn="l" defTabSz="914400" rtl="0" eaLnBrk="1" latinLnBrk="0" hangingPunct="1"/>
                       <a:r>
-                        <a:rPr lang="en-US" altLang="zh-CN" sz="1600" kern="1200" dirty="0" smtClean="0">
+                        <a:rPr lang="en-US" altLang="zh-CN" sz="1800" b="0" kern="1200" dirty="0" smtClean="0">
                           <a:solidFill>
                             <a:schemeClr val="tx1"/>
                           </a:solidFill>
-                          <a:latin typeface="+mn-lt"/>
+                          <a:latin typeface="+mn-ea"/>
                           <a:ea typeface="+mn-ea"/>
                           <a:cs typeface="+mn-cs"/>
                         </a:rPr>
                         <a:t>3</a:t>
                       </a:r>
-                      <a:endParaRPr lang="zh-CN" altLang="en-US" sz="1600" kern="1200" dirty="0">
+                      <a:endParaRPr lang="zh-CN" altLang="en-US" sz="1800" b="0" kern="1200" dirty="0">
                         <a:solidFill>
                           <a:schemeClr val="tx1"/>
                         </a:solidFill>
-                        <a:latin typeface="+mn-lt"/>
+                        <a:latin typeface="+mn-ea"/>
                         <a:ea typeface="+mn-ea"/>
                         <a:cs typeface="+mn-cs"/>
                       </a:endParaRPr>
@@ -12971,32 +12777,32 @@
                         <a:defRPr/>
                       </a:pPr>
                       <a:r>
-                        <a:rPr lang="en-US" altLang="zh-CN" sz="1600" kern="1200" dirty="0" smtClean="0">
+                        <a:rPr lang="en-US" altLang="zh-CN" sz="1800" b="0" kern="1200" dirty="0" smtClean="0">
                           <a:solidFill>
                             <a:schemeClr val="tx1"/>
                           </a:solidFill>
-                          <a:latin typeface="+mn-lt"/>
+                          <a:latin typeface="+mn-ea"/>
                           <a:ea typeface="+mn-ea"/>
                           <a:cs typeface="+mn-cs"/>
                         </a:rPr>
                         <a:t>4201</a:t>
                       </a:r>
-                      <a:endParaRPr lang="zh-CN" altLang="en-US" sz="1600" kern="1200" dirty="0" smtClean="0">
+                      <a:endParaRPr lang="zh-CN" altLang="en-US" sz="1800" b="0" kern="1200" dirty="0" smtClean="0">
                         <a:solidFill>
                           <a:schemeClr val="tx1"/>
                         </a:solidFill>
-                        <a:latin typeface="+mn-lt"/>
+                        <a:latin typeface="+mn-ea"/>
                         <a:ea typeface="+mn-ea"/>
                         <a:cs typeface="+mn-cs"/>
                       </a:endParaRPr>
                     </a:p>
                     <a:p>
                       <a:pPr marL="0" algn="l" defTabSz="914400" rtl="0" eaLnBrk="1" latinLnBrk="0" hangingPunct="1"/>
-                      <a:endParaRPr lang="zh-CN" altLang="en-US" sz="1600" kern="1200" dirty="0">
+                      <a:endParaRPr lang="zh-CN" altLang="en-US" sz="1800" b="0" kern="1200" dirty="0">
                         <a:solidFill>
                           <a:schemeClr val="tx1"/>
                         </a:solidFill>
-                        <a:latin typeface="+mn-lt"/>
+                        <a:latin typeface="+mn-ea"/>
                         <a:ea typeface="+mn-ea"/>
                         <a:cs typeface="+mn-cs"/>
                       </a:endParaRPr>
@@ -13049,21 +12855,21 @@
                     <a:p>
                       <a:pPr marL="0" algn="l" defTabSz="914400" rtl="0" eaLnBrk="1" latinLnBrk="0" hangingPunct="1"/>
                       <a:r>
-                        <a:rPr lang="en-US" altLang="zh-CN" sz="1600" kern="1200" dirty="0" smtClean="0">
+                        <a:rPr lang="en-US" altLang="zh-CN" sz="1800" b="0" kern="1200" dirty="0" smtClean="0">
                           <a:solidFill>
                             <a:schemeClr val="tx1"/>
                           </a:solidFill>
-                          <a:latin typeface="+mn-lt"/>
+                          <a:latin typeface="+mn-ea"/>
                           <a:ea typeface="+mn-ea"/>
                           <a:cs typeface="+mn-cs"/>
                         </a:rPr>
                         <a:t>777777</a:t>
                       </a:r>
-                      <a:endParaRPr lang="zh-CN" altLang="en-US" sz="1600" kern="1200" dirty="0">
+                      <a:endParaRPr lang="zh-CN" altLang="en-US" sz="1800" b="0" kern="1200" dirty="0">
                         <a:solidFill>
                           <a:schemeClr val="tx1"/>
                         </a:solidFill>
-                        <a:latin typeface="+mn-lt"/>
+                        <a:latin typeface="+mn-ea"/>
                         <a:ea typeface="+mn-ea"/>
                         <a:cs typeface="+mn-cs"/>
                       </a:endParaRPr>
@@ -13132,32 +12938,32 @@
                         <a:defRPr/>
                       </a:pPr>
                       <a:r>
-                        <a:rPr lang="en-US" altLang="zh-CN" sz="1600" kern="1200" dirty="0" smtClean="0">
+                        <a:rPr lang="en-US" altLang="zh-CN" sz="1800" b="0" kern="1200" dirty="0" smtClean="0">
                           <a:solidFill>
                             <a:schemeClr val="tx1"/>
                           </a:solidFill>
-                          <a:latin typeface="+mn-lt"/>
+                          <a:latin typeface="+mn-ea"/>
                           <a:ea typeface="+mn-ea"/>
                           <a:cs typeface="+mn-cs"/>
                         </a:rPr>
                         <a:t>N/A</a:t>
                       </a:r>
-                      <a:endParaRPr lang="zh-CN" altLang="en-US" sz="1600" kern="1200" dirty="0" smtClean="0">
+                      <a:endParaRPr lang="zh-CN" altLang="en-US" sz="1800" b="0" kern="1200" dirty="0" smtClean="0">
                         <a:solidFill>
                           <a:schemeClr val="tx1"/>
                         </a:solidFill>
-                        <a:latin typeface="+mn-lt"/>
+                        <a:latin typeface="+mn-ea"/>
                         <a:ea typeface="+mn-ea"/>
                         <a:cs typeface="+mn-cs"/>
                       </a:endParaRPr>
                     </a:p>
                     <a:p>
                       <a:pPr marL="0" algn="l" defTabSz="914400" rtl="0" eaLnBrk="1" latinLnBrk="0" hangingPunct="1"/>
-                      <a:endParaRPr lang="zh-CN" altLang="en-US" sz="1600" kern="1200" dirty="0">
+                      <a:endParaRPr lang="zh-CN" altLang="en-US" sz="1800" b="0" kern="1200" dirty="0">
                         <a:solidFill>
                           <a:schemeClr val="tx1"/>
                         </a:solidFill>
-                        <a:latin typeface="+mn-lt"/>
+                        <a:latin typeface="+mn-ea"/>
                         <a:ea typeface="+mn-ea"/>
                         <a:cs typeface="+mn-cs"/>
                       </a:endParaRPr>
@@ -13226,32 +13032,32 @@
                         <a:defRPr/>
                       </a:pPr>
                       <a:r>
-                        <a:rPr lang="en-US" altLang="zh-CN" sz="1600" kern="1200" dirty="0" smtClean="0">
+                        <a:rPr lang="en-US" altLang="zh-CN" sz="1800" b="0" kern="1200" dirty="0" smtClean="0">
                           <a:solidFill>
                             <a:schemeClr val="tx1"/>
                           </a:solidFill>
-                          <a:latin typeface="+mn-lt"/>
+                          <a:latin typeface="+mn-ea"/>
                           <a:ea typeface="+mn-ea"/>
                           <a:cs typeface="+mn-cs"/>
                         </a:rPr>
                         <a:t>N/A</a:t>
                       </a:r>
-                      <a:endParaRPr lang="zh-CN" altLang="en-US" sz="1600" kern="1200" dirty="0" smtClean="0">
+                      <a:endParaRPr lang="zh-CN" altLang="en-US" sz="1800" b="0" kern="1200" dirty="0" smtClean="0">
                         <a:solidFill>
                           <a:schemeClr val="tx1"/>
                         </a:solidFill>
-                        <a:latin typeface="+mn-lt"/>
+                        <a:latin typeface="+mn-ea"/>
                         <a:ea typeface="+mn-ea"/>
                         <a:cs typeface="+mn-cs"/>
                       </a:endParaRPr>
                     </a:p>
                     <a:p>
                       <a:pPr marL="0" algn="l" defTabSz="914400" rtl="0" eaLnBrk="1" latinLnBrk="0" hangingPunct="1"/>
-                      <a:endParaRPr lang="zh-CN" altLang="en-US" sz="1600" kern="1200" dirty="0">
+                      <a:endParaRPr lang="zh-CN" altLang="en-US" sz="1800" b="0" kern="1200" dirty="0">
                         <a:solidFill>
                           <a:schemeClr val="tx1"/>
                         </a:solidFill>
-                        <a:latin typeface="+mn-lt"/>
+                        <a:latin typeface="+mn-ea"/>
                         <a:ea typeface="+mn-ea"/>
                         <a:cs typeface="+mn-cs"/>
                       </a:endParaRPr>
@@ -13304,21 +13110,21 @@
                     <a:p>
                       <a:pPr marL="0" algn="l" defTabSz="914400" rtl="0" eaLnBrk="1" latinLnBrk="0" hangingPunct="1"/>
                       <a:r>
-                        <a:rPr lang="zh-CN" altLang="en-US" sz="1600" kern="1200" dirty="0" smtClean="0">
+                        <a:rPr lang="zh-CN" altLang="en-US" sz="1800" b="0" kern="1200" dirty="0" smtClean="0">
                           <a:solidFill>
                             <a:schemeClr val="tx1"/>
                           </a:solidFill>
-                          <a:latin typeface="+mn-lt"/>
+                          <a:latin typeface="+mn-ea"/>
                           <a:ea typeface="+mn-ea"/>
                           <a:cs typeface="+mn-cs"/>
                         </a:rPr>
                         <a:t>消息提示，返回基本流</a:t>
                       </a:r>
-                      <a:endParaRPr lang="zh-CN" altLang="en-US" sz="1600" kern="1200" dirty="0">
+                      <a:endParaRPr lang="zh-CN" altLang="en-US" sz="1800" b="0" kern="1200" dirty="0">
                         <a:solidFill>
                           <a:schemeClr val="tx1"/>
                         </a:solidFill>
-                        <a:latin typeface="+mn-lt"/>
+                        <a:latin typeface="+mn-ea"/>
                         <a:ea typeface="+mn-ea"/>
                         <a:cs typeface="+mn-cs"/>
                       </a:endParaRPr>
@@ -13389,21 +13195,21 @@
                         <a:defRPr/>
                       </a:pPr>
                       <a:r>
-                        <a:rPr lang="en-US" altLang="zh-CN" sz="1600" kern="1200" dirty="0" smtClean="0">
+                        <a:rPr lang="en-US" altLang="zh-CN" sz="1800" b="0" kern="1200" dirty="0" smtClean="0">
                           <a:solidFill>
                             <a:schemeClr val="tx1"/>
                           </a:solidFill>
-                          <a:latin typeface="+mn-lt"/>
+                          <a:latin typeface="+mn-ea"/>
                           <a:ea typeface="+mn-ea"/>
                           <a:cs typeface="+mn-cs"/>
                         </a:rPr>
                         <a:t>ATM-ST-004</a:t>
                       </a:r>
-                      <a:endParaRPr lang="zh-CN" altLang="en-US" sz="1600" kern="1200" dirty="0" smtClean="0">
+                      <a:endParaRPr lang="zh-CN" altLang="en-US" sz="1800" b="0" kern="1200" dirty="0" smtClean="0">
                         <a:solidFill>
                           <a:schemeClr val="tx1"/>
                         </a:solidFill>
-                        <a:latin typeface="+mn-lt"/>
+                        <a:latin typeface="+mn-ea"/>
                         <a:ea typeface="+mn-ea"/>
                         <a:cs typeface="+mn-cs"/>
                       </a:endParaRPr>
@@ -13456,21 +13262,21 @@
                     <a:p>
                       <a:pPr marL="0" algn="l" defTabSz="914400" rtl="0" eaLnBrk="1" latinLnBrk="0" hangingPunct="1"/>
                       <a:r>
-                        <a:rPr lang="en-US" altLang="zh-CN" sz="1600" kern="1200" dirty="0" smtClean="0">
+                        <a:rPr lang="en-US" altLang="zh-CN" sz="1800" b="0" kern="1200" dirty="0" smtClean="0">
                           <a:solidFill>
                             <a:schemeClr val="tx1"/>
                           </a:solidFill>
-                          <a:latin typeface="+mn-lt"/>
+                          <a:latin typeface="+mn-ea"/>
                           <a:ea typeface="+mn-ea"/>
                           <a:cs typeface="+mn-cs"/>
                         </a:rPr>
                         <a:t>4</a:t>
                       </a:r>
-                      <a:endParaRPr lang="zh-CN" altLang="en-US" sz="1600" kern="1200" dirty="0">
+                      <a:endParaRPr lang="zh-CN" altLang="en-US" sz="1800" b="0" kern="1200" dirty="0">
                         <a:solidFill>
                           <a:schemeClr val="tx1"/>
                         </a:solidFill>
-                        <a:latin typeface="+mn-lt"/>
+                        <a:latin typeface="+mn-ea"/>
                         <a:ea typeface="+mn-ea"/>
                         <a:cs typeface="+mn-cs"/>
                       </a:endParaRPr>
@@ -13523,21 +13329,21 @@
                     <a:p>
                       <a:pPr marL="0" algn="l" defTabSz="914400" rtl="0" eaLnBrk="1" latinLnBrk="0" hangingPunct="1"/>
                       <a:r>
-                        <a:rPr lang="en-US" altLang="zh-CN" sz="1600" kern="1200" dirty="0" smtClean="0">
+                        <a:rPr lang="en-US" altLang="zh-CN" sz="1800" b="0" kern="1200" dirty="0" smtClean="0">
                           <a:solidFill>
                             <a:schemeClr val="tx1"/>
                           </a:solidFill>
-                          <a:latin typeface="+mn-lt"/>
+                          <a:latin typeface="+mn-ea"/>
                           <a:ea typeface="+mn-ea"/>
                           <a:cs typeface="+mn-cs"/>
                         </a:rPr>
                         <a:t>4201</a:t>
                       </a:r>
-                      <a:endParaRPr lang="zh-CN" altLang="en-US" sz="1600" kern="1200" dirty="0">
+                      <a:endParaRPr lang="zh-CN" altLang="en-US" sz="1800" b="0" kern="1200" dirty="0">
                         <a:solidFill>
                           <a:schemeClr val="tx1"/>
                         </a:solidFill>
-                        <a:latin typeface="+mn-lt"/>
+                        <a:latin typeface="+mn-ea"/>
                         <a:ea typeface="+mn-ea"/>
                         <a:cs typeface="+mn-cs"/>
                       </a:endParaRPr>
@@ -13606,54 +13412,54 @@
                         <a:defRPr/>
                       </a:pPr>
                       <a:r>
-                        <a:rPr lang="en-US" altLang="zh-CN" sz="1600" kern="1200" dirty="0" smtClean="0">
+                        <a:rPr lang="en-US" altLang="zh-CN" sz="1800" b="0" kern="1200" dirty="0" smtClean="0">
                           <a:solidFill>
                             <a:schemeClr val="tx1"/>
                           </a:solidFill>
-                          <a:latin typeface="+mn-lt"/>
+                          <a:latin typeface="+mn-ea"/>
                           <a:ea typeface="+mn-ea"/>
                           <a:cs typeface="+mn-cs"/>
                         </a:rPr>
                         <a:t>777777</a:t>
                       </a:r>
                       <a:r>
-                        <a:rPr lang="zh-CN" altLang="en-US" sz="1600" kern="1200" dirty="0" smtClean="0">
+                        <a:rPr lang="zh-CN" altLang="en-US" sz="1800" b="0" kern="1200" dirty="0" smtClean="0">
                           <a:solidFill>
                             <a:schemeClr val="tx1"/>
                           </a:solidFill>
-                          <a:latin typeface="+mn-lt"/>
+                          <a:latin typeface="+mn-ea"/>
                           <a:ea typeface="+mn-ea"/>
                           <a:cs typeface="+mn-cs"/>
                         </a:rPr>
                         <a:t>，</a:t>
                       </a:r>
                       <a:r>
-                        <a:rPr lang="en-US" altLang="zh-CN" sz="1600" kern="1200" dirty="0" smtClean="0">
+                        <a:rPr lang="en-US" altLang="zh-CN" sz="1800" b="0" kern="1200" dirty="0" smtClean="0">
                           <a:solidFill>
                             <a:schemeClr val="tx1"/>
                           </a:solidFill>
-                          <a:latin typeface="+mn-lt"/>
+                          <a:latin typeface="+mn-ea"/>
                           <a:ea typeface="+mn-ea"/>
                           <a:cs typeface="+mn-cs"/>
                         </a:rPr>
                         <a:t>777778</a:t>
                       </a:r>
                       <a:r>
-                        <a:rPr lang="zh-CN" altLang="en-US" sz="1600" kern="1200" dirty="0" smtClean="0">
+                        <a:rPr lang="zh-CN" altLang="en-US" sz="1800" b="0" kern="1200" dirty="0" smtClean="0">
                           <a:solidFill>
                             <a:schemeClr val="tx1"/>
                           </a:solidFill>
-                          <a:latin typeface="+mn-lt"/>
+                          <a:latin typeface="+mn-ea"/>
                           <a:ea typeface="+mn-ea"/>
                           <a:cs typeface="+mn-cs"/>
                         </a:rPr>
                         <a:t>，</a:t>
                       </a:r>
-                      <a:endParaRPr lang="en-US" altLang="zh-CN" sz="1600" kern="1200" dirty="0" smtClean="0">
+                      <a:endParaRPr lang="en-US" altLang="zh-CN" sz="1800" b="0" kern="1200" dirty="0" smtClean="0">
                         <a:solidFill>
                           <a:schemeClr val="tx1"/>
                         </a:solidFill>
-                        <a:latin typeface="+mn-lt"/>
+                        <a:latin typeface="+mn-ea"/>
                         <a:ea typeface="+mn-ea"/>
                         <a:cs typeface="+mn-cs"/>
                       </a:endParaRPr>
@@ -13677,32 +13483,32 @@
                         <a:defRPr/>
                       </a:pPr>
                       <a:r>
-                        <a:rPr lang="en-US" altLang="zh-CN" sz="1600" kern="1200" dirty="0" smtClean="0">
+                        <a:rPr lang="en-US" altLang="zh-CN" sz="1800" b="0" kern="1200" dirty="0" smtClean="0">
                           <a:solidFill>
                             <a:schemeClr val="tx1"/>
                           </a:solidFill>
-                          <a:latin typeface="+mn-lt"/>
+                          <a:latin typeface="+mn-ea"/>
                           <a:ea typeface="+mn-ea"/>
                           <a:cs typeface="+mn-cs"/>
                         </a:rPr>
                         <a:t>777779</a:t>
                       </a:r>
-                      <a:endParaRPr lang="zh-CN" altLang="en-US" sz="1600" kern="1200" dirty="0" smtClean="0">
+                      <a:endParaRPr lang="zh-CN" altLang="en-US" sz="1800" b="0" kern="1200" dirty="0" smtClean="0">
                         <a:solidFill>
                           <a:schemeClr val="tx1"/>
                         </a:solidFill>
-                        <a:latin typeface="+mn-lt"/>
+                        <a:latin typeface="+mn-ea"/>
                         <a:ea typeface="+mn-ea"/>
                         <a:cs typeface="+mn-cs"/>
                       </a:endParaRPr>
                     </a:p>
                     <a:p>
                       <a:pPr marL="0" algn="l" defTabSz="914400" rtl="0" eaLnBrk="1" latinLnBrk="0" hangingPunct="1"/>
-                      <a:endParaRPr lang="zh-CN" altLang="en-US" sz="1600" kern="1200" dirty="0">
+                      <a:endParaRPr lang="zh-CN" altLang="en-US" sz="1800" b="0" kern="1200" dirty="0">
                         <a:solidFill>
                           <a:schemeClr val="tx1"/>
                         </a:solidFill>
-                        <a:latin typeface="+mn-lt"/>
+                        <a:latin typeface="+mn-ea"/>
                         <a:ea typeface="+mn-ea"/>
                         <a:cs typeface="+mn-cs"/>
                       </a:endParaRPr>
@@ -13771,21 +13577,21 @@
                         <a:defRPr/>
                       </a:pPr>
                       <a:r>
-                        <a:rPr lang="en-US" altLang="zh-CN" sz="1600" kern="1200" dirty="0" smtClean="0">
+                        <a:rPr lang="en-US" altLang="zh-CN" sz="1800" b="0" kern="1200" dirty="0" smtClean="0">
                           <a:solidFill>
                             <a:schemeClr val="tx1"/>
                           </a:solidFill>
-                          <a:latin typeface="+mn-lt"/>
+                          <a:latin typeface="+mn-ea"/>
                           <a:ea typeface="+mn-ea"/>
                           <a:cs typeface="+mn-cs"/>
                         </a:rPr>
                         <a:t>N/A</a:t>
                       </a:r>
-                      <a:endParaRPr lang="zh-CN" altLang="en-US" sz="1600" kern="1200" dirty="0" smtClean="0">
+                      <a:endParaRPr lang="zh-CN" altLang="en-US" sz="1800" b="0" kern="1200" dirty="0" smtClean="0">
                         <a:solidFill>
                           <a:schemeClr val="tx1"/>
                         </a:solidFill>
-                        <a:latin typeface="+mn-lt"/>
+                        <a:latin typeface="+mn-ea"/>
                         <a:ea typeface="+mn-ea"/>
                         <a:cs typeface="+mn-cs"/>
                       </a:endParaRPr>
@@ -13854,21 +13660,21 @@
                         <a:defRPr/>
                       </a:pPr>
                       <a:r>
-                        <a:rPr lang="en-US" altLang="zh-CN" sz="1600" kern="1200" dirty="0" smtClean="0">
+                        <a:rPr lang="en-US" altLang="zh-CN" sz="1800" b="0" kern="1200" dirty="0" smtClean="0">
                           <a:solidFill>
                             <a:schemeClr val="tx1"/>
                           </a:solidFill>
-                          <a:latin typeface="+mn-lt"/>
+                          <a:latin typeface="+mn-ea"/>
                           <a:ea typeface="+mn-ea"/>
                           <a:cs typeface="+mn-cs"/>
                         </a:rPr>
                         <a:t>N/A</a:t>
                       </a:r>
-                      <a:endParaRPr lang="zh-CN" altLang="en-US" sz="1600" kern="1200" dirty="0" smtClean="0">
+                      <a:endParaRPr lang="zh-CN" altLang="en-US" sz="1800" b="0" kern="1200" dirty="0" smtClean="0">
                         <a:solidFill>
                           <a:schemeClr val="tx1"/>
                         </a:solidFill>
-                        <a:latin typeface="+mn-lt"/>
+                        <a:latin typeface="+mn-ea"/>
                         <a:ea typeface="+mn-ea"/>
                         <a:cs typeface="+mn-cs"/>
                       </a:endParaRPr>
@@ -13937,11 +13743,11 @@
                         <a:defRPr/>
                       </a:pPr>
                       <a:r>
-                        <a:rPr lang="zh-CN" altLang="en-US" sz="1600" kern="1200" dirty="0" smtClean="0">
+                        <a:rPr lang="zh-CN" altLang="en-US" sz="1800" b="0" kern="1200" dirty="0" smtClean="0">
                           <a:solidFill>
                             <a:schemeClr val="tx1"/>
                           </a:solidFill>
-                          <a:latin typeface="+mn-lt"/>
+                          <a:latin typeface="+mn-ea"/>
                           <a:ea typeface="+mn-ea"/>
                           <a:cs typeface="+mn-cs"/>
                         </a:rPr>
@@ -13950,11 +13756,11 @@
                     </a:p>
                     <a:p>
                       <a:pPr marL="0" algn="l" defTabSz="914400" rtl="0" eaLnBrk="1" latinLnBrk="0" hangingPunct="1"/>
-                      <a:endParaRPr lang="zh-CN" altLang="en-US" sz="1600" kern="1200" dirty="0">
+                      <a:endParaRPr lang="zh-CN" altLang="en-US" sz="1800" b="0" kern="1200" dirty="0">
                         <a:solidFill>
                           <a:schemeClr val="tx1"/>
                         </a:solidFill>
-                        <a:latin typeface="+mn-lt"/>
+                        <a:latin typeface="+mn-ea"/>
                         <a:ea typeface="+mn-ea"/>
                         <a:cs typeface="+mn-cs"/>
                       </a:endParaRPr>
@@ -14025,21 +13831,21 @@
                         <a:defRPr/>
                       </a:pPr>
                       <a:r>
-                        <a:rPr lang="en-US" altLang="zh-CN" sz="1600" kern="1200" dirty="0" smtClean="0">
+                        <a:rPr lang="en-US" altLang="zh-CN" sz="1800" b="0" kern="1200" dirty="0" smtClean="0">
                           <a:solidFill>
                             <a:schemeClr val="tx1"/>
                           </a:solidFill>
-                          <a:latin typeface="+mn-lt"/>
+                          <a:latin typeface="+mn-ea"/>
                           <a:ea typeface="+mn-ea"/>
                           <a:cs typeface="+mn-cs"/>
                         </a:rPr>
                         <a:t>ATM-ST-005</a:t>
                       </a:r>
-                      <a:endParaRPr lang="zh-CN" altLang="en-US" sz="1600" kern="1200" dirty="0" smtClean="0">
+                      <a:endParaRPr lang="zh-CN" altLang="en-US" sz="1800" b="0" kern="1200" dirty="0" smtClean="0">
                         <a:solidFill>
                           <a:schemeClr val="tx1"/>
                         </a:solidFill>
-                        <a:latin typeface="+mn-lt"/>
+                        <a:latin typeface="+mn-ea"/>
                         <a:ea typeface="+mn-ea"/>
                         <a:cs typeface="+mn-cs"/>
                       </a:endParaRPr>
@@ -14092,21 +13898,21 @@
                     <a:p>
                       <a:pPr marL="0" algn="l" defTabSz="914400" rtl="0" eaLnBrk="1" latinLnBrk="0" hangingPunct="1"/>
                       <a:r>
-                        <a:rPr lang="en-US" altLang="zh-CN" sz="1600" kern="1200" dirty="0" smtClean="0">
+                        <a:rPr lang="en-US" altLang="zh-CN" sz="1800" b="0" kern="1200" dirty="0" smtClean="0">
                           <a:solidFill>
                             <a:schemeClr val="tx1"/>
                           </a:solidFill>
-                          <a:latin typeface="+mn-lt"/>
+                          <a:latin typeface="+mn-ea"/>
                           <a:ea typeface="+mn-ea"/>
                           <a:cs typeface="+mn-cs"/>
                         </a:rPr>
                         <a:t>5</a:t>
                       </a:r>
-                      <a:endParaRPr lang="zh-CN" altLang="en-US" sz="1600" kern="1200" dirty="0">
+                      <a:endParaRPr lang="zh-CN" altLang="en-US" sz="1800" b="0" kern="1200" dirty="0">
                         <a:solidFill>
                           <a:schemeClr val="tx1"/>
                         </a:solidFill>
-                        <a:latin typeface="+mn-lt"/>
+                        <a:latin typeface="+mn-ea"/>
                         <a:ea typeface="+mn-ea"/>
                         <a:cs typeface="+mn-cs"/>
                       </a:endParaRPr>
@@ -14175,21 +13981,21 @@
                         <a:defRPr/>
                       </a:pPr>
                       <a:r>
-                        <a:rPr lang="en-US" altLang="zh-CN" sz="1600" kern="1200" dirty="0" smtClean="0">
+                        <a:rPr lang="en-US" altLang="zh-CN" sz="1800" b="0" kern="1200" dirty="0" smtClean="0">
                           <a:solidFill>
                             <a:schemeClr val="tx1"/>
                           </a:solidFill>
-                          <a:latin typeface="+mn-lt"/>
+                          <a:latin typeface="+mn-ea"/>
                           <a:ea typeface="+mn-ea"/>
                           <a:cs typeface="+mn-cs"/>
                         </a:rPr>
                         <a:t>4201</a:t>
                       </a:r>
-                      <a:endParaRPr lang="zh-CN" altLang="en-US" sz="1600" kern="1200" dirty="0" smtClean="0">
+                      <a:endParaRPr lang="zh-CN" altLang="en-US" sz="1800" b="0" kern="1200" dirty="0" smtClean="0">
                         <a:solidFill>
                           <a:schemeClr val="tx1"/>
                         </a:solidFill>
-                        <a:latin typeface="+mn-lt"/>
+                        <a:latin typeface="+mn-ea"/>
                         <a:ea typeface="+mn-ea"/>
                         <a:cs typeface="+mn-cs"/>
                       </a:endParaRPr>
@@ -14242,21 +14048,21 @@
                     <a:p>
                       <a:pPr marL="0" algn="l" defTabSz="914400" rtl="0" eaLnBrk="1" latinLnBrk="0" hangingPunct="1"/>
                       <a:r>
-                        <a:rPr lang="en-US" altLang="zh-CN" sz="1600" kern="1200" dirty="0" smtClean="0">
+                        <a:rPr lang="en-US" altLang="zh-CN" sz="1800" b="0" kern="1200" dirty="0" smtClean="0">
                           <a:solidFill>
                             <a:schemeClr val="tx1"/>
                           </a:solidFill>
-                          <a:latin typeface="+mn-lt"/>
+                          <a:latin typeface="+mn-ea"/>
                           <a:ea typeface="+mn-ea"/>
                           <a:cs typeface="+mn-cs"/>
                         </a:rPr>
                         <a:t>888888</a:t>
                       </a:r>
-                      <a:endParaRPr lang="zh-CN" altLang="en-US" sz="1600" kern="1200" dirty="0">
+                      <a:endParaRPr lang="zh-CN" altLang="en-US" sz="1800" b="0" kern="1200" dirty="0">
                         <a:solidFill>
                           <a:schemeClr val="tx1"/>
                         </a:solidFill>
-                        <a:latin typeface="+mn-lt"/>
+                        <a:latin typeface="+mn-ea"/>
                         <a:ea typeface="+mn-ea"/>
                         <a:cs typeface="+mn-cs"/>
                       </a:endParaRPr>
@@ -14309,21 +14115,21 @@
                     <a:p>
                       <a:pPr marL="0" algn="l" defTabSz="914400" rtl="0" eaLnBrk="1" latinLnBrk="0" hangingPunct="1"/>
                       <a:r>
-                        <a:rPr lang="en-US" altLang="zh-CN" sz="1600" kern="1200" dirty="0" smtClean="0">
+                        <a:rPr lang="en-US" altLang="zh-CN" sz="1800" b="0" kern="1200" dirty="0" smtClean="0">
                           <a:solidFill>
                             <a:schemeClr val="tx1"/>
                           </a:solidFill>
-                          <a:latin typeface="+mn-lt"/>
+                          <a:latin typeface="+mn-ea"/>
                           <a:ea typeface="+mn-ea"/>
                           <a:cs typeface="+mn-cs"/>
                         </a:rPr>
                         <a:t>950</a:t>
                       </a:r>
-                      <a:endParaRPr lang="zh-CN" altLang="en-US" sz="1600" kern="1200" dirty="0">
+                      <a:endParaRPr lang="zh-CN" altLang="en-US" sz="1800" b="0" kern="1200" dirty="0">
                         <a:solidFill>
                           <a:schemeClr val="tx1"/>
                         </a:solidFill>
-                        <a:latin typeface="+mn-lt"/>
+                        <a:latin typeface="+mn-ea"/>
                         <a:ea typeface="+mn-ea"/>
                         <a:cs typeface="+mn-cs"/>
                       </a:endParaRPr>
@@ -14392,21 +14198,21 @@
                         <a:defRPr/>
                       </a:pPr>
                       <a:r>
-                        <a:rPr lang="en-US" altLang="zh-CN" sz="1600" kern="1200" dirty="0" smtClean="0">
+                        <a:rPr lang="en-US" altLang="zh-CN" sz="1800" b="0" kern="1200" dirty="0" smtClean="0">
                           <a:solidFill>
                             <a:schemeClr val="tx1"/>
                           </a:solidFill>
-                          <a:latin typeface="+mn-lt"/>
+                          <a:latin typeface="+mn-ea"/>
                           <a:ea typeface="+mn-ea"/>
                           <a:cs typeface="+mn-cs"/>
                         </a:rPr>
                         <a:t>N/A</a:t>
                       </a:r>
-                      <a:endParaRPr lang="zh-CN" altLang="en-US" sz="1600" kern="1200" dirty="0" smtClean="0">
+                      <a:endParaRPr lang="zh-CN" altLang="en-US" sz="1800" b="0" kern="1200" dirty="0" smtClean="0">
                         <a:solidFill>
                           <a:schemeClr val="tx1"/>
                         </a:solidFill>
-                        <a:latin typeface="+mn-lt"/>
+                        <a:latin typeface="+mn-ea"/>
                         <a:ea typeface="+mn-ea"/>
                         <a:cs typeface="+mn-cs"/>
                       </a:endParaRPr>
@@ -14475,24 +14281,16 @@
                         <a:defRPr/>
                       </a:pPr>
                       <a:r>
-                        <a:rPr lang="zh-CN" altLang="en-US" sz="1600" kern="1200" dirty="0" smtClean="0">
+                        <a:rPr lang="zh-CN" altLang="en-US" sz="1800" b="0" kern="1200" dirty="0" smtClean="0">
                           <a:solidFill>
                             <a:schemeClr val="tx1"/>
                           </a:solidFill>
-                          <a:latin typeface="+mn-lt"/>
+                          <a:latin typeface="+mn-ea"/>
                           <a:ea typeface="+mn-ea"/>
                           <a:cs typeface="+mn-cs"/>
                         </a:rPr>
                         <a:t>消息提示，返回基本流</a:t>
                       </a:r>
-                      <a:endParaRPr lang="zh-CN" altLang="en-US" sz="1600" kern="1200" dirty="0" smtClean="0">
-                        <a:solidFill>
-                          <a:schemeClr val="tx1"/>
-                        </a:solidFill>
-                        <a:latin typeface="+mn-lt"/>
-                        <a:ea typeface="+mn-ea"/>
-                        <a:cs typeface="+mn-cs"/>
-                      </a:endParaRPr>
                     </a:p>
                   </a:txBody>
                   <a:tcPr>
@@ -14560,21 +14358,21 @@
                         <a:defRPr/>
                       </a:pPr>
                       <a:r>
-                        <a:rPr lang="en-US" altLang="zh-CN" sz="1600" kern="1200" dirty="0" smtClean="0">
+                        <a:rPr lang="en-US" altLang="zh-CN" sz="1800" b="0" kern="1200" dirty="0" smtClean="0">
                           <a:solidFill>
                             <a:schemeClr val="tx1"/>
                           </a:solidFill>
-                          <a:latin typeface="+mn-lt"/>
+                          <a:latin typeface="+mn-ea"/>
                           <a:ea typeface="+mn-ea"/>
                           <a:cs typeface="+mn-cs"/>
                         </a:rPr>
                         <a:t>ATM-ST-006</a:t>
                       </a:r>
-                      <a:endParaRPr lang="zh-CN" altLang="en-US" sz="1600" kern="1200" dirty="0" smtClean="0">
+                      <a:endParaRPr lang="zh-CN" altLang="en-US" sz="1800" b="0" kern="1200" dirty="0" smtClean="0">
                         <a:solidFill>
                           <a:schemeClr val="tx1"/>
                         </a:solidFill>
-                        <a:latin typeface="+mn-lt"/>
+                        <a:latin typeface="+mn-ea"/>
                         <a:ea typeface="+mn-ea"/>
                         <a:cs typeface="+mn-cs"/>
                       </a:endParaRPr>
@@ -14627,21 +14425,21 @@
                     <a:p>
                       <a:pPr marL="0" algn="l" defTabSz="914400" rtl="0" eaLnBrk="1" latinLnBrk="0" hangingPunct="1"/>
                       <a:r>
-                        <a:rPr lang="en-US" altLang="zh-CN" sz="1600" kern="1200" dirty="0" smtClean="0">
+                        <a:rPr lang="en-US" altLang="zh-CN" sz="1800" b="0" kern="1200" dirty="0" smtClean="0">
                           <a:solidFill>
                             <a:schemeClr val="tx1"/>
                           </a:solidFill>
-                          <a:latin typeface="+mn-lt"/>
+                          <a:latin typeface="+mn-ea"/>
                           <a:ea typeface="+mn-ea"/>
                           <a:cs typeface="+mn-cs"/>
                         </a:rPr>
                         <a:t>6</a:t>
                       </a:r>
-                      <a:endParaRPr lang="zh-CN" altLang="en-US" sz="1600" kern="1200" dirty="0">
+                      <a:endParaRPr lang="zh-CN" altLang="en-US" sz="1800" b="0" kern="1200" dirty="0">
                         <a:solidFill>
                           <a:schemeClr val="tx1"/>
                         </a:solidFill>
-                        <a:latin typeface="+mn-lt"/>
+                        <a:latin typeface="+mn-ea"/>
                         <a:ea typeface="+mn-ea"/>
                         <a:cs typeface="+mn-cs"/>
                       </a:endParaRPr>
@@ -14710,21 +14508,21 @@
                         <a:defRPr/>
                       </a:pPr>
                       <a:r>
-                        <a:rPr lang="en-US" altLang="zh-CN" sz="1600" kern="1200" dirty="0" smtClean="0">
+                        <a:rPr lang="en-US" altLang="zh-CN" sz="1800" b="0" kern="1200" dirty="0" smtClean="0">
                           <a:solidFill>
                             <a:schemeClr val="tx1"/>
                           </a:solidFill>
-                          <a:latin typeface="+mn-lt"/>
+                          <a:latin typeface="+mn-ea"/>
                           <a:ea typeface="+mn-ea"/>
                           <a:cs typeface="+mn-cs"/>
                         </a:rPr>
                         <a:t>4201</a:t>
                       </a:r>
-                      <a:endParaRPr lang="zh-CN" altLang="en-US" sz="1600" kern="1200" dirty="0" smtClean="0">
+                      <a:endParaRPr lang="zh-CN" altLang="en-US" sz="1800" b="0" kern="1200" dirty="0" smtClean="0">
                         <a:solidFill>
                           <a:schemeClr val="tx1"/>
                         </a:solidFill>
-                        <a:latin typeface="+mn-lt"/>
+                        <a:latin typeface="+mn-ea"/>
                         <a:ea typeface="+mn-ea"/>
                         <a:cs typeface="+mn-cs"/>
                       </a:endParaRPr>
@@ -14777,21 +14575,21 @@
                     <a:p>
                       <a:pPr marL="0" algn="l" defTabSz="914400" rtl="0" eaLnBrk="1" latinLnBrk="0" hangingPunct="1"/>
                       <a:r>
-                        <a:rPr lang="en-US" altLang="zh-CN" sz="1600" kern="1200" dirty="0" smtClean="0">
+                        <a:rPr lang="en-US" altLang="zh-CN" sz="1800" b="0" kern="1200" dirty="0" smtClean="0">
                           <a:solidFill>
                             <a:schemeClr val="tx1"/>
                           </a:solidFill>
-                          <a:latin typeface="+mn-lt"/>
+                          <a:latin typeface="+mn-ea"/>
                           <a:ea typeface="+mn-ea"/>
                           <a:cs typeface="+mn-cs"/>
                         </a:rPr>
                         <a:t>888888</a:t>
                       </a:r>
-                      <a:endParaRPr lang="zh-CN" altLang="en-US" sz="1600" kern="1200" dirty="0">
+                      <a:endParaRPr lang="zh-CN" altLang="en-US" sz="1800" b="0" kern="1200" dirty="0">
                         <a:solidFill>
                           <a:schemeClr val="tx1"/>
                         </a:solidFill>
-                        <a:latin typeface="+mn-lt"/>
+                        <a:latin typeface="+mn-ea"/>
                         <a:ea typeface="+mn-ea"/>
                         <a:cs typeface="+mn-cs"/>
                       </a:endParaRPr>
@@ -14844,21 +14642,21 @@
                     <a:p>
                       <a:pPr marL="0" algn="l" defTabSz="914400" rtl="0" eaLnBrk="1" latinLnBrk="0" hangingPunct="1"/>
                       <a:r>
-                        <a:rPr lang="en-US" altLang="zh-CN" sz="1600" kern="1200" dirty="0" smtClean="0">
+                        <a:rPr lang="en-US" altLang="zh-CN" sz="1800" b="0" kern="1200" dirty="0" smtClean="0">
                           <a:solidFill>
                             <a:schemeClr val="tx1"/>
                           </a:solidFill>
-                          <a:latin typeface="+mn-lt"/>
+                          <a:latin typeface="+mn-ea"/>
                           <a:ea typeface="+mn-ea"/>
                           <a:cs typeface="+mn-cs"/>
                         </a:rPr>
                         <a:t>2000</a:t>
                       </a:r>
-                      <a:endParaRPr lang="zh-CN" altLang="en-US" sz="1600" kern="1200" dirty="0">
+                      <a:endParaRPr lang="zh-CN" altLang="en-US" sz="1800" b="0" kern="1200" dirty="0">
                         <a:solidFill>
                           <a:schemeClr val="tx1"/>
                         </a:solidFill>
-                        <a:latin typeface="+mn-lt"/>
+                        <a:latin typeface="+mn-ea"/>
                         <a:ea typeface="+mn-ea"/>
                         <a:cs typeface="+mn-cs"/>
                       </a:endParaRPr>
@@ -14927,24 +14725,16 @@
                         <a:defRPr/>
                       </a:pPr>
                       <a:r>
-                        <a:rPr lang="zh-CN" altLang="en-US" sz="1600" kern="1200" dirty="0" smtClean="0">
+                        <a:rPr lang="zh-CN" altLang="en-US" sz="1800" b="0" kern="1200" dirty="0" smtClean="0">
                           <a:solidFill>
                             <a:schemeClr val="tx1"/>
                           </a:solidFill>
-                          <a:latin typeface="+mn-lt"/>
+                          <a:latin typeface="+mn-ea"/>
                           <a:ea typeface="+mn-ea"/>
                           <a:cs typeface="+mn-cs"/>
                         </a:rPr>
                         <a:t>否</a:t>
                       </a:r>
-                      <a:endParaRPr lang="zh-CN" altLang="en-US" sz="1600" kern="1200" dirty="0" smtClean="0">
-                        <a:solidFill>
-                          <a:schemeClr val="tx1"/>
-                        </a:solidFill>
-                        <a:latin typeface="+mn-lt"/>
-                        <a:ea typeface="+mn-ea"/>
-                        <a:cs typeface="+mn-cs"/>
-                      </a:endParaRPr>
                     </a:p>
                   </a:txBody>
                   <a:tcPr>
@@ -14994,32 +14784,32 @@
                     <a:p>
                       <a:pPr marL="0" algn="l" defTabSz="914400" rtl="0" eaLnBrk="1" latinLnBrk="0" hangingPunct="1"/>
                       <a:r>
-                        <a:rPr lang="zh-CN" altLang="en-US" sz="1600" kern="1200" dirty="0" smtClean="0">
+                        <a:rPr lang="zh-CN" altLang="en-US" sz="1800" b="0" kern="1200" dirty="0" smtClean="0">
                           <a:solidFill>
                             <a:schemeClr val="tx1"/>
                           </a:solidFill>
-                          <a:latin typeface="+mn-lt"/>
+                          <a:latin typeface="+mn-ea"/>
                           <a:ea typeface="+mn-ea"/>
                           <a:cs typeface="+mn-cs"/>
                         </a:rPr>
                         <a:t>取款成功，不打印交易凭条，账户余额更新为</a:t>
                       </a:r>
                       <a:r>
-                        <a:rPr lang="en-US" altLang="zh-CN" sz="1600" kern="1200" dirty="0" smtClean="0">
+                        <a:rPr lang="en-US" altLang="zh-CN" sz="1800" b="0" kern="1200" dirty="0" smtClean="0">
                           <a:solidFill>
                             <a:schemeClr val="tx1"/>
                           </a:solidFill>
-                          <a:latin typeface="+mn-lt"/>
+                          <a:latin typeface="+mn-ea"/>
                           <a:ea typeface="+mn-ea"/>
                           <a:cs typeface="+mn-cs"/>
                         </a:rPr>
                         <a:t>7000</a:t>
                       </a:r>
-                      <a:endParaRPr lang="zh-CN" altLang="en-US" sz="1600" kern="1200" dirty="0">
+                      <a:endParaRPr lang="zh-CN" altLang="en-US" sz="1800" b="0" kern="1200" dirty="0">
                         <a:solidFill>
                           <a:schemeClr val="tx1"/>
                         </a:solidFill>
-                        <a:latin typeface="+mn-lt"/>
+                        <a:latin typeface="+mn-ea"/>
                         <a:ea typeface="+mn-ea"/>
                         <a:cs typeface="+mn-cs"/>
                       </a:endParaRPr>
@@ -15902,40 +15692,6 @@
       </p:grpSpPr>
       <p:sp>
         <p:nvSpPr>
-          <p:cNvPr id="2" name="标题 1"/>
-          <p:cNvSpPr>
-            <a:spLocks noGrp="1"/>
-          </p:cNvSpPr>
-          <p:nvPr>
-            <p:ph type="title"/>
-          </p:nvPr>
-        </p:nvSpPr>
-        <p:spPr>
-          <a:xfrm>
-            <a:off x="539552" y="852115"/>
-            <a:ext cx="7886700" cy="677863"/>
-          </a:xfrm>
-        </p:spPr>
-        <p:txBody>
-          <a:bodyPr/>
-          <a:lstStyle/>
-          <a:p>
-            <a:r>
-              <a:rPr lang="zh-CN" altLang="en-US" b="1" kern="1200" dirty="0" smtClean="0">
-                <a:latin typeface="黑体" panose="02010609060101010101" pitchFamily="2" charset="-122"/>
-                <a:ea typeface="黑体" panose="02010609060101010101" pitchFamily="2" charset="-122"/>
-              </a:rPr>
-              <a:t>使用场景法进行用例的设计</a:t>
-            </a:r>
-            <a:endParaRPr lang="zh-CN" altLang="en-US" b="1" kern="1200" dirty="0">
-              <a:latin typeface="黑体" panose="02010609060101010101" pitchFamily="2" charset="-122"/>
-              <a:ea typeface="黑体" panose="02010609060101010101" pitchFamily="2" charset="-122"/>
-            </a:endParaRPr>
-          </a:p>
-        </p:txBody>
-      </p:sp>
-      <p:sp>
-        <p:nvSpPr>
           <p:cNvPr id="3" name="内容占位符 2"/>
           <p:cNvSpPr>
             <a:spLocks noGrp="1"/>
@@ -16132,6 +15888,219 @@
             <a:endParaRPr lang="zh-CN" altLang="en-US" sz="1800" b="1" dirty="0">
               <a:latin typeface="+mn-ea"/>
             </a:endParaRPr>
+          </a:p>
+        </p:txBody>
+      </p:sp>
+      <p:sp>
+        <p:nvSpPr>
+          <p:cNvPr id="6" name="Rectangle 2"/>
+          <p:cNvSpPr txBox="1">
+            <a:spLocks noChangeArrowheads="1"/>
+          </p:cNvSpPr>
+          <p:nvPr/>
+        </p:nvSpPr>
+        <p:spPr bwMode="auto">
+          <a:xfrm>
+            <a:off x="611560" y="304799"/>
+            <a:ext cx="8001000" cy="1216025"/>
+          </a:xfrm>
+          <a:prstGeom prst="rect">
+            <a:avLst/>
+          </a:prstGeom>
+          <a:noFill/>
+          <a:ln>
+            <a:noFill/>
+          </a:ln>
+          <a:extLst>
+            <a:ext uri="{909E8E84-426E-40DD-AFC4-6F175D3DCCD1}">
+              <a14:hiddenFill xmlns:a14="http://schemas.microsoft.com/office/drawing/2010/main">
+                <a:solidFill>
+                  <a:srgbClr val="FFFFFF"/>
+                </a:solidFill>
+              </a14:hiddenFill>
+            </a:ext>
+            <a:ext uri="{91240B29-F687-4F45-9708-019B960494DF}">
+              <a14:hiddenLine xmlns:a14="http://schemas.microsoft.com/office/drawing/2010/main" w="9525">
+                <a:solidFill>
+                  <a:srgbClr val="000000"/>
+                </a:solidFill>
+                <a:miter lim="800000"/>
+                <a:headEnd/>
+                <a:tailEnd/>
+              </a14:hiddenLine>
+            </a:ext>
+          </a:extLst>
+        </p:spPr>
+        <p:txBody>
+          <a:bodyPr vert="horz" wrap="square" lIns="91440" tIns="45720" rIns="91440" bIns="45720" numCol="1" anchor="b" anchorCtr="0" compatLnSpc="1"/>
+          <a:lstStyle>
+            <a:lvl1pPr algn="l" rtl="0" eaLnBrk="0" fontAlgn="base" hangingPunct="0">
+              <a:spcBef>
+                <a:spcPct val="0"/>
+              </a:spcBef>
+              <a:spcAft>
+                <a:spcPct val="0"/>
+              </a:spcAft>
+              <a:defRPr sz="3800">
+                <a:solidFill>
+                  <a:schemeClr val="tx2"/>
+                </a:solidFill>
+                <a:latin typeface="+mj-lt"/>
+                <a:ea typeface="+mj-ea"/>
+                <a:cs typeface="+mj-cs"/>
+              </a:defRPr>
+            </a:lvl1pPr>
+            <a:lvl2pPr algn="l" rtl="0" eaLnBrk="0" fontAlgn="base" hangingPunct="0">
+              <a:spcBef>
+                <a:spcPct val="0"/>
+              </a:spcBef>
+              <a:spcAft>
+                <a:spcPct val="0"/>
+              </a:spcAft>
+              <a:defRPr sz="3800">
+                <a:solidFill>
+                  <a:schemeClr val="tx2"/>
+                </a:solidFill>
+                <a:latin typeface="Verdana" panose="020B0604030504040204" pitchFamily="34" charset="0"/>
+                <a:ea typeface="宋体" panose="02010600030101010101" pitchFamily="2" charset="-122"/>
+              </a:defRPr>
+            </a:lvl2pPr>
+            <a:lvl3pPr algn="l" rtl="0" eaLnBrk="0" fontAlgn="base" hangingPunct="0">
+              <a:spcBef>
+                <a:spcPct val="0"/>
+              </a:spcBef>
+              <a:spcAft>
+                <a:spcPct val="0"/>
+              </a:spcAft>
+              <a:defRPr sz="3800">
+                <a:solidFill>
+                  <a:schemeClr val="tx2"/>
+                </a:solidFill>
+                <a:latin typeface="Verdana" panose="020B0604030504040204" pitchFamily="34" charset="0"/>
+                <a:ea typeface="宋体" panose="02010600030101010101" pitchFamily="2" charset="-122"/>
+              </a:defRPr>
+            </a:lvl3pPr>
+            <a:lvl4pPr algn="l" rtl="0" eaLnBrk="0" fontAlgn="base" hangingPunct="0">
+              <a:spcBef>
+                <a:spcPct val="0"/>
+              </a:spcBef>
+              <a:spcAft>
+                <a:spcPct val="0"/>
+              </a:spcAft>
+              <a:defRPr sz="3800">
+                <a:solidFill>
+                  <a:schemeClr val="tx2"/>
+                </a:solidFill>
+                <a:latin typeface="Verdana" panose="020B0604030504040204" pitchFamily="34" charset="0"/>
+                <a:ea typeface="宋体" panose="02010600030101010101" pitchFamily="2" charset="-122"/>
+              </a:defRPr>
+            </a:lvl4pPr>
+            <a:lvl5pPr algn="l" rtl="0" eaLnBrk="0" fontAlgn="base" hangingPunct="0">
+              <a:spcBef>
+                <a:spcPct val="0"/>
+              </a:spcBef>
+              <a:spcAft>
+                <a:spcPct val="0"/>
+              </a:spcAft>
+              <a:defRPr sz="3800">
+                <a:solidFill>
+                  <a:schemeClr val="tx2"/>
+                </a:solidFill>
+                <a:latin typeface="Verdana" panose="020B0604030504040204" pitchFamily="34" charset="0"/>
+                <a:ea typeface="宋体" panose="02010600030101010101" pitchFamily="2" charset="-122"/>
+              </a:defRPr>
+            </a:lvl5pPr>
+            <a:lvl6pPr marL="457200" algn="l" rtl="0" fontAlgn="base">
+              <a:spcBef>
+                <a:spcPct val="0"/>
+              </a:spcBef>
+              <a:spcAft>
+                <a:spcPct val="0"/>
+              </a:spcAft>
+              <a:defRPr sz="3800">
+                <a:solidFill>
+                  <a:schemeClr val="tx2"/>
+                </a:solidFill>
+                <a:latin typeface="Verdana" panose="020B0604030504040204" pitchFamily="34" charset="0"/>
+                <a:ea typeface="宋体" panose="02010600030101010101" pitchFamily="2" charset="-122"/>
+              </a:defRPr>
+            </a:lvl6pPr>
+            <a:lvl7pPr marL="914400" algn="l" rtl="0" fontAlgn="base">
+              <a:spcBef>
+                <a:spcPct val="0"/>
+              </a:spcBef>
+              <a:spcAft>
+                <a:spcPct val="0"/>
+              </a:spcAft>
+              <a:defRPr sz="3800">
+                <a:solidFill>
+                  <a:schemeClr val="tx2"/>
+                </a:solidFill>
+                <a:latin typeface="Verdana" panose="020B0604030504040204" pitchFamily="34" charset="0"/>
+                <a:ea typeface="宋体" panose="02010600030101010101" pitchFamily="2" charset="-122"/>
+              </a:defRPr>
+            </a:lvl7pPr>
+            <a:lvl8pPr marL="1371600" algn="l" rtl="0" fontAlgn="base">
+              <a:spcBef>
+                <a:spcPct val="0"/>
+              </a:spcBef>
+              <a:spcAft>
+                <a:spcPct val="0"/>
+              </a:spcAft>
+              <a:defRPr sz="3800">
+                <a:solidFill>
+                  <a:schemeClr val="tx2"/>
+                </a:solidFill>
+                <a:latin typeface="Verdana" panose="020B0604030504040204" pitchFamily="34" charset="0"/>
+                <a:ea typeface="宋体" panose="02010600030101010101" pitchFamily="2" charset="-122"/>
+              </a:defRPr>
+            </a:lvl8pPr>
+            <a:lvl9pPr marL="1828800" algn="l" rtl="0" fontAlgn="base">
+              <a:spcBef>
+                <a:spcPct val="0"/>
+              </a:spcBef>
+              <a:spcAft>
+                <a:spcPct val="0"/>
+              </a:spcAft>
+              <a:defRPr sz="3800">
+                <a:solidFill>
+                  <a:schemeClr val="tx2"/>
+                </a:solidFill>
+                <a:latin typeface="Verdana" panose="020B0604030504040204" pitchFamily="34" charset="0"/>
+                <a:ea typeface="宋体" panose="02010600030101010101" pitchFamily="2" charset="-122"/>
+              </a:defRPr>
+            </a:lvl9pPr>
+          </a:lstStyle>
+          <a:p>
+            <a:pPr eaLnBrk="1" hangingPunct="1"/>
+            <a:r>
+              <a:rPr lang="en-US" altLang="zh-CN" b="1" dirty="0" smtClean="0">
+                <a:latin typeface="黑体" panose="02010609060101010101" pitchFamily="2" charset="-122"/>
+                <a:ea typeface="黑体" panose="02010609060101010101" pitchFamily="2" charset="-122"/>
+              </a:rPr>
+              <a:t>3.6 </a:t>
+            </a:r>
+            <a:r>
+              <a:rPr lang="zh-CN" altLang="en-US" b="1" dirty="0" smtClean="0">
+                <a:latin typeface="黑体" panose="02010609060101010101" pitchFamily="2" charset="-122"/>
+                <a:ea typeface="黑体" panose="02010609060101010101" pitchFamily="2" charset="-122"/>
+              </a:rPr>
+              <a:t>基于场景的测试</a:t>
+            </a:r>
+            <a:r>
+              <a:rPr lang="en-US" altLang="zh-CN" b="1" dirty="0" smtClean="0">
+                <a:latin typeface="黑体" panose="02010609060101010101" pitchFamily="2" charset="-122"/>
+                <a:ea typeface="黑体" panose="02010609060101010101" pitchFamily="2" charset="-122"/>
+              </a:rPr>
+              <a:t>-</a:t>
+            </a:r>
+            <a:r>
+              <a:rPr lang="zh-CN" altLang="en-US" b="1" dirty="0" smtClean="0">
+                <a:latin typeface="黑体" panose="02010609060101010101" pitchFamily="2" charset="-122"/>
+                <a:ea typeface="黑体" panose="02010609060101010101" pitchFamily="2" charset="-122"/>
+              </a:rPr>
+              <a:t>练习</a:t>
+            </a:r>
           </a:p>
         </p:txBody>
       </p:sp>
@@ -16206,157 +16175,6 @@
           </a:p>
         </p:txBody>
       </p:sp>
-      <p:sp>
-        <p:nvSpPr>
-          <p:cNvPr id="147460" name="灯片编号占位符 3"/>
-          <p:cNvSpPr>
-            <a:spLocks noGrp="1"/>
-          </p:cNvSpPr>
-          <p:nvPr>
-            <p:ph type="sldNum" sz="quarter" idx="12"/>
-          </p:nvPr>
-        </p:nvSpPr>
-        <p:spPr>
-          <a:noFill/>
-          <a:extLst>
-            <a:ext uri="{909E8E84-426E-40DD-AFC4-6F175D3DCCD1}">
-              <a14:hiddenFill xmlns:a14="http://schemas.microsoft.com/office/drawing/2010/main">
-                <a:solidFill>
-                  <a:srgbClr val="FFFFFF"/>
-                </a:solidFill>
-              </a14:hiddenFill>
-            </a:ext>
-            <a:ext uri="{91240B29-F687-4F45-9708-019B960494DF}">
-              <a14:hiddenLine xmlns:a14="http://schemas.microsoft.com/office/drawing/2010/main" w="9525">
-                <a:solidFill>
-                  <a:srgbClr val="000000"/>
-                </a:solidFill>
-                <a:miter lim="800000"/>
-                <a:headEnd/>
-                <a:tailEnd/>
-              </a14:hiddenLine>
-            </a:ext>
-          </a:extLst>
-        </p:spPr>
-        <p:txBody>
-          <a:bodyPr/>
-          <a:lstStyle>
-            <a:lvl1pPr eaLnBrk="0" hangingPunct="0">
-              <a:defRPr>
-                <a:solidFill>
-                  <a:schemeClr val="tx1"/>
-                </a:solidFill>
-                <a:latin typeface="Verdana" panose="020B0604030504040204" pitchFamily="34" charset="0"/>
-                <a:ea typeface="宋体" panose="02010600030101010101" pitchFamily="2" charset="-122"/>
-              </a:defRPr>
-            </a:lvl1pPr>
-            <a:lvl2pPr marL="742950" indent="-285750" eaLnBrk="0" hangingPunct="0">
-              <a:defRPr>
-                <a:solidFill>
-                  <a:schemeClr val="tx1"/>
-                </a:solidFill>
-                <a:latin typeface="Verdana" panose="020B0604030504040204" pitchFamily="34" charset="0"/>
-                <a:ea typeface="宋体" panose="02010600030101010101" pitchFamily="2" charset="-122"/>
-              </a:defRPr>
-            </a:lvl2pPr>
-            <a:lvl3pPr marL="1143000" indent="-228600" eaLnBrk="0" hangingPunct="0">
-              <a:defRPr>
-                <a:solidFill>
-                  <a:schemeClr val="tx1"/>
-                </a:solidFill>
-                <a:latin typeface="Verdana" panose="020B0604030504040204" pitchFamily="34" charset="0"/>
-                <a:ea typeface="宋体" panose="02010600030101010101" pitchFamily="2" charset="-122"/>
-              </a:defRPr>
-            </a:lvl3pPr>
-            <a:lvl4pPr marL="1600200" indent="-228600" eaLnBrk="0" hangingPunct="0">
-              <a:defRPr>
-                <a:solidFill>
-                  <a:schemeClr val="tx1"/>
-                </a:solidFill>
-                <a:latin typeface="Verdana" panose="020B0604030504040204" pitchFamily="34" charset="0"/>
-                <a:ea typeface="宋体" panose="02010600030101010101" pitchFamily="2" charset="-122"/>
-              </a:defRPr>
-            </a:lvl4pPr>
-            <a:lvl5pPr marL="2057400" indent="-228600" eaLnBrk="0" hangingPunct="0">
-              <a:defRPr>
-                <a:solidFill>
-                  <a:schemeClr val="tx1"/>
-                </a:solidFill>
-                <a:latin typeface="Verdana" panose="020B0604030504040204" pitchFamily="34" charset="0"/>
-                <a:ea typeface="宋体" panose="02010600030101010101" pitchFamily="2" charset="-122"/>
-              </a:defRPr>
-            </a:lvl5pPr>
-            <a:lvl6pPr marL="2514600" indent="-228600" eaLnBrk="0" fontAlgn="base" hangingPunct="0">
-              <a:spcBef>
-                <a:spcPct val="0"/>
-              </a:spcBef>
-              <a:spcAft>
-                <a:spcPct val="0"/>
-              </a:spcAft>
-              <a:defRPr>
-                <a:solidFill>
-                  <a:schemeClr val="tx1"/>
-                </a:solidFill>
-                <a:latin typeface="Verdana" panose="020B0604030504040204" pitchFamily="34" charset="0"/>
-                <a:ea typeface="宋体" panose="02010600030101010101" pitchFamily="2" charset="-122"/>
-              </a:defRPr>
-            </a:lvl6pPr>
-            <a:lvl7pPr marL="2971800" indent="-228600" eaLnBrk="0" fontAlgn="base" hangingPunct="0">
-              <a:spcBef>
-                <a:spcPct val="0"/>
-              </a:spcBef>
-              <a:spcAft>
-                <a:spcPct val="0"/>
-              </a:spcAft>
-              <a:defRPr>
-                <a:solidFill>
-                  <a:schemeClr val="tx1"/>
-                </a:solidFill>
-                <a:latin typeface="Verdana" panose="020B0604030504040204" pitchFamily="34" charset="0"/>
-                <a:ea typeface="宋体" panose="02010600030101010101" pitchFamily="2" charset="-122"/>
-              </a:defRPr>
-            </a:lvl7pPr>
-            <a:lvl8pPr marL="3429000" indent="-228600" eaLnBrk="0" fontAlgn="base" hangingPunct="0">
-              <a:spcBef>
-                <a:spcPct val="0"/>
-              </a:spcBef>
-              <a:spcAft>
-                <a:spcPct val="0"/>
-              </a:spcAft>
-              <a:defRPr>
-                <a:solidFill>
-                  <a:schemeClr val="tx1"/>
-                </a:solidFill>
-                <a:latin typeface="Verdana" panose="020B0604030504040204" pitchFamily="34" charset="0"/>
-                <a:ea typeface="宋体" panose="02010600030101010101" pitchFamily="2" charset="-122"/>
-              </a:defRPr>
-            </a:lvl8pPr>
-            <a:lvl9pPr marL="3886200" indent="-228600" eaLnBrk="0" fontAlgn="base" hangingPunct="0">
-              <a:spcBef>
-                <a:spcPct val="0"/>
-              </a:spcBef>
-              <a:spcAft>
-                <a:spcPct val="0"/>
-              </a:spcAft>
-              <a:defRPr>
-                <a:solidFill>
-                  <a:schemeClr val="tx1"/>
-                </a:solidFill>
-                <a:latin typeface="Verdana" panose="020B0604030504040204" pitchFamily="34" charset="0"/>
-                <a:ea typeface="宋体" panose="02010600030101010101" pitchFamily="2" charset="-122"/>
-              </a:defRPr>
-            </a:lvl9pPr>
-          </a:lstStyle>
-          <a:p>
-            <a:pPr eaLnBrk="1" hangingPunct="1"/>
-            <a:fld id="{767E3E2C-221F-4D7E-91A8-AF486AD69B14}" type="slidenum">
-              <a:rPr lang="en-US" altLang="zh-CN" smtClean="0"/>
-              <a:t>15</a:t>
-            </a:fld>
-            <a:endParaRPr lang="en-US" altLang="zh-CN" smtClean="0"/>
-          </a:p>
-        </p:txBody>
-      </p:sp>
     </p:spTree>
   </p:cSld>
   <p:clrMapOvr>
@@ -16390,157 +16208,6 @@
           <a:chExt cx="0" cy="0"/>
         </a:xfrm>
       </p:grpSpPr>
-      <p:sp>
-        <p:nvSpPr>
-          <p:cNvPr id="4098" name="灯片编号占位符 5"/>
-          <p:cNvSpPr>
-            <a:spLocks noGrp="1"/>
-          </p:cNvSpPr>
-          <p:nvPr>
-            <p:ph type="sldNum" sz="quarter" idx="12"/>
-          </p:nvPr>
-        </p:nvSpPr>
-        <p:spPr>
-          <a:noFill/>
-          <a:extLst>
-            <a:ext uri="{909E8E84-426E-40DD-AFC4-6F175D3DCCD1}">
-              <a14:hiddenFill xmlns:a14="http://schemas.microsoft.com/office/drawing/2010/main">
-                <a:solidFill>
-                  <a:srgbClr val="FFFFFF"/>
-                </a:solidFill>
-              </a14:hiddenFill>
-            </a:ext>
-            <a:ext uri="{91240B29-F687-4F45-9708-019B960494DF}">
-              <a14:hiddenLine xmlns:a14="http://schemas.microsoft.com/office/drawing/2010/main" w="9525">
-                <a:solidFill>
-                  <a:srgbClr val="000000"/>
-                </a:solidFill>
-                <a:miter lim="800000"/>
-                <a:headEnd/>
-                <a:tailEnd/>
-              </a14:hiddenLine>
-            </a:ext>
-          </a:extLst>
-        </p:spPr>
-        <p:txBody>
-          <a:bodyPr/>
-          <a:lstStyle>
-            <a:lvl1pPr eaLnBrk="0" hangingPunct="0">
-              <a:defRPr>
-                <a:solidFill>
-                  <a:schemeClr val="tx1"/>
-                </a:solidFill>
-                <a:latin typeface="Verdana" panose="020B0604030504040204" pitchFamily="34" charset="0"/>
-                <a:ea typeface="宋体" panose="02010600030101010101" pitchFamily="2" charset="-122"/>
-              </a:defRPr>
-            </a:lvl1pPr>
-            <a:lvl2pPr marL="742950" indent="-285750" eaLnBrk="0" hangingPunct="0">
-              <a:defRPr>
-                <a:solidFill>
-                  <a:schemeClr val="tx1"/>
-                </a:solidFill>
-                <a:latin typeface="Verdana" panose="020B0604030504040204" pitchFamily="34" charset="0"/>
-                <a:ea typeface="宋体" panose="02010600030101010101" pitchFamily="2" charset="-122"/>
-              </a:defRPr>
-            </a:lvl2pPr>
-            <a:lvl3pPr marL="1143000" indent="-228600" eaLnBrk="0" hangingPunct="0">
-              <a:defRPr>
-                <a:solidFill>
-                  <a:schemeClr val="tx1"/>
-                </a:solidFill>
-                <a:latin typeface="Verdana" panose="020B0604030504040204" pitchFamily="34" charset="0"/>
-                <a:ea typeface="宋体" panose="02010600030101010101" pitchFamily="2" charset="-122"/>
-              </a:defRPr>
-            </a:lvl3pPr>
-            <a:lvl4pPr marL="1600200" indent="-228600" eaLnBrk="0" hangingPunct="0">
-              <a:defRPr>
-                <a:solidFill>
-                  <a:schemeClr val="tx1"/>
-                </a:solidFill>
-                <a:latin typeface="Verdana" panose="020B0604030504040204" pitchFamily="34" charset="0"/>
-                <a:ea typeface="宋体" panose="02010600030101010101" pitchFamily="2" charset="-122"/>
-              </a:defRPr>
-            </a:lvl4pPr>
-            <a:lvl5pPr marL="2057400" indent="-228600" eaLnBrk="0" hangingPunct="0">
-              <a:defRPr>
-                <a:solidFill>
-                  <a:schemeClr val="tx1"/>
-                </a:solidFill>
-                <a:latin typeface="Verdana" panose="020B0604030504040204" pitchFamily="34" charset="0"/>
-                <a:ea typeface="宋体" panose="02010600030101010101" pitchFamily="2" charset="-122"/>
-              </a:defRPr>
-            </a:lvl5pPr>
-            <a:lvl6pPr marL="2514600" indent="-228600" eaLnBrk="0" fontAlgn="base" hangingPunct="0">
-              <a:spcBef>
-                <a:spcPct val="0"/>
-              </a:spcBef>
-              <a:spcAft>
-                <a:spcPct val="0"/>
-              </a:spcAft>
-              <a:defRPr>
-                <a:solidFill>
-                  <a:schemeClr val="tx1"/>
-                </a:solidFill>
-                <a:latin typeface="Verdana" panose="020B0604030504040204" pitchFamily="34" charset="0"/>
-                <a:ea typeface="宋体" panose="02010600030101010101" pitchFamily="2" charset="-122"/>
-              </a:defRPr>
-            </a:lvl6pPr>
-            <a:lvl7pPr marL="2971800" indent="-228600" eaLnBrk="0" fontAlgn="base" hangingPunct="0">
-              <a:spcBef>
-                <a:spcPct val="0"/>
-              </a:spcBef>
-              <a:spcAft>
-                <a:spcPct val="0"/>
-              </a:spcAft>
-              <a:defRPr>
-                <a:solidFill>
-                  <a:schemeClr val="tx1"/>
-                </a:solidFill>
-                <a:latin typeface="Verdana" panose="020B0604030504040204" pitchFamily="34" charset="0"/>
-                <a:ea typeface="宋体" panose="02010600030101010101" pitchFamily="2" charset="-122"/>
-              </a:defRPr>
-            </a:lvl7pPr>
-            <a:lvl8pPr marL="3429000" indent="-228600" eaLnBrk="0" fontAlgn="base" hangingPunct="0">
-              <a:spcBef>
-                <a:spcPct val="0"/>
-              </a:spcBef>
-              <a:spcAft>
-                <a:spcPct val="0"/>
-              </a:spcAft>
-              <a:defRPr>
-                <a:solidFill>
-                  <a:schemeClr val="tx1"/>
-                </a:solidFill>
-                <a:latin typeface="Verdana" panose="020B0604030504040204" pitchFamily="34" charset="0"/>
-                <a:ea typeface="宋体" panose="02010600030101010101" pitchFamily="2" charset="-122"/>
-              </a:defRPr>
-            </a:lvl8pPr>
-            <a:lvl9pPr marL="3886200" indent="-228600" eaLnBrk="0" fontAlgn="base" hangingPunct="0">
-              <a:spcBef>
-                <a:spcPct val="0"/>
-              </a:spcBef>
-              <a:spcAft>
-                <a:spcPct val="0"/>
-              </a:spcAft>
-              <a:defRPr>
-                <a:solidFill>
-                  <a:schemeClr val="tx1"/>
-                </a:solidFill>
-                <a:latin typeface="Verdana" panose="020B0604030504040204" pitchFamily="34" charset="0"/>
-                <a:ea typeface="宋体" panose="02010600030101010101" pitchFamily="2" charset="-122"/>
-              </a:defRPr>
-            </a:lvl9pPr>
-          </a:lstStyle>
-          <a:p>
-            <a:pPr eaLnBrk="1" hangingPunct="1"/>
-            <a:fld id="{2FE39F64-A1D4-4C6E-BAC3-DB3E303ED693}" type="slidenum">
-              <a:rPr lang="en-US" altLang="zh-CN" smtClean="0"/>
-              <a:t>2</a:t>
-            </a:fld>
-            <a:endParaRPr lang="en-US" altLang="zh-CN" smtClean="0"/>
-          </a:p>
-        </p:txBody>
-      </p:sp>
       <p:sp>
         <p:nvSpPr>
           <p:cNvPr id="4099" name="Rectangle 2"/>
@@ -17904,11 +17571,19 @@
             </a:r>
             <a:r>
               <a:rPr lang="zh-CN" altLang="en-US" b="1" dirty="0" smtClean="0"/>
-              <a:t>通过</a:t>
+              <a:t>通过分析</a:t>
             </a:r>
             <a:r>
               <a:rPr lang="zh-CN" altLang="en-US" b="1" dirty="0"/>
-              <a:t>分析不同事件的触发顺序和处理结果，构建各个事件流，并基于这些事件的触发控制业务流程，形成多个不同场景，最终基于场景设计测试用例。</a:t>
+              <a:t>同一</a:t>
+            </a:r>
+            <a:r>
+              <a:rPr lang="zh-CN" altLang="en-US" b="1" dirty="0" smtClean="0"/>
+              <a:t>事件的不同触发</a:t>
+            </a:r>
+            <a:r>
+              <a:rPr lang="zh-CN" altLang="en-US" b="1" dirty="0"/>
+              <a:t>顺序和处理结果，构建各个事件流，并基于这些事件的触发控制业务流程，形成多个不同场景，最终基于场景设计测试用例。</a:t>
             </a:r>
             <a:endParaRPr lang="en-US" altLang="zh-CN" b="1" dirty="0"/>
           </a:p>
@@ -18142,16 +17817,7 @@
                 </a:solidFill>
                 <a:latin typeface="+mn-ea"/>
               </a:rPr>
-              <a:t>设计</a:t>
-            </a:r>
-            <a:r>
-              <a:rPr lang="zh-CN" altLang="en-US" b="1" dirty="0" smtClean="0">
-                <a:solidFill>
-                  <a:srgbClr val="FF0000"/>
-                </a:solidFill>
-                <a:latin typeface="+mn-ea"/>
-              </a:rPr>
-              <a:t>测试用例</a:t>
+              <a:t>设计测试用例</a:t>
             </a:r>
             <a:endParaRPr lang="en-US" altLang="zh-CN" b="1" dirty="0" smtClean="0">
               <a:solidFill>
@@ -18871,11 +18537,7 @@
             <a:pPr algn="just" eaLnBrk="1" hangingPunct="1"/>
             <a:r>
               <a:rPr lang="zh-CN" altLang="en-US" sz="3400" b="1" dirty="0"/>
-              <a:t>基本</a:t>
-            </a:r>
-            <a:r>
-              <a:rPr lang="zh-CN" altLang="en-US" sz="3400" b="1" dirty="0"/>
-              <a:t>流与备选流的</a:t>
+              <a:t>基本流与备选流的</a:t>
             </a:r>
             <a:r>
               <a:rPr lang="zh-CN" altLang="en-US" sz="3400" b="1" dirty="0" smtClean="0"/>
@@ -18900,14 +18562,14 @@
           <p:nvPr>
             <p:extLst>
               <p:ext uri="{D42A27DB-BD31-4B8C-83A1-F6EECF244321}">
-                <p14:modId xmlns:p14="http://schemas.microsoft.com/office/powerpoint/2010/main" val="2375826445"/>
+                <p14:modId xmlns:p14="http://schemas.microsoft.com/office/powerpoint/2010/main" val="2856733648"/>
               </p:ext>
             </p:extLst>
           </p:nvPr>
         </p:nvGraphicFramePr>
         <p:xfrm>
           <a:off x="971600" y="2636912"/>
-          <a:ext cx="6096000" cy="3672840"/>
+          <a:ext cx="7704855" cy="3919296"/>
         </p:xfrm>
         <a:graphic>
           <a:graphicData uri="http://schemas.openxmlformats.org/drawingml/2006/table">
@@ -18916,17 +18578,17 @@
                 <a:tableStyleId>{5C22544A-7EE6-4342-B048-85BDC9FD1C3A}</a:tableStyleId>
               </a:tblPr>
               <a:tblGrid>
-                <a:gridCol w="2032000"/>
-                <a:gridCol w="2032000"/>
-                <a:gridCol w="2032000"/>
+                <a:gridCol w="2376264"/>
+                <a:gridCol w="2376264"/>
+                <a:gridCol w="2952327"/>
               </a:tblGrid>
-              <a:tr h="370840">
+              <a:tr h="363526">
                 <a:tc>
                   <a:txBody>
                     <a:bodyPr/>
                     <a:lstStyle/>
                     <a:p>
-                      <a:endParaRPr lang="zh-CN" altLang="en-US" b="1" dirty="0">
+                      <a:endParaRPr lang="zh-CN" altLang="en-US" sz="2000" b="1" dirty="0">
                         <a:solidFill>
                           <a:schemeClr val="tx1"/>
                         </a:solidFill>
@@ -18979,14 +18641,14 @@
                     <a:lstStyle/>
                     <a:p>
                       <a:r>
-                        <a:rPr lang="zh-CN" altLang="en-US" b="1" dirty="0" smtClean="0">
+                        <a:rPr lang="zh-CN" altLang="en-US" sz="2000" b="1" dirty="0" smtClean="0">
                           <a:solidFill>
                             <a:schemeClr val="tx1"/>
                           </a:solidFill>
                         </a:rPr>
                         <a:t>基本流</a:t>
                       </a:r>
-                      <a:endParaRPr lang="zh-CN" altLang="en-US" b="1" dirty="0">
+                      <a:endParaRPr lang="zh-CN" altLang="en-US" sz="2000" b="1" dirty="0">
                         <a:solidFill>
                           <a:schemeClr val="tx1"/>
                         </a:solidFill>
@@ -19039,14 +18701,14 @@
                     <a:lstStyle/>
                     <a:p>
                       <a:r>
-                        <a:rPr lang="zh-CN" altLang="en-US" b="1" dirty="0" smtClean="0">
+                        <a:rPr lang="zh-CN" altLang="en-US" sz="2000" b="1" dirty="0" smtClean="0">
                           <a:solidFill>
                             <a:schemeClr val="tx1"/>
                           </a:solidFill>
                         </a:rPr>
                         <a:t>备选流</a:t>
                       </a:r>
-                      <a:endParaRPr lang="zh-CN" altLang="en-US" b="1" dirty="0">
+                      <a:endParaRPr lang="zh-CN" altLang="en-US" sz="2000" b="1" dirty="0">
                         <a:solidFill>
                           <a:schemeClr val="tx1"/>
                         </a:solidFill>
@@ -19094,21 +18756,21 @@
                   </a:tcPr>
                 </a:tc>
               </a:tr>
-              <a:tr h="370840">
+              <a:tr h="363526">
                 <a:tc>
                   <a:txBody>
                     <a:bodyPr/>
                     <a:lstStyle/>
                     <a:p>
                       <a:r>
-                        <a:rPr lang="zh-CN" altLang="en-US" b="1" dirty="0" smtClean="0">
+                        <a:rPr lang="zh-CN" altLang="en-US" sz="2000" b="1" dirty="0" smtClean="0">
                           <a:solidFill>
                             <a:schemeClr val="tx1"/>
                           </a:solidFill>
                         </a:rPr>
                         <a:t>测试重要性</a:t>
                       </a:r>
-                      <a:endParaRPr lang="zh-CN" altLang="en-US" b="1" dirty="0">
+                      <a:endParaRPr lang="zh-CN" altLang="en-US" sz="2000" b="1" dirty="0">
                         <a:solidFill>
                           <a:schemeClr val="tx1"/>
                         </a:solidFill>
@@ -19161,14 +18823,14 @@
                     <a:lstStyle/>
                     <a:p>
                       <a:r>
-                        <a:rPr lang="zh-CN" altLang="en-US" b="1" dirty="0" smtClean="0">
+                        <a:rPr lang="zh-CN" altLang="en-US" sz="2000" b="1" dirty="0" smtClean="0">
                           <a:solidFill>
                             <a:schemeClr val="tx1"/>
                           </a:solidFill>
                         </a:rPr>
                         <a:t>重要</a:t>
                       </a:r>
-                      <a:endParaRPr lang="zh-CN" altLang="en-US" b="1" dirty="0">
+                      <a:endParaRPr lang="zh-CN" altLang="en-US" sz="2000" b="1" dirty="0">
                         <a:solidFill>
                           <a:schemeClr val="tx1"/>
                         </a:solidFill>
@@ -19222,7 +18884,7 @@
                     <a:p>
                       <a:pPr marL="0" algn="l" defTabSz="914400" rtl="0" eaLnBrk="1" latinLnBrk="0" hangingPunct="1"/>
                       <a:r>
-                        <a:rPr lang="zh-CN" altLang="en-US" sz="1800" b="1" kern="1200" dirty="0" smtClean="0">
+                        <a:rPr lang="zh-CN" altLang="en-US" sz="2000" b="1" kern="1200" dirty="0" smtClean="0">
                           <a:solidFill>
                             <a:schemeClr val="tx1"/>
                           </a:solidFill>
@@ -19232,7 +18894,7 @@
                         </a:rPr>
                         <a:t>次要</a:t>
                       </a:r>
-                      <a:endParaRPr lang="zh-CN" altLang="en-US" sz="1800" b="1" kern="1200" dirty="0">
+                      <a:endParaRPr lang="zh-CN" altLang="en-US" sz="2000" b="1" kern="1200" dirty="0">
                         <a:solidFill>
                           <a:schemeClr val="tx1"/>
                         </a:solidFill>
@@ -19283,21 +18945,21 @@
                   </a:tcPr>
                 </a:tc>
               </a:tr>
-              <a:tr h="370840">
+              <a:tr h="363526">
                 <a:tc>
                   <a:txBody>
                     <a:bodyPr/>
                     <a:lstStyle/>
                     <a:p>
                       <a:r>
-                        <a:rPr lang="zh-CN" altLang="en-US" b="1" dirty="0" smtClean="0">
+                        <a:rPr lang="zh-CN" altLang="en-US" sz="2000" b="1" dirty="0" smtClean="0">
                           <a:solidFill>
                             <a:schemeClr val="tx1"/>
                           </a:solidFill>
                         </a:rPr>
                         <a:t>数目</a:t>
                       </a:r>
-                      <a:endParaRPr lang="zh-CN" altLang="en-US" b="1" dirty="0">
+                      <a:endParaRPr lang="zh-CN" altLang="en-US" sz="2000" b="1" dirty="0">
                         <a:solidFill>
                           <a:schemeClr val="tx1"/>
                         </a:solidFill>
@@ -19350,7 +19012,7 @@
                     <a:lstStyle/>
                     <a:p>
                       <a:r>
-                        <a:rPr lang="en-US" altLang="zh-CN" b="1" dirty="0" smtClean="0">
+                        <a:rPr lang="en-US" altLang="zh-CN" sz="2000" b="1" dirty="0" smtClean="0">
                           <a:solidFill>
                             <a:schemeClr val="tx1"/>
                           </a:solidFill>
@@ -19358,14 +19020,14 @@
                         <a:t>1</a:t>
                       </a:r>
                       <a:r>
-                        <a:rPr lang="zh-CN" altLang="en-US" b="1" dirty="0" smtClean="0">
+                        <a:rPr lang="zh-CN" altLang="en-US" sz="2000" b="1" dirty="0" smtClean="0">
                           <a:solidFill>
                             <a:schemeClr val="tx1"/>
                           </a:solidFill>
                         </a:rPr>
                         <a:t>条</a:t>
                       </a:r>
-                      <a:endParaRPr lang="zh-CN" altLang="en-US" b="1" dirty="0">
+                      <a:endParaRPr lang="zh-CN" altLang="en-US" sz="2000" b="1" dirty="0">
                         <a:solidFill>
                           <a:schemeClr val="tx1"/>
                         </a:solidFill>
@@ -19418,7 +19080,7 @@
                     <a:lstStyle/>
                     <a:p>
                       <a:r>
-                        <a:rPr lang="en-US" altLang="zh-CN" b="1" dirty="0" smtClean="0">
+                        <a:rPr lang="en-US" altLang="zh-CN" sz="2000" b="1" dirty="0" smtClean="0">
                           <a:solidFill>
                             <a:schemeClr val="tx1"/>
                           </a:solidFill>
@@ -19426,14 +19088,14 @@
                         <a:t>1</a:t>
                       </a:r>
                       <a:r>
-                        <a:rPr lang="zh-CN" altLang="en-US" b="1" dirty="0" smtClean="0">
+                        <a:rPr lang="zh-CN" altLang="en-US" sz="2000" b="1" dirty="0" smtClean="0">
                           <a:solidFill>
                             <a:schemeClr val="tx1"/>
                           </a:solidFill>
                         </a:rPr>
                         <a:t>条或多条</a:t>
                       </a:r>
-                      <a:endParaRPr lang="zh-CN" altLang="en-US" b="1" dirty="0">
+                      <a:endParaRPr lang="zh-CN" altLang="en-US" sz="2000" b="1" dirty="0">
                         <a:solidFill>
                           <a:schemeClr val="tx1"/>
                         </a:solidFill>
@@ -19481,21 +19143,21 @@
                   </a:tcPr>
                 </a:tc>
               </a:tr>
-              <a:tr h="370840">
+              <a:tr h="627456">
                 <a:tc>
                   <a:txBody>
                     <a:bodyPr/>
                     <a:lstStyle/>
                     <a:p>
                       <a:r>
-                        <a:rPr lang="zh-CN" altLang="en-US" b="1" dirty="0" smtClean="0">
+                        <a:rPr lang="zh-CN" altLang="en-US" sz="2000" b="1" dirty="0" smtClean="0">
                           <a:solidFill>
                             <a:schemeClr val="tx1"/>
                           </a:solidFill>
                         </a:rPr>
                         <a:t>初始节点位置</a:t>
                       </a:r>
-                      <a:endParaRPr lang="zh-CN" altLang="en-US" b="1" dirty="0">
+                      <a:endParaRPr lang="zh-CN" altLang="en-US" sz="2000" b="1" dirty="0">
                         <a:solidFill>
                           <a:schemeClr val="tx1"/>
                         </a:solidFill>
@@ -19548,14 +19210,14 @@
                     <a:lstStyle/>
                     <a:p>
                       <a:r>
-                        <a:rPr lang="zh-CN" altLang="en-US" b="1" dirty="0" smtClean="0">
+                        <a:rPr lang="zh-CN" altLang="en-US" sz="2000" b="1" dirty="0" smtClean="0">
                           <a:solidFill>
                             <a:schemeClr val="tx1"/>
                           </a:solidFill>
                         </a:rPr>
                         <a:t>系统初始状态</a:t>
                       </a:r>
-                      <a:endParaRPr lang="zh-CN" altLang="en-US" b="1" dirty="0">
+                      <a:endParaRPr lang="zh-CN" altLang="en-US" sz="2000" b="1" dirty="0">
                         <a:solidFill>
                           <a:schemeClr val="tx1"/>
                         </a:solidFill>
@@ -19608,14 +19270,14 @@
                     <a:lstStyle/>
                     <a:p>
                       <a:r>
-                        <a:rPr lang="zh-CN" altLang="en-US" b="1" dirty="0" smtClean="0">
+                        <a:rPr lang="zh-CN" altLang="en-US" sz="2000" b="1" dirty="0" smtClean="0">
                           <a:solidFill>
                             <a:schemeClr val="tx1"/>
                           </a:solidFill>
                         </a:rPr>
                         <a:t>基本流或其他备选流</a:t>
                       </a:r>
-                      <a:endParaRPr lang="zh-CN" altLang="en-US" b="1" dirty="0">
+                      <a:endParaRPr lang="zh-CN" altLang="en-US" sz="2000" b="1" dirty="0">
                         <a:solidFill>
                           <a:schemeClr val="tx1"/>
                         </a:solidFill>
@@ -19663,21 +19325,21 @@
                   </a:tcPr>
                 </a:tc>
               </a:tr>
-              <a:tr h="370840">
+              <a:tr h="627456">
                 <a:tc>
                   <a:txBody>
                     <a:bodyPr/>
                     <a:lstStyle/>
                     <a:p>
                       <a:r>
-                        <a:rPr lang="zh-CN" altLang="en-US" b="1" dirty="0" smtClean="0">
+                        <a:rPr lang="zh-CN" altLang="en-US" sz="2000" b="1" dirty="0" smtClean="0">
                           <a:solidFill>
                             <a:schemeClr val="tx1"/>
                           </a:solidFill>
                         </a:rPr>
                         <a:t>结束节点位置</a:t>
                       </a:r>
-                      <a:endParaRPr lang="zh-CN" altLang="en-US" b="1" dirty="0">
+                      <a:endParaRPr lang="zh-CN" altLang="en-US" sz="2000" b="1" dirty="0">
                         <a:solidFill>
                           <a:schemeClr val="tx1"/>
                         </a:solidFill>
@@ -19730,14 +19392,14 @@
                     <a:lstStyle/>
                     <a:p>
                       <a:r>
-                        <a:rPr lang="zh-CN" altLang="en-US" b="1" dirty="0" smtClean="0">
+                        <a:rPr lang="zh-CN" altLang="en-US" sz="2000" b="1" dirty="0" smtClean="0">
                           <a:solidFill>
                             <a:schemeClr val="tx1"/>
                           </a:solidFill>
                         </a:rPr>
                         <a:t>系统默认终止状</a:t>
                       </a:r>
-                      <a:endParaRPr lang="zh-CN" altLang="en-US" b="1" dirty="0">
+                      <a:endParaRPr lang="zh-CN" altLang="en-US" sz="2000" b="1" dirty="0">
                         <a:solidFill>
                           <a:schemeClr val="tx1"/>
                         </a:solidFill>
@@ -19790,14 +19452,14 @@
                     <a:lstStyle/>
                     <a:p>
                       <a:r>
-                        <a:rPr lang="zh-CN" altLang="en-US" b="1" dirty="0" smtClean="0">
+                        <a:rPr lang="zh-CN" altLang="en-US" sz="2000" b="1" dirty="0" smtClean="0">
                           <a:solidFill>
                             <a:schemeClr val="tx1"/>
                           </a:solidFill>
                         </a:rPr>
                         <a:t>基本流或系统其他终止状态</a:t>
                       </a:r>
-                      <a:endParaRPr lang="zh-CN" altLang="en-US" b="1" dirty="0">
+                      <a:endParaRPr lang="zh-CN" altLang="en-US" sz="2000" b="1" dirty="0">
                         <a:solidFill>
                           <a:schemeClr val="tx1"/>
                         </a:solidFill>
@@ -19845,21 +19507,21 @@
                   </a:tcPr>
                 </a:tc>
               </a:tr>
-              <a:tr h="370840">
+              <a:tr h="627456">
                 <a:tc>
                   <a:txBody>
                     <a:bodyPr/>
                     <a:lstStyle/>
                     <a:p>
                       <a:r>
-                        <a:rPr lang="zh-CN" altLang="en-US" b="1" dirty="0" smtClean="0">
+                        <a:rPr lang="zh-CN" altLang="en-US" sz="2000" b="1" dirty="0" smtClean="0">
                           <a:solidFill>
                             <a:schemeClr val="tx1"/>
                           </a:solidFill>
                         </a:rPr>
                         <a:t>是否完整的业务流程</a:t>
                       </a:r>
-                      <a:endParaRPr lang="zh-CN" altLang="en-US" b="1" dirty="0">
+                      <a:endParaRPr lang="zh-CN" altLang="en-US" sz="2000" b="1" dirty="0">
                         <a:solidFill>
                           <a:schemeClr val="tx1"/>
                         </a:solidFill>
@@ -19912,14 +19574,14 @@
                     <a:lstStyle/>
                     <a:p>
                       <a:r>
-                        <a:rPr lang="zh-CN" altLang="en-US" b="1" dirty="0" smtClean="0">
+                        <a:rPr lang="zh-CN" altLang="en-US" sz="2000" b="1" dirty="0" smtClean="0">
                           <a:solidFill>
                             <a:schemeClr val="tx1"/>
                           </a:solidFill>
                         </a:rPr>
                         <a:t>是</a:t>
                       </a:r>
-                      <a:endParaRPr lang="zh-CN" altLang="en-US" b="1" dirty="0">
+                      <a:endParaRPr lang="zh-CN" altLang="en-US" sz="2000" b="1" dirty="0">
                         <a:solidFill>
                           <a:schemeClr val="tx1"/>
                         </a:solidFill>
@@ -19972,22 +19634,14 @@
                     <a:lstStyle/>
                     <a:p>
                       <a:r>
-                        <a:rPr lang="zh-CN" altLang="en-US" b="1" dirty="0" smtClean="0">
+                        <a:rPr lang="zh-CN" altLang="en-US" sz="2000" b="1" dirty="0" smtClean="0">
                           <a:solidFill>
                             <a:schemeClr val="tx1"/>
                           </a:solidFill>
                         </a:rPr>
-                        <a:t>否，仅</a:t>
+                        <a:t>否，仅为业务流程的执行片段</a:t>
                       </a:r>
-                      <a:r>
-                        <a:rPr lang="zh-CN" altLang="en-US" b="1" dirty="0" smtClean="0">
-                          <a:solidFill>
-                            <a:schemeClr val="tx1"/>
-                          </a:solidFill>
-                        </a:rPr>
-                        <a:t>为业务流程的执行片段</a:t>
-                      </a:r>
-                      <a:endParaRPr lang="zh-CN" altLang="en-US" b="1" dirty="0">
+                      <a:endParaRPr lang="zh-CN" altLang="en-US" sz="2000" b="1" dirty="0">
                         <a:solidFill>
                           <a:schemeClr val="tx1"/>
                         </a:solidFill>
@@ -20035,21 +19689,21 @@
                   </a:tcPr>
                 </a:tc>
               </a:tr>
-              <a:tr h="370840">
+              <a:tr h="627456">
                 <a:tc>
                   <a:txBody>
                     <a:bodyPr/>
                     <a:lstStyle/>
                     <a:p>
                       <a:r>
-                        <a:rPr lang="zh-CN" altLang="en-US" b="1" dirty="0" smtClean="0">
+                        <a:rPr lang="zh-CN" altLang="en-US" sz="2000" b="1" dirty="0" smtClean="0">
                           <a:solidFill>
                             <a:schemeClr val="tx1"/>
                           </a:solidFill>
                         </a:rPr>
                         <a:t>能否构成场景</a:t>
                       </a:r>
-                      <a:endParaRPr lang="zh-CN" altLang="en-US" b="1" dirty="0">
+                      <a:endParaRPr lang="zh-CN" altLang="en-US" sz="2000" b="1" dirty="0">
                         <a:solidFill>
                           <a:schemeClr val="tx1"/>
                         </a:solidFill>
@@ -20102,14 +19756,14 @@
                     <a:lstStyle/>
                     <a:p>
                       <a:r>
-                        <a:rPr lang="zh-CN" altLang="en-US" b="1" dirty="0" smtClean="0">
+                        <a:rPr lang="zh-CN" altLang="en-US" sz="2000" b="1" dirty="0" smtClean="0">
                           <a:solidFill>
                             <a:schemeClr val="tx1"/>
                           </a:solidFill>
                         </a:rPr>
                         <a:t>能</a:t>
                       </a:r>
-                      <a:endParaRPr lang="zh-CN" altLang="en-US" b="1" dirty="0">
+                      <a:endParaRPr lang="zh-CN" altLang="en-US" sz="2000" b="1" dirty="0">
                         <a:solidFill>
                           <a:schemeClr val="tx1"/>
                         </a:solidFill>
@@ -20162,14 +19816,14 @@
                     <a:lstStyle/>
                     <a:p>
                       <a:r>
-                        <a:rPr lang="zh-CN" altLang="en-US" b="1" dirty="0" smtClean="0">
+                        <a:rPr lang="zh-CN" altLang="en-US" sz="2000" b="1" dirty="0" smtClean="0">
                           <a:solidFill>
                             <a:schemeClr val="tx1"/>
                           </a:solidFill>
                         </a:rPr>
                         <a:t>否，需要和基本流共同构成场景</a:t>
                       </a:r>
-                      <a:endParaRPr lang="zh-CN" altLang="en-US" b="1" dirty="0">
+                      <a:endParaRPr lang="zh-CN" altLang="en-US" sz="2000" b="1" dirty="0">
                         <a:solidFill>
                           <a:schemeClr val="tx1"/>
                         </a:solidFill>
@@ -20582,13 +20236,7 @@
               <a:rPr lang="zh-CN" altLang="en-US" b="1" dirty="0">
                 <a:latin typeface="+mn-ea"/>
               </a:rPr>
-              <a:t>，且在场景中应该避免覆盖其他</a:t>
-            </a:r>
-            <a:r>
-              <a:rPr lang="zh-CN" altLang="en-US" b="1" dirty="0">
-                <a:latin typeface="+mn-ea"/>
-              </a:rPr>
-              <a:t>备选流</a:t>
+              <a:t>，且在场景中应该避免覆盖其他备选流</a:t>
             </a:r>
           </a:p>
         </p:txBody>

--- a/PPT/第二部分 软件测试技术/3.6  黑盒测试技术 -场景法.pptx
+++ b/PPT/第二部分 软件测试技术/3.6  黑盒测试技术 -场景法.pptx
@@ -16,8 +16,8 @@
     <p:sldId id="339" r:id="rId4"/>
     <p:sldId id="340" r:id="rId5"/>
     <p:sldId id="355" r:id="rId6"/>
-    <p:sldId id="341" r:id="rId7"/>
-    <p:sldId id="354" r:id="rId8"/>
+    <p:sldId id="354" r:id="rId7"/>
+    <p:sldId id="341" r:id="rId8"/>
     <p:sldId id="357" r:id="rId9"/>
     <p:sldId id="358" r:id="rId10"/>
     <p:sldId id="360" r:id="rId11"/>
@@ -10773,13 +10773,13 @@
           <p:nvPr>
             <p:extLst>
               <p:ext uri="{D42A27DB-BD31-4B8C-83A1-F6EECF244321}">
-                <p14:modId xmlns:p14="http://schemas.microsoft.com/office/powerpoint/2010/main" val="993947163"/>
+                <p14:modId xmlns:p14="http://schemas.microsoft.com/office/powerpoint/2010/main" val="1377032896"/>
               </p:ext>
             </p:extLst>
           </p:nvPr>
         </p:nvGraphicFramePr>
         <p:xfrm>
-          <a:off x="539552" y="889208"/>
+          <a:off x="539552" y="476672"/>
           <a:ext cx="7848872" cy="6284208"/>
         </p:xfrm>
         <a:graphic>
@@ -11664,7 +11664,12 @@
                       <a:headEnd type="none" w="med" len="med"/>
                       <a:tailEnd type="none" w="med" len="med"/>
                     </a:lnB>
-                    <a:noFill/>
+                    <a:solidFill>
+                      <a:schemeClr val="accent1">
+                        <a:lumMod val="40000"/>
+                        <a:lumOff val="60000"/>
+                      </a:schemeClr>
+                    </a:solidFill>
                   </a:tcPr>
                 </a:tc>
                 <a:tc>
@@ -11731,7 +11736,12 @@
                       <a:headEnd type="none" w="med" len="med"/>
                       <a:tailEnd type="none" w="med" len="med"/>
                     </a:lnB>
-                    <a:noFill/>
+                    <a:solidFill>
+                      <a:schemeClr val="accent1">
+                        <a:lumMod val="40000"/>
+                        <a:lumOff val="60000"/>
+                      </a:schemeClr>
+                    </a:solidFill>
                   </a:tcPr>
                 </a:tc>
                 <a:tc>
@@ -11825,7 +11835,12 @@
                       <a:headEnd type="none" w="med" len="med"/>
                       <a:tailEnd type="none" w="med" len="med"/>
                     </a:lnB>
-                    <a:noFill/>
+                    <a:solidFill>
+                      <a:schemeClr val="accent1">
+                        <a:lumMod val="40000"/>
+                        <a:lumOff val="60000"/>
+                      </a:schemeClr>
+                    </a:solidFill>
                   </a:tcPr>
                 </a:tc>
                 <a:tc>
@@ -11892,7 +11907,12 @@
                       <a:headEnd type="none" w="med" len="med"/>
                       <a:tailEnd type="none" w="med" len="med"/>
                     </a:lnB>
-                    <a:noFill/>
+                    <a:solidFill>
+                      <a:schemeClr val="accent1">
+                        <a:lumMod val="40000"/>
+                        <a:lumOff val="60000"/>
+                      </a:schemeClr>
+                    </a:solidFill>
                   </a:tcPr>
                 </a:tc>
                 <a:tc>
@@ -11959,7 +11979,12 @@
                       <a:headEnd type="none" w="med" len="med"/>
                       <a:tailEnd type="none" w="med" len="med"/>
                     </a:lnB>
-                    <a:noFill/>
+                    <a:solidFill>
+                      <a:schemeClr val="accent1">
+                        <a:lumMod val="40000"/>
+                        <a:lumOff val="60000"/>
+                      </a:schemeClr>
+                    </a:solidFill>
                   </a:tcPr>
                 </a:tc>
                 <a:tc>
@@ -12026,7 +12051,12 @@
                       <a:headEnd type="none" w="med" len="med"/>
                       <a:tailEnd type="none" w="med" len="med"/>
                     </a:lnB>
-                    <a:noFill/>
+                    <a:solidFill>
+                      <a:schemeClr val="accent1">
+                        <a:lumMod val="40000"/>
+                        <a:lumOff val="60000"/>
+                      </a:schemeClr>
+                    </a:solidFill>
                   </a:tcPr>
                 </a:tc>
                 <a:tc>
@@ -12104,7 +12134,12 @@
                       <a:headEnd type="none" w="med" len="med"/>
                       <a:tailEnd type="none" w="med" len="med"/>
                     </a:lnB>
-                    <a:noFill/>
+                    <a:solidFill>
+                      <a:schemeClr val="accent1">
+                        <a:lumMod val="40000"/>
+                        <a:lumOff val="60000"/>
+                      </a:schemeClr>
+                    </a:solidFill>
                   </a:tcPr>
                 </a:tc>
               </a:tr>
@@ -12170,7 +12205,12 @@
                       <a:headEnd type="none" w="med" len="med"/>
                       <a:tailEnd type="none" w="med" len="med"/>
                     </a:lnB>
-                    <a:noFill/>
+                    <a:solidFill>
+                      <a:schemeClr val="accent1">
+                        <a:lumMod val="40000"/>
+                        <a:lumOff val="60000"/>
+                      </a:schemeClr>
+                    </a:solidFill>
                   </a:tcPr>
                 </a:tc>
                 <a:tc>
@@ -12237,7 +12277,12 @@
                       <a:headEnd type="none" w="med" len="med"/>
                       <a:tailEnd type="none" w="med" len="med"/>
                     </a:lnB>
-                    <a:noFill/>
+                    <a:solidFill>
+                      <a:schemeClr val="accent1">
+                        <a:lumMod val="40000"/>
+                        <a:lumOff val="60000"/>
+                      </a:schemeClr>
+                    </a:solidFill>
                   </a:tcPr>
                 </a:tc>
                 <a:tc>
@@ -12304,7 +12349,12 @@
                       <a:headEnd type="none" w="med" len="med"/>
                       <a:tailEnd type="none" w="med" len="med"/>
                     </a:lnB>
-                    <a:noFill/>
+                    <a:solidFill>
+                      <a:schemeClr val="accent1">
+                        <a:lumMod val="40000"/>
+                        <a:lumOff val="60000"/>
+                      </a:schemeClr>
+                    </a:solidFill>
                   </a:tcPr>
                 </a:tc>
                 <a:tc>
@@ -12398,7 +12448,12 @@
                       <a:headEnd type="none" w="med" len="med"/>
                       <a:tailEnd type="none" w="med" len="med"/>
                     </a:lnB>
-                    <a:noFill/>
+                    <a:solidFill>
+                      <a:schemeClr val="accent1">
+                        <a:lumMod val="40000"/>
+                        <a:lumOff val="60000"/>
+                      </a:schemeClr>
+                    </a:solidFill>
                   </a:tcPr>
                 </a:tc>
                 <a:tc>
@@ -12465,7 +12520,12 @@
                       <a:headEnd type="none" w="med" len="med"/>
                       <a:tailEnd type="none" w="med" len="med"/>
                     </a:lnB>
-                    <a:noFill/>
+                    <a:solidFill>
+                      <a:schemeClr val="accent1">
+                        <a:lumMod val="40000"/>
+                        <a:lumOff val="60000"/>
+                      </a:schemeClr>
+                    </a:solidFill>
                   </a:tcPr>
                 </a:tc>
                 <a:tc>
@@ -12532,7 +12592,12 @@
                       <a:headEnd type="none" w="med" len="med"/>
                       <a:tailEnd type="none" w="med" len="med"/>
                     </a:lnB>
-                    <a:noFill/>
+                    <a:solidFill>
+                      <a:schemeClr val="accent1">
+                        <a:lumMod val="40000"/>
+                        <a:lumOff val="60000"/>
+                      </a:schemeClr>
+                    </a:solidFill>
                   </a:tcPr>
                 </a:tc>
                 <a:tc>
@@ -12599,7 +12664,12 @@
                       <a:headEnd type="none" w="med" len="med"/>
                       <a:tailEnd type="none" w="med" len="med"/>
                     </a:lnB>
-                    <a:noFill/>
+                    <a:solidFill>
+                      <a:schemeClr val="accent1">
+                        <a:lumMod val="40000"/>
+                        <a:lumOff val="60000"/>
+                      </a:schemeClr>
+                    </a:solidFill>
                   </a:tcPr>
                 </a:tc>
               </a:tr>
@@ -12684,7 +12754,12 @@
                       <a:headEnd type="none" w="med" len="med"/>
                       <a:tailEnd type="none" w="med" len="med"/>
                     </a:lnB>
-                    <a:noFill/>
+                    <a:solidFill>
+                      <a:schemeClr val="accent1">
+                        <a:lumMod val="40000"/>
+                        <a:lumOff val="60000"/>
+                      </a:schemeClr>
+                    </a:solidFill>
                   </a:tcPr>
                 </a:tc>
                 <a:tc>
@@ -12751,7 +12826,12 @@
                       <a:headEnd type="none" w="med" len="med"/>
                       <a:tailEnd type="none" w="med" len="med"/>
                     </a:lnB>
-                    <a:noFill/>
+                    <a:solidFill>
+                      <a:schemeClr val="accent1">
+                        <a:lumMod val="40000"/>
+                        <a:lumOff val="60000"/>
+                      </a:schemeClr>
+                    </a:solidFill>
                   </a:tcPr>
                 </a:tc>
                 <a:tc>
@@ -12845,7 +12925,12 @@
                       <a:headEnd type="none" w="med" len="med"/>
                       <a:tailEnd type="none" w="med" len="med"/>
                     </a:lnB>
-                    <a:noFill/>
+                    <a:solidFill>
+                      <a:schemeClr val="accent1">
+                        <a:lumMod val="40000"/>
+                        <a:lumOff val="60000"/>
+                      </a:schemeClr>
+                    </a:solidFill>
                   </a:tcPr>
                 </a:tc>
                 <a:tc>
@@ -12912,7 +12997,12 @@
                       <a:headEnd type="none" w="med" len="med"/>
                       <a:tailEnd type="none" w="med" len="med"/>
                     </a:lnB>
-                    <a:noFill/>
+                    <a:solidFill>
+                      <a:schemeClr val="accent1">
+                        <a:lumMod val="40000"/>
+                        <a:lumOff val="60000"/>
+                      </a:schemeClr>
+                    </a:solidFill>
                   </a:tcPr>
                 </a:tc>
                 <a:tc>
@@ -13006,7 +13096,12 @@
                       <a:headEnd type="none" w="med" len="med"/>
                       <a:tailEnd type="none" w="med" len="med"/>
                     </a:lnB>
-                    <a:noFill/>
+                    <a:solidFill>
+                      <a:schemeClr val="accent1">
+                        <a:lumMod val="40000"/>
+                        <a:lumOff val="60000"/>
+                      </a:schemeClr>
+                    </a:solidFill>
                   </a:tcPr>
                 </a:tc>
                 <a:tc>
@@ -13100,7 +13195,12 @@
                       <a:headEnd type="none" w="med" len="med"/>
                       <a:tailEnd type="none" w="med" len="med"/>
                     </a:lnB>
-                    <a:noFill/>
+                    <a:solidFill>
+                      <a:schemeClr val="accent1">
+                        <a:lumMod val="40000"/>
+                        <a:lumOff val="60000"/>
+                      </a:schemeClr>
+                    </a:solidFill>
                   </a:tcPr>
                 </a:tc>
                 <a:tc>
@@ -13167,7 +13267,12 @@
                       <a:headEnd type="none" w="med" len="med"/>
                       <a:tailEnd type="none" w="med" len="med"/>
                     </a:lnB>
-                    <a:noFill/>
+                    <a:solidFill>
+                      <a:schemeClr val="accent1">
+                        <a:lumMod val="40000"/>
+                        <a:lumOff val="60000"/>
+                      </a:schemeClr>
+                    </a:solidFill>
                   </a:tcPr>
                 </a:tc>
               </a:tr>
@@ -13252,7 +13357,12 @@
                       <a:headEnd type="none" w="med" len="med"/>
                       <a:tailEnd type="none" w="med" len="med"/>
                     </a:lnB>
-                    <a:noFill/>
+                    <a:solidFill>
+                      <a:schemeClr val="accent1">
+                        <a:lumMod val="40000"/>
+                        <a:lumOff val="60000"/>
+                      </a:schemeClr>
+                    </a:solidFill>
                   </a:tcPr>
                 </a:tc>
                 <a:tc>
@@ -13319,7 +13429,12 @@
                       <a:headEnd type="none" w="med" len="med"/>
                       <a:tailEnd type="none" w="med" len="med"/>
                     </a:lnB>
-                    <a:noFill/>
+                    <a:solidFill>
+                      <a:schemeClr val="accent1">
+                        <a:lumMod val="40000"/>
+                        <a:lumOff val="60000"/>
+                      </a:schemeClr>
+                    </a:solidFill>
                   </a:tcPr>
                 </a:tc>
                 <a:tc>
@@ -13386,7 +13501,12 @@
                       <a:headEnd type="none" w="med" len="med"/>
                       <a:tailEnd type="none" w="med" len="med"/>
                     </a:lnB>
-                    <a:noFill/>
+                    <a:solidFill>
+                      <a:schemeClr val="accent1">
+                        <a:lumMod val="40000"/>
+                        <a:lumOff val="60000"/>
+                      </a:schemeClr>
+                    </a:solidFill>
                   </a:tcPr>
                 </a:tc>
                 <a:tc>
@@ -13551,7 +13671,12 @@
                       <a:headEnd type="none" w="med" len="med"/>
                       <a:tailEnd type="none" w="med" len="med"/>
                     </a:lnB>
-                    <a:noFill/>
+                    <a:solidFill>
+                      <a:schemeClr val="accent1">
+                        <a:lumMod val="40000"/>
+                        <a:lumOff val="60000"/>
+                      </a:schemeClr>
+                    </a:solidFill>
                   </a:tcPr>
                 </a:tc>
                 <a:tc>
@@ -13634,7 +13759,12 @@
                       <a:headEnd type="none" w="med" len="med"/>
                       <a:tailEnd type="none" w="med" len="med"/>
                     </a:lnB>
-                    <a:noFill/>
+                    <a:solidFill>
+                      <a:schemeClr val="accent1">
+                        <a:lumMod val="40000"/>
+                        <a:lumOff val="60000"/>
+                      </a:schemeClr>
+                    </a:solidFill>
                   </a:tcPr>
                 </a:tc>
                 <a:tc>
@@ -13717,7 +13847,12 @@
                       <a:headEnd type="none" w="med" len="med"/>
                       <a:tailEnd type="none" w="med" len="med"/>
                     </a:lnB>
-                    <a:noFill/>
+                    <a:solidFill>
+                      <a:schemeClr val="accent1">
+                        <a:lumMod val="40000"/>
+                        <a:lumOff val="60000"/>
+                      </a:schemeClr>
+                    </a:solidFill>
                   </a:tcPr>
                 </a:tc>
                 <a:tc>
@@ -13803,7 +13938,12 @@
                       <a:headEnd type="none" w="med" len="med"/>
                       <a:tailEnd type="none" w="med" len="med"/>
                     </a:lnB>
-                    <a:noFill/>
+                    <a:solidFill>
+                      <a:schemeClr val="accent1">
+                        <a:lumMod val="40000"/>
+                        <a:lumOff val="60000"/>
+                      </a:schemeClr>
+                    </a:solidFill>
                   </a:tcPr>
                 </a:tc>
               </a:tr>
@@ -13888,7 +14028,12 @@
                       <a:headEnd type="none" w="med" len="med"/>
                       <a:tailEnd type="none" w="med" len="med"/>
                     </a:lnB>
-                    <a:noFill/>
+                    <a:solidFill>
+                      <a:schemeClr val="accent1">
+                        <a:lumMod val="40000"/>
+                        <a:lumOff val="60000"/>
+                      </a:schemeClr>
+                    </a:solidFill>
                   </a:tcPr>
                 </a:tc>
                 <a:tc>
@@ -13955,7 +14100,12 @@
                       <a:headEnd type="none" w="med" len="med"/>
                       <a:tailEnd type="none" w="med" len="med"/>
                     </a:lnB>
-                    <a:noFill/>
+                    <a:solidFill>
+                      <a:schemeClr val="accent1">
+                        <a:lumMod val="40000"/>
+                        <a:lumOff val="60000"/>
+                      </a:schemeClr>
+                    </a:solidFill>
                   </a:tcPr>
                 </a:tc>
                 <a:tc>
@@ -14038,7 +14188,12 @@
                       <a:headEnd type="none" w="med" len="med"/>
                       <a:tailEnd type="none" w="med" len="med"/>
                     </a:lnB>
-                    <a:noFill/>
+                    <a:solidFill>
+                      <a:schemeClr val="accent1">
+                        <a:lumMod val="40000"/>
+                        <a:lumOff val="60000"/>
+                      </a:schemeClr>
+                    </a:solidFill>
                   </a:tcPr>
                 </a:tc>
                 <a:tc>
@@ -14105,7 +14260,12 @@
                       <a:headEnd type="none" w="med" len="med"/>
                       <a:tailEnd type="none" w="med" len="med"/>
                     </a:lnB>
-                    <a:noFill/>
+                    <a:solidFill>
+                      <a:schemeClr val="accent1">
+                        <a:lumMod val="40000"/>
+                        <a:lumOff val="60000"/>
+                      </a:schemeClr>
+                    </a:solidFill>
                   </a:tcPr>
                 </a:tc>
                 <a:tc>
@@ -14172,7 +14332,12 @@
                       <a:headEnd type="none" w="med" len="med"/>
                       <a:tailEnd type="none" w="med" len="med"/>
                     </a:lnB>
-                    <a:noFill/>
+                    <a:solidFill>
+                      <a:schemeClr val="accent1">
+                        <a:lumMod val="40000"/>
+                        <a:lumOff val="60000"/>
+                      </a:schemeClr>
+                    </a:solidFill>
                   </a:tcPr>
                 </a:tc>
                 <a:tc>
@@ -14255,7 +14420,12 @@
                       <a:headEnd type="none" w="med" len="med"/>
                       <a:tailEnd type="none" w="med" len="med"/>
                     </a:lnB>
-                    <a:noFill/>
+                    <a:solidFill>
+                      <a:schemeClr val="accent1">
+                        <a:lumMod val="40000"/>
+                        <a:lumOff val="60000"/>
+                      </a:schemeClr>
+                    </a:solidFill>
                   </a:tcPr>
                 </a:tc>
                 <a:tc>
@@ -14330,7 +14500,12 @@
                       <a:headEnd type="none" w="med" len="med"/>
                       <a:tailEnd type="none" w="med" len="med"/>
                     </a:lnB>
-                    <a:noFill/>
+                    <a:solidFill>
+                      <a:schemeClr val="accent1">
+                        <a:lumMod val="40000"/>
+                        <a:lumOff val="60000"/>
+                      </a:schemeClr>
+                    </a:solidFill>
                   </a:tcPr>
                 </a:tc>
               </a:tr>
@@ -14415,7 +14590,12 @@
                       <a:headEnd type="none" w="med" len="med"/>
                       <a:tailEnd type="none" w="med" len="med"/>
                     </a:lnB>
-                    <a:noFill/>
+                    <a:solidFill>
+                      <a:schemeClr val="accent1">
+                        <a:lumMod val="40000"/>
+                        <a:lumOff val="60000"/>
+                      </a:schemeClr>
+                    </a:solidFill>
                   </a:tcPr>
                 </a:tc>
                 <a:tc>
@@ -14482,7 +14662,12 @@
                       <a:headEnd type="none" w="med" len="med"/>
                       <a:tailEnd type="none" w="med" len="med"/>
                     </a:lnB>
-                    <a:noFill/>
+                    <a:solidFill>
+                      <a:schemeClr val="accent1">
+                        <a:lumMod val="40000"/>
+                        <a:lumOff val="60000"/>
+                      </a:schemeClr>
+                    </a:solidFill>
                   </a:tcPr>
                 </a:tc>
                 <a:tc>
@@ -14565,7 +14750,12 @@
                       <a:headEnd type="none" w="med" len="med"/>
                       <a:tailEnd type="none" w="med" len="med"/>
                     </a:lnB>
-                    <a:noFill/>
+                    <a:solidFill>
+                      <a:schemeClr val="accent1">
+                        <a:lumMod val="40000"/>
+                        <a:lumOff val="60000"/>
+                      </a:schemeClr>
+                    </a:solidFill>
                   </a:tcPr>
                 </a:tc>
                 <a:tc>
@@ -14632,7 +14822,12 @@
                       <a:headEnd type="none" w="med" len="med"/>
                       <a:tailEnd type="none" w="med" len="med"/>
                     </a:lnB>
-                    <a:noFill/>
+                    <a:solidFill>
+                      <a:schemeClr val="accent1">
+                        <a:lumMod val="40000"/>
+                        <a:lumOff val="60000"/>
+                      </a:schemeClr>
+                    </a:solidFill>
                   </a:tcPr>
                 </a:tc>
                 <a:tc>
@@ -14699,7 +14894,12 @@
                       <a:headEnd type="none" w="med" len="med"/>
                       <a:tailEnd type="none" w="med" len="med"/>
                     </a:lnB>
-                    <a:noFill/>
+                    <a:solidFill>
+                      <a:schemeClr val="accent1">
+                        <a:lumMod val="40000"/>
+                        <a:lumOff val="60000"/>
+                      </a:schemeClr>
+                    </a:solidFill>
                   </a:tcPr>
                 </a:tc>
                 <a:tc>
@@ -14774,7 +14974,12 @@
                       <a:headEnd type="none" w="med" len="med"/>
                       <a:tailEnd type="none" w="med" len="med"/>
                     </a:lnB>
-                    <a:noFill/>
+                    <a:solidFill>
+                      <a:schemeClr val="accent1">
+                        <a:lumMod val="40000"/>
+                        <a:lumOff val="60000"/>
+                      </a:schemeClr>
+                    </a:solidFill>
                   </a:tcPr>
                 </a:tc>
                 <a:tc>
@@ -14852,7 +15057,12 @@
                       <a:headEnd type="none" w="med" len="med"/>
                       <a:tailEnd type="none" w="med" len="med"/>
                     </a:lnB>
-                    <a:noFill/>
+                    <a:solidFill>
+                      <a:schemeClr val="accent1">
+                        <a:lumMod val="40000"/>
+                        <a:lumOff val="60000"/>
+                      </a:schemeClr>
+                    </a:solidFill>
                   </a:tcPr>
                 </a:tc>
               </a:tr>
@@ -15772,7 +15982,19 @@
               <a:rPr lang="zh-CN" altLang="en-US" sz="2000" b="1" dirty="0">
                 <a:latin typeface="+mn-ea"/>
               </a:rPr>
-              <a:t>是否有空闲发送缓冲区，如果没有则返回，启动发送失败消息</a:t>
+              <a:t>是否有空闲发送缓冲区，</a:t>
+            </a:r>
+            <a:r>
+              <a:rPr lang="zh-CN" altLang="en-US" sz="2000" b="1" dirty="0" smtClean="0">
+                <a:latin typeface="+mn-ea"/>
+              </a:rPr>
+              <a:t>如果没有，启动</a:t>
+            </a:r>
+            <a:r>
+              <a:rPr lang="zh-CN" altLang="en-US" sz="2000" b="1" dirty="0">
+                <a:latin typeface="+mn-ea"/>
+              </a:rPr>
+              <a:t>发送失败消息</a:t>
             </a:r>
             <a:endParaRPr lang="en-US" altLang="zh-CN" sz="2000" b="1" dirty="0">
               <a:latin typeface="+mn-ea"/>
@@ -15841,7 +16063,19 @@
               <a:rPr lang="zh-CN" altLang="en-US" sz="2000" b="1" dirty="0" smtClean="0">
                 <a:latin typeface="+mn-ea"/>
               </a:rPr>
-              <a:t>是否写入成功，如果不成功则返回，启动发送失败消息</a:t>
+              <a:t>是否写入成功，如果不</a:t>
+            </a:r>
+            <a:r>
+              <a:rPr lang="zh-CN" altLang="en-US" sz="2000" b="1" dirty="0" smtClean="0">
+                <a:latin typeface="+mn-ea"/>
+              </a:rPr>
+              <a:t>成功，启动</a:t>
+            </a:r>
+            <a:r>
+              <a:rPr lang="zh-CN" altLang="en-US" sz="2000" b="1" dirty="0" smtClean="0">
+                <a:latin typeface="+mn-ea"/>
+              </a:rPr>
+              <a:t>发送失败消息</a:t>
             </a:r>
             <a:endParaRPr lang="en-US" altLang="zh-CN" sz="2000" b="1" dirty="0" smtClean="0">
               <a:latin typeface="+mn-ea"/>
@@ -15859,7 +16093,25 @@
               <a:rPr lang="zh-CN" altLang="en-US" sz="2000" b="1" dirty="0" smtClean="0">
                 <a:latin typeface="+mn-ea"/>
               </a:rPr>
-              <a:t>如果写入成功，则启动送命令</a:t>
+              <a:t>如果写入成功，</a:t>
+            </a:r>
+            <a:r>
+              <a:rPr lang="zh-CN" altLang="en-US" sz="2000" b="1" smtClean="0">
+                <a:latin typeface="+mn-ea"/>
+              </a:rPr>
+              <a:t>则</a:t>
+            </a:r>
+            <a:r>
+              <a:rPr lang="zh-CN" altLang="en-US" sz="2000" b="1" smtClean="0">
+                <a:latin typeface="+mn-ea"/>
+              </a:rPr>
+              <a:t>启动发送</a:t>
+            </a:r>
+            <a:r>
+              <a:rPr lang="zh-CN" altLang="en-US" sz="2000" b="1" dirty="0" smtClean="0">
+                <a:latin typeface="+mn-ea"/>
+              </a:rPr>
+              <a:t>命令</a:t>
             </a:r>
             <a:endParaRPr lang="en-US" altLang="zh-CN" sz="2000" b="1" dirty="0" smtClean="0">
               <a:latin typeface="+mn-ea"/>
@@ -17579,11 +17831,27 @@
             </a:r>
             <a:r>
               <a:rPr lang="zh-CN" altLang="en-US" b="1" dirty="0" smtClean="0"/>
-              <a:t>事件的不同触发</a:t>
+              <a:t>事件的</a:t>
+            </a:r>
+            <a:r>
+              <a:rPr lang="zh-CN" altLang="en-US" b="1" dirty="0" smtClean="0">
+                <a:solidFill>
+                  <a:srgbClr val="FF0000"/>
+                </a:solidFill>
+              </a:rPr>
+              <a:t>不同触发</a:t>
+            </a:r>
+            <a:r>
+              <a:rPr lang="zh-CN" altLang="en-US" b="1" dirty="0">
+                <a:solidFill>
+                  <a:srgbClr val="FF0000"/>
+                </a:solidFill>
+              </a:rPr>
+              <a:t>顺序</a:t>
             </a:r>
             <a:r>
               <a:rPr lang="zh-CN" altLang="en-US" b="1" dirty="0"/>
-              <a:t>顺序和处理结果，构建各个事件流，并基于这些事件的触发控制业务流程，形成多个不同场景，最终基于场景设计测试用例。</a:t>
+              <a:t>和处理结果，构建各个事件流，并基于这些事件的触发控制业务流程，形成多个不同场景，最终基于场景设计测试用例。</a:t>
             </a:r>
             <a:endParaRPr lang="en-US" altLang="zh-CN" b="1" dirty="0"/>
           </a:p>
@@ -17692,6 +17960,1617 @@
 </file>
 
 <file path=ppt/slides/slide6.xml><?xml version="1.0" encoding="utf-8"?>
+<p:sld xmlns:a="http://schemas.openxmlformats.org/drawingml/2006/main" xmlns:r="http://schemas.openxmlformats.org/officeDocument/2006/relationships" xmlns:p="http://schemas.openxmlformats.org/presentationml/2006/main">
+  <p:cSld>
+    <p:spTree>
+      <p:nvGrpSpPr>
+        <p:cNvPr id="1" name=""/>
+        <p:cNvGrpSpPr/>
+        <p:nvPr/>
+      </p:nvGrpSpPr>
+      <p:grpSpPr>
+        <a:xfrm>
+          <a:off x="0" y="0"/>
+          <a:ext cx="0" cy="0"/>
+          <a:chOff x="0" y="0"/>
+          <a:chExt cx="0" cy="0"/>
+        </a:xfrm>
+      </p:grpSpPr>
+      <p:sp>
+        <p:nvSpPr>
+          <p:cNvPr id="3" name="内容占位符 2"/>
+          <p:cNvSpPr>
+            <a:spLocks noGrp="1"/>
+          </p:cNvSpPr>
+          <p:nvPr>
+            <p:ph sz="half" idx="2"/>
+          </p:nvPr>
+        </p:nvSpPr>
+        <p:spPr>
+          <a:xfrm>
+            <a:off x="539552" y="1844824"/>
+            <a:ext cx="7906834" cy="5670503"/>
+          </a:xfrm>
+        </p:spPr>
+        <p:txBody>
+          <a:bodyPr/>
+          <a:lstStyle/>
+          <a:p>
+            <a:pPr algn="just" eaLnBrk="1" hangingPunct="1"/>
+            <a:r>
+              <a:rPr lang="zh-CN" altLang="en-US" sz="3400" b="1" dirty="0"/>
+              <a:t>基本流与备选流的</a:t>
+            </a:r>
+            <a:r>
+              <a:rPr lang="zh-CN" altLang="en-US" sz="3400" b="1" dirty="0" smtClean="0"/>
+              <a:t>区别</a:t>
+            </a:r>
+            <a:endParaRPr lang="en-US" altLang="zh-CN" sz="3400" b="1" dirty="0" smtClean="0"/>
+          </a:p>
+          <a:p>
+            <a:pPr marL="0" indent="0" algn="just" eaLnBrk="1" hangingPunct="1">
+              <a:buNone/>
+            </a:pPr>
+            <a:endParaRPr lang="zh-CN" altLang="en-US" sz="3400" b="1" dirty="0"/>
+          </a:p>
+        </p:txBody>
+      </p:sp>
+      <p:graphicFrame>
+        <p:nvGraphicFramePr>
+          <p:cNvPr id="4" name="表格 3"/>
+          <p:cNvGraphicFramePr>
+            <a:graphicFrameLocks noGrp="1"/>
+          </p:cNvGraphicFramePr>
+          <p:nvPr>
+            <p:extLst>
+              <p:ext uri="{D42A27DB-BD31-4B8C-83A1-F6EECF244321}">
+                <p14:modId xmlns:p14="http://schemas.microsoft.com/office/powerpoint/2010/main" val="2856733648"/>
+              </p:ext>
+            </p:extLst>
+          </p:nvPr>
+        </p:nvGraphicFramePr>
+        <p:xfrm>
+          <a:off x="971600" y="2636912"/>
+          <a:ext cx="7704855" cy="3919296"/>
+        </p:xfrm>
+        <a:graphic>
+          <a:graphicData uri="http://schemas.openxmlformats.org/drawingml/2006/table">
+            <a:tbl>
+              <a:tblPr firstRow="1" bandRow="1">
+                <a:tableStyleId>{5C22544A-7EE6-4342-B048-85BDC9FD1C3A}</a:tableStyleId>
+              </a:tblPr>
+              <a:tblGrid>
+                <a:gridCol w="2376264"/>
+                <a:gridCol w="2376264"/>
+                <a:gridCol w="2952327"/>
+              </a:tblGrid>
+              <a:tr h="363526">
+                <a:tc>
+                  <a:txBody>
+                    <a:bodyPr/>
+                    <a:lstStyle/>
+                    <a:p>
+                      <a:endParaRPr lang="zh-CN" altLang="en-US" sz="2000" b="1" dirty="0">
+                        <a:solidFill>
+                          <a:schemeClr val="tx1"/>
+                        </a:solidFill>
+                      </a:endParaRPr>
+                    </a:p>
+                  </a:txBody>
+                  <a:tcPr>
+                    <a:lnL w="12700" cap="flat" cmpd="sng" algn="ctr">
+                      <a:solidFill>
+                        <a:schemeClr val="tx1"/>
+                      </a:solidFill>
+                      <a:prstDash val="solid"/>
+                      <a:round/>
+                      <a:headEnd type="none" w="med" len="med"/>
+                      <a:tailEnd type="none" w="med" len="med"/>
+                    </a:lnL>
+                    <a:lnR w="12700" cap="flat" cmpd="sng" algn="ctr">
+                      <a:solidFill>
+                        <a:schemeClr val="tx1"/>
+                      </a:solidFill>
+                      <a:prstDash val="solid"/>
+                      <a:round/>
+                      <a:headEnd type="none" w="med" len="med"/>
+                      <a:tailEnd type="none" w="med" len="med"/>
+                    </a:lnR>
+                    <a:lnT w="12700" cap="flat" cmpd="sng" algn="ctr">
+                      <a:solidFill>
+                        <a:schemeClr val="tx1"/>
+                      </a:solidFill>
+                      <a:prstDash val="solid"/>
+                      <a:round/>
+                      <a:headEnd type="none" w="med" len="med"/>
+                      <a:tailEnd type="none" w="med" len="med"/>
+                    </a:lnT>
+                    <a:lnB w="12700" cap="flat" cmpd="sng" algn="ctr">
+                      <a:solidFill>
+                        <a:schemeClr val="tx1"/>
+                      </a:solidFill>
+                      <a:prstDash val="solid"/>
+                      <a:round/>
+                      <a:headEnd type="none" w="med" len="med"/>
+                      <a:tailEnd type="none" w="med" len="med"/>
+                    </a:lnB>
+                    <a:noFill/>
+                  </a:tcPr>
+                </a:tc>
+                <a:tc>
+                  <a:txBody>
+                    <a:bodyPr/>
+                    <a:lstStyle/>
+                    <a:p>
+                      <a:r>
+                        <a:rPr lang="zh-CN" altLang="en-US" sz="2000" b="1" dirty="0" smtClean="0">
+                          <a:solidFill>
+                            <a:schemeClr val="tx1"/>
+                          </a:solidFill>
+                        </a:rPr>
+                        <a:t>基本流</a:t>
+                      </a:r>
+                      <a:endParaRPr lang="zh-CN" altLang="en-US" sz="2000" b="1" dirty="0">
+                        <a:solidFill>
+                          <a:schemeClr val="tx1"/>
+                        </a:solidFill>
+                      </a:endParaRPr>
+                    </a:p>
+                  </a:txBody>
+                  <a:tcPr>
+                    <a:lnL w="12700" cap="flat" cmpd="sng" algn="ctr">
+                      <a:solidFill>
+                        <a:schemeClr val="tx1"/>
+                      </a:solidFill>
+                      <a:prstDash val="solid"/>
+                      <a:round/>
+                      <a:headEnd type="none" w="med" len="med"/>
+                      <a:tailEnd type="none" w="med" len="med"/>
+                    </a:lnL>
+                    <a:lnR w="12700" cap="flat" cmpd="sng" algn="ctr">
+                      <a:solidFill>
+                        <a:schemeClr val="tx1"/>
+                      </a:solidFill>
+                      <a:prstDash val="solid"/>
+                      <a:round/>
+                      <a:headEnd type="none" w="med" len="med"/>
+                      <a:tailEnd type="none" w="med" len="med"/>
+                    </a:lnR>
+                    <a:lnT w="12700" cap="flat" cmpd="sng" algn="ctr">
+                      <a:solidFill>
+                        <a:schemeClr val="tx1"/>
+                      </a:solidFill>
+                      <a:prstDash val="solid"/>
+                      <a:round/>
+                      <a:headEnd type="none" w="med" len="med"/>
+                      <a:tailEnd type="none" w="med" len="med"/>
+                    </a:lnT>
+                    <a:lnB w="12700" cap="flat" cmpd="sng" algn="ctr">
+                      <a:solidFill>
+                        <a:schemeClr val="tx1"/>
+                      </a:solidFill>
+                      <a:prstDash val="solid"/>
+                      <a:round/>
+                      <a:headEnd type="none" w="med" len="med"/>
+                      <a:tailEnd type="none" w="med" len="med"/>
+                    </a:lnB>
+                    <a:noFill/>
+                  </a:tcPr>
+                </a:tc>
+                <a:tc>
+                  <a:txBody>
+                    <a:bodyPr/>
+                    <a:lstStyle/>
+                    <a:p>
+                      <a:r>
+                        <a:rPr lang="zh-CN" altLang="en-US" sz="2000" b="1" dirty="0" smtClean="0">
+                          <a:solidFill>
+                            <a:schemeClr val="tx1"/>
+                          </a:solidFill>
+                        </a:rPr>
+                        <a:t>备选流</a:t>
+                      </a:r>
+                      <a:endParaRPr lang="zh-CN" altLang="en-US" sz="2000" b="1" dirty="0">
+                        <a:solidFill>
+                          <a:schemeClr val="tx1"/>
+                        </a:solidFill>
+                      </a:endParaRPr>
+                    </a:p>
+                  </a:txBody>
+                  <a:tcPr>
+                    <a:lnL w="12700" cap="flat" cmpd="sng" algn="ctr">
+                      <a:solidFill>
+                        <a:schemeClr val="tx1"/>
+                      </a:solidFill>
+                      <a:prstDash val="solid"/>
+                      <a:round/>
+                      <a:headEnd type="none" w="med" len="med"/>
+                      <a:tailEnd type="none" w="med" len="med"/>
+                    </a:lnL>
+                    <a:lnR w="12700" cap="flat" cmpd="sng" algn="ctr">
+                      <a:solidFill>
+                        <a:schemeClr val="tx1"/>
+                      </a:solidFill>
+                      <a:prstDash val="solid"/>
+                      <a:round/>
+                      <a:headEnd type="none" w="med" len="med"/>
+                      <a:tailEnd type="none" w="med" len="med"/>
+                    </a:lnR>
+                    <a:lnT w="12700" cap="flat" cmpd="sng" algn="ctr">
+                      <a:solidFill>
+                        <a:schemeClr val="tx1"/>
+                      </a:solidFill>
+                      <a:prstDash val="solid"/>
+                      <a:round/>
+                      <a:headEnd type="none" w="med" len="med"/>
+                      <a:tailEnd type="none" w="med" len="med"/>
+                    </a:lnT>
+                    <a:lnB w="12700" cap="flat" cmpd="sng" algn="ctr">
+                      <a:solidFill>
+                        <a:schemeClr val="tx1"/>
+                      </a:solidFill>
+                      <a:prstDash val="solid"/>
+                      <a:round/>
+                      <a:headEnd type="none" w="med" len="med"/>
+                      <a:tailEnd type="none" w="med" len="med"/>
+                    </a:lnB>
+                    <a:noFill/>
+                  </a:tcPr>
+                </a:tc>
+              </a:tr>
+              <a:tr h="363526">
+                <a:tc>
+                  <a:txBody>
+                    <a:bodyPr/>
+                    <a:lstStyle/>
+                    <a:p>
+                      <a:r>
+                        <a:rPr lang="zh-CN" altLang="en-US" sz="2000" b="1" dirty="0" smtClean="0">
+                          <a:solidFill>
+                            <a:schemeClr val="tx1"/>
+                          </a:solidFill>
+                        </a:rPr>
+                        <a:t>测试重要性</a:t>
+                      </a:r>
+                      <a:endParaRPr lang="zh-CN" altLang="en-US" sz="2000" b="1" dirty="0">
+                        <a:solidFill>
+                          <a:schemeClr val="tx1"/>
+                        </a:solidFill>
+                      </a:endParaRPr>
+                    </a:p>
+                  </a:txBody>
+                  <a:tcPr>
+                    <a:lnL w="12700" cap="flat" cmpd="sng" algn="ctr">
+                      <a:solidFill>
+                        <a:schemeClr val="tx1"/>
+                      </a:solidFill>
+                      <a:prstDash val="solid"/>
+                      <a:round/>
+                      <a:headEnd type="none" w="med" len="med"/>
+                      <a:tailEnd type="none" w="med" len="med"/>
+                    </a:lnL>
+                    <a:lnR w="12700" cap="flat" cmpd="sng" algn="ctr">
+                      <a:solidFill>
+                        <a:schemeClr val="tx1"/>
+                      </a:solidFill>
+                      <a:prstDash val="solid"/>
+                      <a:round/>
+                      <a:headEnd type="none" w="med" len="med"/>
+                      <a:tailEnd type="none" w="med" len="med"/>
+                    </a:lnR>
+                    <a:lnT w="12700" cap="flat" cmpd="sng" algn="ctr">
+                      <a:solidFill>
+                        <a:schemeClr val="tx1"/>
+                      </a:solidFill>
+                      <a:prstDash val="solid"/>
+                      <a:round/>
+                      <a:headEnd type="none" w="med" len="med"/>
+                      <a:tailEnd type="none" w="med" len="med"/>
+                    </a:lnT>
+                    <a:lnB w="12700" cap="flat" cmpd="sng" algn="ctr">
+                      <a:solidFill>
+                        <a:schemeClr val="tx1"/>
+                      </a:solidFill>
+                      <a:prstDash val="solid"/>
+                      <a:round/>
+                      <a:headEnd type="none" w="med" len="med"/>
+                      <a:tailEnd type="none" w="med" len="med"/>
+                    </a:lnB>
+                    <a:noFill/>
+                  </a:tcPr>
+                </a:tc>
+                <a:tc>
+                  <a:txBody>
+                    <a:bodyPr/>
+                    <a:lstStyle/>
+                    <a:p>
+                      <a:r>
+                        <a:rPr lang="zh-CN" altLang="en-US" sz="2000" b="1" dirty="0" smtClean="0">
+                          <a:solidFill>
+                            <a:schemeClr val="tx1"/>
+                          </a:solidFill>
+                        </a:rPr>
+                        <a:t>重要</a:t>
+                      </a:r>
+                      <a:endParaRPr lang="zh-CN" altLang="en-US" sz="2000" b="1" dirty="0">
+                        <a:solidFill>
+                          <a:schemeClr val="tx1"/>
+                        </a:solidFill>
+                      </a:endParaRPr>
+                    </a:p>
+                  </a:txBody>
+                  <a:tcPr>
+                    <a:lnL w="12700" cap="flat" cmpd="sng" algn="ctr">
+                      <a:solidFill>
+                        <a:schemeClr val="tx1"/>
+                      </a:solidFill>
+                      <a:prstDash val="solid"/>
+                      <a:round/>
+                      <a:headEnd type="none" w="med" len="med"/>
+                      <a:tailEnd type="none" w="med" len="med"/>
+                    </a:lnL>
+                    <a:lnR w="12700" cap="flat" cmpd="sng" algn="ctr">
+                      <a:solidFill>
+                        <a:schemeClr val="tx1"/>
+                      </a:solidFill>
+                      <a:prstDash val="solid"/>
+                      <a:round/>
+                      <a:headEnd type="none" w="med" len="med"/>
+                      <a:tailEnd type="none" w="med" len="med"/>
+                    </a:lnR>
+                    <a:lnT w="12700" cap="flat" cmpd="sng" algn="ctr">
+                      <a:solidFill>
+                        <a:schemeClr val="tx1"/>
+                      </a:solidFill>
+                      <a:prstDash val="solid"/>
+                      <a:round/>
+                      <a:headEnd type="none" w="med" len="med"/>
+                      <a:tailEnd type="none" w="med" len="med"/>
+                    </a:lnT>
+                    <a:lnB w="12700" cap="flat" cmpd="sng" algn="ctr">
+                      <a:solidFill>
+                        <a:schemeClr val="tx1"/>
+                      </a:solidFill>
+                      <a:prstDash val="solid"/>
+                      <a:round/>
+                      <a:headEnd type="none" w="med" len="med"/>
+                      <a:tailEnd type="none" w="med" len="med"/>
+                    </a:lnB>
+                    <a:noFill/>
+                  </a:tcPr>
+                </a:tc>
+                <a:tc>
+                  <a:txBody>
+                    <a:bodyPr/>
+                    <a:lstStyle/>
+                    <a:p>
+                      <a:pPr marL="0" algn="l" defTabSz="914400" rtl="0" eaLnBrk="1" latinLnBrk="0" hangingPunct="1"/>
+                      <a:r>
+                        <a:rPr lang="zh-CN" altLang="en-US" sz="2000" b="1" kern="1200" dirty="0" smtClean="0">
+                          <a:solidFill>
+                            <a:schemeClr val="tx1"/>
+                          </a:solidFill>
+                          <a:latin typeface="+mn-lt"/>
+                          <a:ea typeface="+mn-ea"/>
+                          <a:cs typeface="+mn-cs"/>
+                        </a:rPr>
+                        <a:t>次要</a:t>
+                      </a:r>
+                      <a:endParaRPr lang="zh-CN" altLang="en-US" sz="2000" b="1" kern="1200" dirty="0">
+                        <a:solidFill>
+                          <a:schemeClr val="tx1"/>
+                        </a:solidFill>
+                        <a:latin typeface="+mn-lt"/>
+                        <a:ea typeface="+mn-ea"/>
+                        <a:cs typeface="+mn-cs"/>
+                      </a:endParaRPr>
+                    </a:p>
+                  </a:txBody>
+                  <a:tcPr>
+                    <a:lnL w="12700" cap="flat" cmpd="sng" algn="ctr">
+                      <a:solidFill>
+                        <a:schemeClr val="tx1"/>
+                      </a:solidFill>
+                      <a:prstDash val="solid"/>
+                      <a:round/>
+                      <a:headEnd type="none" w="med" len="med"/>
+                      <a:tailEnd type="none" w="med" len="med"/>
+                    </a:lnL>
+                    <a:lnR w="12700" cap="flat" cmpd="sng" algn="ctr">
+                      <a:solidFill>
+                        <a:schemeClr val="tx1"/>
+                      </a:solidFill>
+                      <a:prstDash val="solid"/>
+                      <a:round/>
+                      <a:headEnd type="none" w="med" len="med"/>
+                      <a:tailEnd type="none" w="med" len="med"/>
+                    </a:lnR>
+                    <a:lnT w="12700" cap="flat" cmpd="sng" algn="ctr">
+                      <a:solidFill>
+                        <a:schemeClr val="tx1"/>
+                      </a:solidFill>
+                      <a:prstDash val="solid"/>
+                      <a:round/>
+                      <a:headEnd type="none" w="med" len="med"/>
+                      <a:tailEnd type="none" w="med" len="med"/>
+                    </a:lnT>
+                    <a:lnB w="12700" cap="flat" cmpd="sng" algn="ctr">
+                      <a:solidFill>
+                        <a:schemeClr val="tx1"/>
+                      </a:solidFill>
+                      <a:prstDash val="solid"/>
+                      <a:round/>
+                      <a:headEnd type="none" w="med" len="med"/>
+                      <a:tailEnd type="none" w="med" len="med"/>
+                    </a:lnB>
+                    <a:noFill/>
+                  </a:tcPr>
+                </a:tc>
+              </a:tr>
+              <a:tr h="363526">
+                <a:tc>
+                  <a:txBody>
+                    <a:bodyPr/>
+                    <a:lstStyle/>
+                    <a:p>
+                      <a:r>
+                        <a:rPr lang="zh-CN" altLang="en-US" sz="2000" b="1" dirty="0" smtClean="0">
+                          <a:solidFill>
+                            <a:schemeClr val="tx1"/>
+                          </a:solidFill>
+                        </a:rPr>
+                        <a:t>数目</a:t>
+                      </a:r>
+                      <a:endParaRPr lang="zh-CN" altLang="en-US" sz="2000" b="1" dirty="0">
+                        <a:solidFill>
+                          <a:schemeClr val="tx1"/>
+                        </a:solidFill>
+                      </a:endParaRPr>
+                    </a:p>
+                  </a:txBody>
+                  <a:tcPr>
+                    <a:lnL w="12700" cap="flat" cmpd="sng" algn="ctr">
+                      <a:solidFill>
+                        <a:schemeClr val="tx1"/>
+                      </a:solidFill>
+                      <a:prstDash val="solid"/>
+                      <a:round/>
+                      <a:headEnd type="none" w="med" len="med"/>
+                      <a:tailEnd type="none" w="med" len="med"/>
+                    </a:lnL>
+                    <a:lnR w="12700" cap="flat" cmpd="sng" algn="ctr">
+                      <a:solidFill>
+                        <a:schemeClr val="tx1"/>
+                      </a:solidFill>
+                      <a:prstDash val="solid"/>
+                      <a:round/>
+                      <a:headEnd type="none" w="med" len="med"/>
+                      <a:tailEnd type="none" w="med" len="med"/>
+                    </a:lnR>
+                    <a:lnT w="12700" cap="flat" cmpd="sng" algn="ctr">
+                      <a:solidFill>
+                        <a:schemeClr val="tx1"/>
+                      </a:solidFill>
+                      <a:prstDash val="solid"/>
+                      <a:round/>
+                      <a:headEnd type="none" w="med" len="med"/>
+                      <a:tailEnd type="none" w="med" len="med"/>
+                    </a:lnT>
+                    <a:lnB w="12700" cap="flat" cmpd="sng" algn="ctr">
+                      <a:solidFill>
+                        <a:schemeClr val="tx1"/>
+                      </a:solidFill>
+                      <a:prstDash val="solid"/>
+                      <a:round/>
+                      <a:headEnd type="none" w="med" len="med"/>
+                      <a:tailEnd type="none" w="med" len="med"/>
+                    </a:lnB>
+                    <a:noFill/>
+                  </a:tcPr>
+                </a:tc>
+                <a:tc>
+                  <a:txBody>
+                    <a:bodyPr/>
+                    <a:lstStyle/>
+                    <a:p>
+                      <a:r>
+                        <a:rPr lang="en-US" altLang="zh-CN" sz="2000" b="1" dirty="0" smtClean="0">
+                          <a:solidFill>
+                            <a:schemeClr val="tx1"/>
+                          </a:solidFill>
+                        </a:rPr>
+                        <a:t>1</a:t>
+                      </a:r>
+                      <a:r>
+                        <a:rPr lang="zh-CN" altLang="en-US" sz="2000" b="1" dirty="0" smtClean="0">
+                          <a:solidFill>
+                            <a:schemeClr val="tx1"/>
+                          </a:solidFill>
+                        </a:rPr>
+                        <a:t>条</a:t>
+                      </a:r>
+                      <a:endParaRPr lang="zh-CN" altLang="en-US" sz="2000" b="1" dirty="0">
+                        <a:solidFill>
+                          <a:schemeClr val="tx1"/>
+                        </a:solidFill>
+                      </a:endParaRPr>
+                    </a:p>
+                  </a:txBody>
+                  <a:tcPr>
+                    <a:lnL w="12700" cap="flat" cmpd="sng" algn="ctr">
+                      <a:solidFill>
+                        <a:schemeClr val="tx1"/>
+                      </a:solidFill>
+                      <a:prstDash val="solid"/>
+                      <a:round/>
+                      <a:headEnd type="none" w="med" len="med"/>
+                      <a:tailEnd type="none" w="med" len="med"/>
+                    </a:lnL>
+                    <a:lnR w="12700" cap="flat" cmpd="sng" algn="ctr">
+                      <a:solidFill>
+                        <a:schemeClr val="tx1"/>
+                      </a:solidFill>
+                      <a:prstDash val="solid"/>
+                      <a:round/>
+                      <a:headEnd type="none" w="med" len="med"/>
+                      <a:tailEnd type="none" w="med" len="med"/>
+                    </a:lnR>
+                    <a:lnT w="12700" cap="flat" cmpd="sng" algn="ctr">
+                      <a:solidFill>
+                        <a:schemeClr val="tx1"/>
+                      </a:solidFill>
+                      <a:prstDash val="solid"/>
+                      <a:round/>
+                      <a:headEnd type="none" w="med" len="med"/>
+                      <a:tailEnd type="none" w="med" len="med"/>
+                    </a:lnT>
+                    <a:lnB w="12700" cap="flat" cmpd="sng" algn="ctr">
+                      <a:solidFill>
+                        <a:schemeClr val="tx1"/>
+                      </a:solidFill>
+                      <a:prstDash val="solid"/>
+                      <a:round/>
+                      <a:headEnd type="none" w="med" len="med"/>
+                      <a:tailEnd type="none" w="med" len="med"/>
+                    </a:lnB>
+                    <a:noFill/>
+                  </a:tcPr>
+                </a:tc>
+                <a:tc>
+                  <a:txBody>
+                    <a:bodyPr/>
+                    <a:lstStyle/>
+                    <a:p>
+                      <a:r>
+                        <a:rPr lang="en-US" altLang="zh-CN" sz="2000" b="1" dirty="0" smtClean="0">
+                          <a:solidFill>
+                            <a:schemeClr val="tx1"/>
+                          </a:solidFill>
+                        </a:rPr>
+                        <a:t>1</a:t>
+                      </a:r>
+                      <a:r>
+                        <a:rPr lang="zh-CN" altLang="en-US" sz="2000" b="1" dirty="0" smtClean="0">
+                          <a:solidFill>
+                            <a:schemeClr val="tx1"/>
+                          </a:solidFill>
+                        </a:rPr>
+                        <a:t>条或多条</a:t>
+                      </a:r>
+                      <a:endParaRPr lang="zh-CN" altLang="en-US" sz="2000" b="1" dirty="0">
+                        <a:solidFill>
+                          <a:schemeClr val="tx1"/>
+                        </a:solidFill>
+                      </a:endParaRPr>
+                    </a:p>
+                  </a:txBody>
+                  <a:tcPr>
+                    <a:lnL w="12700" cap="flat" cmpd="sng" algn="ctr">
+                      <a:solidFill>
+                        <a:schemeClr val="tx1"/>
+                      </a:solidFill>
+                      <a:prstDash val="solid"/>
+                      <a:round/>
+                      <a:headEnd type="none" w="med" len="med"/>
+                      <a:tailEnd type="none" w="med" len="med"/>
+                    </a:lnL>
+                    <a:lnR w="12700" cap="flat" cmpd="sng" algn="ctr">
+                      <a:solidFill>
+                        <a:schemeClr val="tx1"/>
+                      </a:solidFill>
+                      <a:prstDash val="solid"/>
+                      <a:round/>
+                      <a:headEnd type="none" w="med" len="med"/>
+                      <a:tailEnd type="none" w="med" len="med"/>
+                    </a:lnR>
+                    <a:lnT w="12700" cap="flat" cmpd="sng" algn="ctr">
+                      <a:solidFill>
+                        <a:schemeClr val="tx1"/>
+                      </a:solidFill>
+                      <a:prstDash val="solid"/>
+                      <a:round/>
+                      <a:headEnd type="none" w="med" len="med"/>
+                      <a:tailEnd type="none" w="med" len="med"/>
+                    </a:lnT>
+                    <a:lnB w="12700" cap="flat" cmpd="sng" algn="ctr">
+                      <a:solidFill>
+                        <a:schemeClr val="tx1"/>
+                      </a:solidFill>
+                      <a:prstDash val="solid"/>
+                      <a:round/>
+                      <a:headEnd type="none" w="med" len="med"/>
+                      <a:tailEnd type="none" w="med" len="med"/>
+                    </a:lnB>
+                    <a:noFill/>
+                  </a:tcPr>
+                </a:tc>
+              </a:tr>
+              <a:tr h="627456">
+                <a:tc>
+                  <a:txBody>
+                    <a:bodyPr/>
+                    <a:lstStyle/>
+                    <a:p>
+                      <a:r>
+                        <a:rPr lang="zh-CN" altLang="en-US" sz="2000" b="1" dirty="0" smtClean="0">
+                          <a:solidFill>
+                            <a:schemeClr val="tx1"/>
+                          </a:solidFill>
+                        </a:rPr>
+                        <a:t>初始节点位置</a:t>
+                      </a:r>
+                      <a:endParaRPr lang="zh-CN" altLang="en-US" sz="2000" b="1" dirty="0">
+                        <a:solidFill>
+                          <a:schemeClr val="tx1"/>
+                        </a:solidFill>
+                      </a:endParaRPr>
+                    </a:p>
+                  </a:txBody>
+                  <a:tcPr>
+                    <a:lnL w="12700" cap="flat" cmpd="sng" algn="ctr">
+                      <a:solidFill>
+                        <a:schemeClr val="tx1"/>
+                      </a:solidFill>
+                      <a:prstDash val="solid"/>
+                      <a:round/>
+                      <a:headEnd type="none" w="med" len="med"/>
+                      <a:tailEnd type="none" w="med" len="med"/>
+                    </a:lnL>
+                    <a:lnR w="12700" cap="flat" cmpd="sng" algn="ctr">
+                      <a:solidFill>
+                        <a:schemeClr val="tx1"/>
+                      </a:solidFill>
+                      <a:prstDash val="solid"/>
+                      <a:round/>
+                      <a:headEnd type="none" w="med" len="med"/>
+                      <a:tailEnd type="none" w="med" len="med"/>
+                    </a:lnR>
+                    <a:lnT w="12700" cap="flat" cmpd="sng" algn="ctr">
+                      <a:solidFill>
+                        <a:schemeClr val="tx1"/>
+                      </a:solidFill>
+                      <a:prstDash val="solid"/>
+                      <a:round/>
+                      <a:headEnd type="none" w="med" len="med"/>
+                      <a:tailEnd type="none" w="med" len="med"/>
+                    </a:lnT>
+                    <a:lnB w="12700" cap="flat" cmpd="sng" algn="ctr">
+                      <a:solidFill>
+                        <a:schemeClr val="tx1"/>
+                      </a:solidFill>
+                      <a:prstDash val="solid"/>
+                      <a:round/>
+                      <a:headEnd type="none" w="med" len="med"/>
+                      <a:tailEnd type="none" w="med" len="med"/>
+                    </a:lnB>
+                    <a:noFill/>
+                  </a:tcPr>
+                </a:tc>
+                <a:tc>
+                  <a:txBody>
+                    <a:bodyPr/>
+                    <a:lstStyle/>
+                    <a:p>
+                      <a:r>
+                        <a:rPr lang="zh-CN" altLang="en-US" sz="2000" b="1" dirty="0" smtClean="0">
+                          <a:solidFill>
+                            <a:schemeClr val="tx1"/>
+                          </a:solidFill>
+                        </a:rPr>
+                        <a:t>系统初始状态</a:t>
+                      </a:r>
+                      <a:endParaRPr lang="zh-CN" altLang="en-US" sz="2000" b="1" dirty="0">
+                        <a:solidFill>
+                          <a:schemeClr val="tx1"/>
+                        </a:solidFill>
+                      </a:endParaRPr>
+                    </a:p>
+                  </a:txBody>
+                  <a:tcPr>
+                    <a:lnL w="12700" cap="flat" cmpd="sng" algn="ctr">
+                      <a:solidFill>
+                        <a:schemeClr val="tx1"/>
+                      </a:solidFill>
+                      <a:prstDash val="solid"/>
+                      <a:round/>
+                      <a:headEnd type="none" w="med" len="med"/>
+                      <a:tailEnd type="none" w="med" len="med"/>
+                    </a:lnL>
+                    <a:lnR w="12700" cap="flat" cmpd="sng" algn="ctr">
+                      <a:solidFill>
+                        <a:schemeClr val="tx1"/>
+                      </a:solidFill>
+                      <a:prstDash val="solid"/>
+                      <a:round/>
+                      <a:headEnd type="none" w="med" len="med"/>
+                      <a:tailEnd type="none" w="med" len="med"/>
+                    </a:lnR>
+                    <a:lnT w="12700" cap="flat" cmpd="sng" algn="ctr">
+                      <a:solidFill>
+                        <a:schemeClr val="tx1"/>
+                      </a:solidFill>
+                      <a:prstDash val="solid"/>
+                      <a:round/>
+                      <a:headEnd type="none" w="med" len="med"/>
+                      <a:tailEnd type="none" w="med" len="med"/>
+                    </a:lnT>
+                    <a:lnB w="12700" cap="flat" cmpd="sng" algn="ctr">
+                      <a:solidFill>
+                        <a:schemeClr val="tx1"/>
+                      </a:solidFill>
+                      <a:prstDash val="solid"/>
+                      <a:round/>
+                      <a:headEnd type="none" w="med" len="med"/>
+                      <a:tailEnd type="none" w="med" len="med"/>
+                    </a:lnB>
+                    <a:noFill/>
+                  </a:tcPr>
+                </a:tc>
+                <a:tc>
+                  <a:txBody>
+                    <a:bodyPr/>
+                    <a:lstStyle/>
+                    <a:p>
+                      <a:r>
+                        <a:rPr lang="zh-CN" altLang="en-US" sz="2000" b="1" dirty="0" smtClean="0">
+                          <a:solidFill>
+                            <a:schemeClr val="tx1"/>
+                          </a:solidFill>
+                        </a:rPr>
+                        <a:t>基本流或其他备选流</a:t>
+                      </a:r>
+                      <a:endParaRPr lang="zh-CN" altLang="en-US" sz="2000" b="1" dirty="0">
+                        <a:solidFill>
+                          <a:schemeClr val="tx1"/>
+                        </a:solidFill>
+                      </a:endParaRPr>
+                    </a:p>
+                  </a:txBody>
+                  <a:tcPr>
+                    <a:lnL w="12700" cap="flat" cmpd="sng" algn="ctr">
+                      <a:solidFill>
+                        <a:schemeClr val="tx1"/>
+                      </a:solidFill>
+                      <a:prstDash val="solid"/>
+                      <a:round/>
+                      <a:headEnd type="none" w="med" len="med"/>
+                      <a:tailEnd type="none" w="med" len="med"/>
+                    </a:lnL>
+                    <a:lnR w="12700" cap="flat" cmpd="sng" algn="ctr">
+                      <a:solidFill>
+                        <a:schemeClr val="tx1"/>
+                      </a:solidFill>
+                      <a:prstDash val="solid"/>
+                      <a:round/>
+                      <a:headEnd type="none" w="med" len="med"/>
+                      <a:tailEnd type="none" w="med" len="med"/>
+                    </a:lnR>
+                    <a:lnT w="12700" cap="flat" cmpd="sng" algn="ctr">
+                      <a:solidFill>
+                        <a:schemeClr val="tx1"/>
+                      </a:solidFill>
+                      <a:prstDash val="solid"/>
+                      <a:round/>
+                      <a:headEnd type="none" w="med" len="med"/>
+                      <a:tailEnd type="none" w="med" len="med"/>
+                    </a:lnT>
+                    <a:lnB w="12700" cap="flat" cmpd="sng" algn="ctr">
+                      <a:solidFill>
+                        <a:schemeClr val="tx1"/>
+                      </a:solidFill>
+                      <a:prstDash val="solid"/>
+                      <a:round/>
+                      <a:headEnd type="none" w="med" len="med"/>
+                      <a:tailEnd type="none" w="med" len="med"/>
+                    </a:lnB>
+                    <a:noFill/>
+                  </a:tcPr>
+                </a:tc>
+              </a:tr>
+              <a:tr h="627456">
+                <a:tc>
+                  <a:txBody>
+                    <a:bodyPr/>
+                    <a:lstStyle/>
+                    <a:p>
+                      <a:r>
+                        <a:rPr lang="zh-CN" altLang="en-US" sz="2000" b="1" dirty="0" smtClean="0">
+                          <a:solidFill>
+                            <a:schemeClr val="tx1"/>
+                          </a:solidFill>
+                        </a:rPr>
+                        <a:t>结束节点位置</a:t>
+                      </a:r>
+                      <a:endParaRPr lang="zh-CN" altLang="en-US" sz="2000" b="1" dirty="0">
+                        <a:solidFill>
+                          <a:schemeClr val="tx1"/>
+                        </a:solidFill>
+                      </a:endParaRPr>
+                    </a:p>
+                  </a:txBody>
+                  <a:tcPr>
+                    <a:lnL w="12700" cap="flat" cmpd="sng" algn="ctr">
+                      <a:solidFill>
+                        <a:schemeClr val="tx1"/>
+                      </a:solidFill>
+                      <a:prstDash val="solid"/>
+                      <a:round/>
+                      <a:headEnd type="none" w="med" len="med"/>
+                      <a:tailEnd type="none" w="med" len="med"/>
+                    </a:lnL>
+                    <a:lnR w="12700" cap="flat" cmpd="sng" algn="ctr">
+                      <a:solidFill>
+                        <a:schemeClr val="tx1"/>
+                      </a:solidFill>
+                      <a:prstDash val="solid"/>
+                      <a:round/>
+                      <a:headEnd type="none" w="med" len="med"/>
+                      <a:tailEnd type="none" w="med" len="med"/>
+                    </a:lnR>
+                    <a:lnT w="12700" cap="flat" cmpd="sng" algn="ctr">
+                      <a:solidFill>
+                        <a:schemeClr val="tx1"/>
+                      </a:solidFill>
+                      <a:prstDash val="solid"/>
+                      <a:round/>
+                      <a:headEnd type="none" w="med" len="med"/>
+                      <a:tailEnd type="none" w="med" len="med"/>
+                    </a:lnT>
+                    <a:lnB w="12700" cap="flat" cmpd="sng" algn="ctr">
+                      <a:solidFill>
+                        <a:schemeClr val="tx1"/>
+                      </a:solidFill>
+                      <a:prstDash val="solid"/>
+                      <a:round/>
+                      <a:headEnd type="none" w="med" len="med"/>
+                      <a:tailEnd type="none" w="med" len="med"/>
+                    </a:lnB>
+                    <a:noFill/>
+                  </a:tcPr>
+                </a:tc>
+                <a:tc>
+                  <a:txBody>
+                    <a:bodyPr/>
+                    <a:lstStyle/>
+                    <a:p>
+                      <a:r>
+                        <a:rPr lang="zh-CN" altLang="en-US" sz="2000" b="1" dirty="0" smtClean="0">
+                          <a:solidFill>
+                            <a:schemeClr val="tx1"/>
+                          </a:solidFill>
+                        </a:rPr>
+                        <a:t>系统默认终止状</a:t>
+                      </a:r>
+                      <a:endParaRPr lang="zh-CN" altLang="en-US" sz="2000" b="1" dirty="0">
+                        <a:solidFill>
+                          <a:schemeClr val="tx1"/>
+                        </a:solidFill>
+                      </a:endParaRPr>
+                    </a:p>
+                  </a:txBody>
+                  <a:tcPr>
+                    <a:lnL w="12700" cap="flat" cmpd="sng" algn="ctr">
+                      <a:solidFill>
+                        <a:schemeClr val="tx1"/>
+                      </a:solidFill>
+                      <a:prstDash val="solid"/>
+                      <a:round/>
+                      <a:headEnd type="none" w="med" len="med"/>
+                      <a:tailEnd type="none" w="med" len="med"/>
+                    </a:lnL>
+                    <a:lnR w="12700" cap="flat" cmpd="sng" algn="ctr">
+                      <a:solidFill>
+                        <a:schemeClr val="tx1"/>
+                      </a:solidFill>
+                      <a:prstDash val="solid"/>
+                      <a:round/>
+                      <a:headEnd type="none" w="med" len="med"/>
+                      <a:tailEnd type="none" w="med" len="med"/>
+                    </a:lnR>
+                    <a:lnT w="12700" cap="flat" cmpd="sng" algn="ctr">
+                      <a:solidFill>
+                        <a:schemeClr val="tx1"/>
+                      </a:solidFill>
+                      <a:prstDash val="solid"/>
+                      <a:round/>
+                      <a:headEnd type="none" w="med" len="med"/>
+                      <a:tailEnd type="none" w="med" len="med"/>
+                    </a:lnT>
+                    <a:lnB w="12700" cap="flat" cmpd="sng" algn="ctr">
+                      <a:solidFill>
+                        <a:schemeClr val="tx1"/>
+                      </a:solidFill>
+                      <a:prstDash val="solid"/>
+                      <a:round/>
+                      <a:headEnd type="none" w="med" len="med"/>
+                      <a:tailEnd type="none" w="med" len="med"/>
+                    </a:lnB>
+                    <a:noFill/>
+                  </a:tcPr>
+                </a:tc>
+                <a:tc>
+                  <a:txBody>
+                    <a:bodyPr/>
+                    <a:lstStyle/>
+                    <a:p>
+                      <a:r>
+                        <a:rPr lang="zh-CN" altLang="en-US" sz="2000" b="1" dirty="0" smtClean="0">
+                          <a:solidFill>
+                            <a:schemeClr val="tx1"/>
+                          </a:solidFill>
+                        </a:rPr>
+                        <a:t>基本流或系统其他终止状态</a:t>
+                      </a:r>
+                      <a:endParaRPr lang="zh-CN" altLang="en-US" sz="2000" b="1" dirty="0">
+                        <a:solidFill>
+                          <a:schemeClr val="tx1"/>
+                        </a:solidFill>
+                      </a:endParaRPr>
+                    </a:p>
+                  </a:txBody>
+                  <a:tcPr>
+                    <a:lnL w="12700" cap="flat" cmpd="sng" algn="ctr">
+                      <a:solidFill>
+                        <a:schemeClr val="tx1"/>
+                      </a:solidFill>
+                      <a:prstDash val="solid"/>
+                      <a:round/>
+                      <a:headEnd type="none" w="med" len="med"/>
+                      <a:tailEnd type="none" w="med" len="med"/>
+                    </a:lnL>
+                    <a:lnR w="12700" cap="flat" cmpd="sng" algn="ctr">
+                      <a:solidFill>
+                        <a:schemeClr val="tx1"/>
+                      </a:solidFill>
+                      <a:prstDash val="solid"/>
+                      <a:round/>
+                      <a:headEnd type="none" w="med" len="med"/>
+                      <a:tailEnd type="none" w="med" len="med"/>
+                    </a:lnR>
+                    <a:lnT w="12700" cap="flat" cmpd="sng" algn="ctr">
+                      <a:solidFill>
+                        <a:schemeClr val="tx1"/>
+                      </a:solidFill>
+                      <a:prstDash val="solid"/>
+                      <a:round/>
+                      <a:headEnd type="none" w="med" len="med"/>
+                      <a:tailEnd type="none" w="med" len="med"/>
+                    </a:lnT>
+                    <a:lnB w="12700" cap="flat" cmpd="sng" algn="ctr">
+                      <a:solidFill>
+                        <a:schemeClr val="tx1"/>
+                      </a:solidFill>
+                      <a:prstDash val="solid"/>
+                      <a:round/>
+                      <a:headEnd type="none" w="med" len="med"/>
+                      <a:tailEnd type="none" w="med" len="med"/>
+                    </a:lnB>
+                    <a:noFill/>
+                  </a:tcPr>
+                </a:tc>
+              </a:tr>
+              <a:tr h="627456">
+                <a:tc>
+                  <a:txBody>
+                    <a:bodyPr/>
+                    <a:lstStyle/>
+                    <a:p>
+                      <a:r>
+                        <a:rPr lang="zh-CN" altLang="en-US" sz="2000" b="1" dirty="0" smtClean="0">
+                          <a:solidFill>
+                            <a:schemeClr val="tx1"/>
+                          </a:solidFill>
+                        </a:rPr>
+                        <a:t>是否完整的业务流程</a:t>
+                      </a:r>
+                      <a:endParaRPr lang="zh-CN" altLang="en-US" sz="2000" b="1" dirty="0">
+                        <a:solidFill>
+                          <a:schemeClr val="tx1"/>
+                        </a:solidFill>
+                      </a:endParaRPr>
+                    </a:p>
+                  </a:txBody>
+                  <a:tcPr>
+                    <a:lnL w="12700" cap="flat" cmpd="sng" algn="ctr">
+                      <a:solidFill>
+                        <a:schemeClr val="tx1"/>
+                      </a:solidFill>
+                      <a:prstDash val="solid"/>
+                      <a:round/>
+                      <a:headEnd type="none" w="med" len="med"/>
+                      <a:tailEnd type="none" w="med" len="med"/>
+                    </a:lnL>
+                    <a:lnR w="12700" cap="flat" cmpd="sng" algn="ctr">
+                      <a:solidFill>
+                        <a:schemeClr val="tx1"/>
+                      </a:solidFill>
+                      <a:prstDash val="solid"/>
+                      <a:round/>
+                      <a:headEnd type="none" w="med" len="med"/>
+                      <a:tailEnd type="none" w="med" len="med"/>
+                    </a:lnR>
+                    <a:lnT w="12700" cap="flat" cmpd="sng" algn="ctr">
+                      <a:solidFill>
+                        <a:schemeClr val="tx1"/>
+                      </a:solidFill>
+                      <a:prstDash val="solid"/>
+                      <a:round/>
+                      <a:headEnd type="none" w="med" len="med"/>
+                      <a:tailEnd type="none" w="med" len="med"/>
+                    </a:lnT>
+                    <a:lnB w="12700" cap="flat" cmpd="sng" algn="ctr">
+                      <a:solidFill>
+                        <a:schemeClr val="tx1"/>
+                      </a:solidFill>
+                      <a:prstDash val="solid"/>
+                      <a:round/>
+                      <a:headEnd type="none" w="med" len="med"/>
+                      <a:tailEnd type="none" w="med" len="med"/>
+                    </a:lnB>
+                    <a:noFill/>
+                  </a:tcPr>
+                </a:tc>
+                <a:tc>
+                  <a:txBody>
+                    <a:bodyPr/>
+                    <a:lstStyle/>
+                    <a:p>
+                      <a:r>
+                        <a:rPr lang="zh-CN" altLang="en-US" sz="2000" b="1" dirty="0" smtClean="0">
+                          <a:solidFill>
+                            <a:schemeClr val="tx1"/>
+                          </a:solidFill>
+                        </a:rPr>
+                        <a:t>是</a:t>
+                      </a:r>
+                      <a:endParaRPr lang="zh-CN" altLang="en-US" sz="2000" b="1" dirty="0">
+                        <a:solidFill>
+                          <a:schemeClr val="tx1"/>
+                        </a:solidFill>
+                      </a:endParaRPr>
+                    </a:p>
+                  </a:txBody>
+                  <a:tcPr>
+                    <a:lnL w="12700" cap="flat" cmpd="sng" algn="ctr">
+                      <a:solidFill>
+                        <a:schemeClr val="tx1"/>
+                      </a:solidFill>
+                      <a:prstDash val="solid"/>
+                      <a:round/>
+                      <a:headEnd type="none" w="med" len="med"/>
+                      <a:tailEnd type="none" w="med" len="med"/>
+                    </a:lnL>
+                    <a:lnR w="12700" cap="flat" cmpd="sng" algn="ctr">
+                      <a:solidFill>
+                        <a:schemeClr val="tx1"/>
+                      </a:solidFill>
+                      <a:prstDash val="solid"/>
+                      <a:round/>
+                      <a:headEnd type="none" w="med" len="med"/>
+                      <a:tailEnd type="none" w="med" len="med"/>
+                    </a:lnR>
+                    <a:lnT w="12700" cap="flat" cmpd="sng" algn="ctr">
+                      <a:solidFill>
+                        <a:schemeClr val="tx1"/>
+                      </a:solidFill>
+                      <a:prstDash val="solid"/>
+                      <a:round/>
+                      <a:headEnd type="none" w="med" len="med"/>
+                      <a:tailEnd type="none" w="med" len="med"/>
+                    </a:lnT>
+                    <a:lnB w="12700" cap="flat" cmpd="sng" algn="ctr">
+                      <a:solidFill>
+                        <a:schemeClr val="tx1"/>
+                      </a:solidFill>
+                      <a:prstDash val="solid"/>
+                      <a:round/>
+                      <a:headEnd type="none" w="med" len="med"/>
+                      <a:tailEnd type="none" w="med" len="med"/>
+                    </a:lnB>
+                    <a:noFill/>
+                  </a:tcPr>
+                </a:tc>
+                <a:tc>
+                  <a:txBody>
+                    <a:bodyPr/>
+                    <a:lstStyle/>
+                    <a:p>
+                      <a:r>
+                        <a:rPr lang="zh-CN" altLang="en-US" sz="2000" b="1" dirty="0" smtClean="0">
+                          <a:solidFill>
+                            <a:schemeClr val="tx1"/>
+                          </a:solidFill>
+                        </a:rPr>
+                        <a:t>否，仅为业务流程的执行片段</a:t>
+                      </a:r>
+                      <a:endParaRPr lang="zh-CN" altLang="en-US" sz="2000" b="1" dirty="0">
+                        <a:solidFill>
+                          <a:schemeClr val="tx1"/>
+                        </a:solidFill>
+                      </a:endParaRPr>
+                    </a:p>
+                  </a:txBody>
+                  <a:tcPr>
+                    <a:lnL w="12700" cap="flat" cmpd="sng" algn="ctr">
+                      <a:solidFill>
+                        <a:schemeClr val="tx1"/>
+                      </a:solidFill>
+                      <a:prstDash val="solid"/>
+                      <a:round/>
+                      <a:headEnd type="none" w="med" len="med"/>
+                      <a:tailEnd type="none" w="med" len="med"/>
+                    </a:lnL>
+                    <a:lnR w="12700" cap="flat" cmpd="sng" algn="ctr">
+                      <a:solidFill>
+                        <a:schemeClr val="tx1"/>
+                      </a:solidFill>
+                      <a:prstDash val="solid"/>
+                      <a:round/>
+                      <a:headEnd type="none" w="med" len="med"/>
+                      <a:tailEnd type="none" w="med" len="med"/>
+                    </a:lnR>
+                    <a:lnT w="12700" cap="flat" cmpd="sng" algn="ctr">
+                      <a:solidFill>
+                        <a:schemeClr val="tx1"/>
+                      </a:solidFill>
+                      <a:prstDash val="solid"/>
+                      <a:round/>
+                      <a:headEnd type="none" w="med" len="med"/>
+                      <a:tailEnd type="none" w="med" len="med"/>
+                    </a:lnT>
+                    <a:lnB w="12700" cap="flat" cmpd="sng" algn="ctr">
+                      <a:solidFill>
+                        <a:schemeClr val="tx1"/>
+                      </a:solidFill>
+                      <a:prstDash val="solid"/>
+                      <a:round/>
+                      <a:headEnd type="none" w="med" len="med"/>
+                      <a:tailEnd type="none" w="med" len="med"/>
+                    </a:lnB>
+                    <a:noFill/>
+                  </a:tcPr>
+                </a:tc>
+              </a:tr>
+              <a:tr h="627456">
+                <a:tc>
+                  <a:txBody>
+                    <a:bodyPr/>
+                    <a:lstStyle/>
+                    <a:p>
+                      <a:r>
+                        <a:rPr lang="zh-CN" altLang="en-US" sz="2000" b="1" dirty="0" smtClean="0">
+                          <a:solidFill>
+                            <a:schemeClr val="tx1"/>
+                          </a:solidFill>
+                        </a:rPr>
+                        <a:t>能否构成场景</a:t>
+                      </a:r>
+                      <a:endParaRPr lang="zh-CN" altLang="en-US" sz="2000" b="1" dirty="0">
+                        <a:solidFill>
+                          <a:schemeClr val="tx1"/>
+                        </a:solidFill>
+                      </a:endParaRPr>
+                    </a:p>
+                  </a:txBody>
+                  <a:tcPr>
+                    <a:lnL w="12700" cap="flat" cmpd="sng" algn="ctr">
+                      <a:solidFill>
+                        <a:schemeClr val="tx1"/>
+                      </a:solidFill>
+                      <a:prstDash val="solid"/>
+                      <a:round/>
+                      <a:headEnd type="none" w="med" len="med"/>
+                      <a:tailEnd type="none" w="med" len="med"/>
+                    </a:lnL>
+                    <a:lnR w="12700" cap="flat" cmpd="sng" algn="ctr">
+                      <a:solidFill>
+                        <a:schemeClr val="tx1"/>
+                      </a:solidFill>
+                      <a:prstDash val="solid"/>
+                      <a:round/>
+                      <a:headEnd type="none" w="med" len="med"/>
+                      <a:tailEnd type="none" w="med" len="med"/>
+                    </a:lnR>
+                    <a:lnT w="12700" cap="flat" cmpd="sng" algn="ctr">
+                      <a:solidFill>
+                        <a:schemeClr val="tx1"/>
+                      </a:solidFill>
+                      <a:prstDash val="solid"/>
+                      <a:round/>
+                      <a:headEnd type="none" w="med" len="med"/>
+                      <a:tailEnd type="none" w="med" len="med"/>
+                    </a:lnT>
+                    <a:lnB w="12700" cap="flat" cmpd="sng" algn="ctr">
+                      <a:solidFill>
+                        <a:schemeClr val="tx1"/>
+                      </a:solidFill>
+                      <a:prstDash val="solid"/>
+                      <a:round/>
+                      <a:headEnd type="none" w="med" len="med"/>
+                      <a:tailEnd type="none" w="med" len="med"/>
+                    </a:lnB>
+                    <a:noFill/>
+                  </a:tcPr>
+                </a:tc>
+                <a:tc>
+                  <a:txBody>
+                    <a:bodyPr/>
+                    <a:lstStyle/>
+                    <a:p>
+                      <a:r>
+                        <a:rPr lang="zh-CN" altLang="en-US" sz="2000" b="1" dirty="0" smtClean="0">
+                          <a:solidFill>
+                            <a:schemeClr val="tx1"/>
+                          </a:solidFill>
+                        </a:rPr>
+                        <a:t>能</a:t>
+                      </a:r>
+                      <a:endParaRPr lang="zh-CN" altLang="en-US" sz="2000" b="1" dirty="0">
+                        <a:solidFill>
+                          <a:schemeClr val="tx1"/>
+                        </a:solidFill>
+                      </a:endParaRPr>
+                    </a:p>
+                  </a:txBody>
+                  <a:tcPr>
+                    <a:lnL w="12700" cap="flat" cmpd="sng" algn="ctr">
+                      <a:solidFill>
+                        <a:schemeClr val="tx1"/>
+                      </a:solidFill>
+                      <a:prstDash val="solid"/>
+                      <a:round/>
+                      <a:headEnd type="none" w="med" len="med"/>
+                      <a:tailEnd type="none" w="med" len="med"/>
+                    </a:lnL>
+                    <a:lnR w="12700" cap="flat" cmpd="sng" algn="ctr">
+                      <a:solidFill>
+                        <a:schemeClr val="tx1"/>
+                      </a:solidFill>
+                      <a:prstDash val="solid"/>
+                      <a:round/>
+                      <a:headEnd type="none" w="med" len="med"/>
+                      <a:tailEnd type="none" w="med" len="med"/>
+                    </a:lnR>
+                    <a:lnT w="12700" cap="flat" cmpd="sng" algn="ctr">
+                      <a:solidFill>
+                        <a:schemeClr val="tx1"/>
+                      </a:solidFill>
+                      <a:prstDash val="solid"/>
+                      <a:round/>
+                      <a:headEnd type="none" w="med" len="med"/>
+                      <a:tailEnd type="none" w="med" len="med"/>
+                    </a:lnT>
+                    <a:lnB w="12700" cap="flat" cmpd="sng" algn="ctr">
+                      <a:solidFill>
+                        <a:schemeClr val="tx1"/>
+                      </a:solidFill>
+                      <a:prstDash val="solid"/>
+                      <a:round/>
+                      <a:headEnd type="none" w="med" len="med"/>
+                      <a:tailEnd type="none" w="med" len="med"/>
+                    </a:lnB>
+                    <a:noFill/>
+                  </a:tcPr>
+                </a:tc>
+                <a:tc>
+                  <a:txBody>
+                    <a:bodyPr/>
+                    <a:lstStyle/>
+                    <a:p>
+                      <a:r>
+                        <a:rPr lang="zh-CN" altLang="en-US" sz="2000" b="1" dirty="0" smtClean="0">
+                          <a:solidFill>
+                            <a:schemeClr val="tx1"/>
+                          </a:solidFill>
+                        </a:rPr>
+                        <a:t>否，需要和基本流共同构成场景</a:t>
+                      </a:r>
+                      <a:endParaRPr lang="zh-CN" altLang="en-US" sz="2000" b="1" dirty="0">
+                        <a:solidFill>
+                          <a:schemeClr val="tx1"/>
+                        </a:solidFill>
+                      </a:endParaRPr>
+                    </a:p>
+                  </a:txBody>
+                  <a:tcPr>
+                    <a:lnL w="12700" cap="flat" cmpd="sng" algn="ctr">
+                      <a:solidFill>
+                        <a:schemeClr val="tx1"/>
+                      </a:solidFill>
+                      <a:prstDash val="solid"/>
+                      <a:round/>
+                      <a:headEnd type="none" w="med" len="med"/>
+                      <a:tailEnd type="none" w="med" len="med"/>
+                    </a:lnL>
+                    <a:lnR w="12700" cap="flat" cmpd="sng" algn="ctr">
+                      <a:solidFill>
+                        <a:schemeClr val="tx1"/>
+                      </a:solidFill>
+                      <a:prstDash val="solid"/>
+                      <a:round/>
+                      <a:headEnd type="none" w="med" len="med"/>
+                      <a:tailEnd type="none" w="med" len="med"/>
+                    </a:lnR>
+                    <a:lnT w="12700" cap="flat" cmpd="sng" algn="ctr">
+                      <a:solidFill>
+                        <a:schemeClr val="tx1"/>
+                      </a:solidFill>
+                      <a:prstDash val="solid"/>
+                      <a:round/>
+                      <a:headEnd type="none" w="med" len="med"/>
+                      <a:tailEnd type="none" w="med" len="med"/>
+                    </a:lnT>
+                    <a:lnB w="12700" cap="flat" cmpd="sng" algn="ctr">
+                      <a:solidFill>
+                        <a:schemeClr val="tx1"/>
+                      </a:solidFill>
+                      <a:prstDash val="solid"/>
+                      <a:round/>
+                      <a:headEnd type="none" w="med" len="med"/>
+                      <a:tailEnd type="none" w="med" len="med"/>
+                    </a:lnB>
+                    <a:noFill/>
+                  </a:tcPr>
+                </a:tc>
+              </a:tr>
+            </a:tbl>
+          </a:graphicData>
+        </a:graphic>
+      </p:graphicFrame>
+      <p:sp>
+        <p:nvSpPr>
+          <p:cNvPr id="6" name="Rectangle 2"/>
+          <p:cNvSpPr txBox="1">
+            <a:spLocks noChangeArrowheads="1"/>
+          </p:cNvSpPr>
+          <p:nvPr/>
+        </p:nvSpPr>
+        <p:spPr bwMode="auto">
+          <a:xfrm>
+            <a:off x="574675" y="304800"/>
+            <a:ext cx="8001000" cy="1216025"/>
+          </a:xfrm>
+          <a:prstGeom prst="rect">
+            <a:avLst/>
+          </a:prstGeom>
+          <a:noFill/>
+          <a:ln>
+            <a:noFill/>
+          </a:ln>
+          <a:extLst>
+            <a:ext uri="{909E8E84-426E-40DD-AFC4-6F175D3DCCD1}">
+              <a14:hiddenFill xmlns:a14="http://schemas.microsoft.com/office/drawing/2010/main">
+                <a:solidFill>
+                  <a:srgbClr val="FFFFFF"/>
+                </a:solidFill>
+              </a14:hiddenFill>
+            </a:ext>
+            <a:ext uri="{91240B29-F687-4F45-9708-019B960494DF}">
+              <a14:hiddenLine xmlns:a14="http://schemas.microsoft.com/office/drawing/2010/main" w="9525">
+                <a:solidFill>
+                  <a:srgbClr val="000000"/>
+                </a:solidFill>
+                <a:miter lim="800000"/>
+                <a:headEnd/>
+                <a:tailEnd/>
+              </a14:hiddenLine>
+            </a:ext>
+          </a:extLst>
+        </p:spPr>
+        <p:txBody>
+          <a:bodyPr vert="horz" wrap="square" lIns="91440" tIns="45720" rIns="91440" bIns="45720" numCol="1" anchor="b" anchorCtr="0" compatLnSpc="1"/>
+          <a:lstStyle>
+            <a:lvl1pPr algn="l" rtl="0" eaLnBrk="0" fontAlgn="base" hangingPunct="0">
+              <a:spcBef>
+                <a:spcPct val="0"/>
+              </a:spcBef>
+              <a:spcAft>
+                <a:spcPct val="0"/>
+              </a:spcAft>
+              <a:defRPr sz="3800">
+                <a:solidFill>
+                  <a:schemeClr val="tx2"/>
+                </a:solidFill>
+                <a:latin typeface="+mj-lt"/>
+                <a:ea typeface="+mj-ea"/>
+                <a:cs typeface="+mj-cs"/>
+              </a:defRPr>
+            </a:lvl1pPr>
+            <a:lvl2pPr algn="l" rtl="0" eaLnBrk="0" fontAlgn="base" hangingPunct="0">
+              <a:spcBef>
+                <a:spcPct val="0"/>
+              </a:spcBef>
+              <a:spcAft>
+                <a:spcPct val="0"/>
+              </a:spcAft>
+              <a:defRPr sz="3800">
+                <a:solidFill>
+                  <a:schemeClr val="tx2"/>
+                </a:solidFill>
+                <a:latin typeface="Verdana" panose="020B0604030504040204" pitchFamily="34" charset="0"/>
+                <a:ea typeface="宋体" panose="02010600030101010101" pitchFamily="2" charset="-122"/>
+              </a:defRPr>
+            </a:lvl2pPr>
+            <a:lvl3pPr algn="l" rtl="0" eaLnBrk="0" fontAlgn="base" hangingPunct="0">
+              <a:spcBef>
+                <a:spcPct val="0"/>
+              </a:spcBef>
+              <a:spcAft>
+                <a:spcPct val="0"/>
+              </a:spcAft>
+              <a:defRPr sz="3800">
+                <a:solidFill>
+                  <a:schemeClr val="tx2"/>
+                </a:solidFill>
+                <a:latin typeface="Verdana" panose="020B0604030504040204" pitchFamily="34" charset="0"/>
+                <a:ea typeface="宋体" panose="02010600030101010101" pitchFamily="2" charset="-122"/>
+              </a:defRPr>
+            </a:lvl3pPr>
+            <a:lvl4pPr algn="l" rtl="0" eaLnBrk="0" fontAlgn="base" hangingPunct="0">
+              <a:spcBef>
+                <a:spcPct val="0"/>
+              </a:spcBef>
+              <a:spcAft>
+                <a:spcPct val="0"/>
+              </a:spcAft>
+              <a:defRPr sz="3800">
+                <a:solidFill>
+                  <a:schemeClr val="tx2"/>
+                </a:solidFill>
+                <a:latin typeface="Verdana" panose="020B0604030504040204" pitchFamily="34" charset="0"/>
+                <a:ea typeface="宋体" panose="02010600030101010101" pitchFamily="2" charset="-122"/>
+              </a:defRPr>
+            </a:lvl4pPr>
+            <a:lvl5pPr algn="l" rtl="0" eaLnBrk="0" fontAlgn="base" hangingPunct="0">
+              <a:spcBef>
+                <a:spcPct val="0"/>
+              </a:spcBef>
+              <a:spcAft>
+                <a:spcPct val="0"/>
+              </a:spcAft>
+              <a:defRPr sz="3800">
+                <a:solidFill>
+                  <a:schemeClr val="tx2"/>
+                </a:solidFill>
+                <a:latin typeface="Verdana" panose="020B0604030504040204" pitchFamily="34" charset="0"/>
+                <a:ea typeface="宋体" panose="02010600030101010101" pitchFamily="2" charset="-122"/>
+              </a:defRPr>
+            </a:lvl5pPr>
+            <a:lvl6pPr marL="457200" algn="l" rtl="0" fontAlgn="base">
+              <a:spcBef>
+                <a:spcPct val="0"/>
+              </a:spcBef>
+              <a:spcAft>
+                <a:spcPct val="0"/>
+              </a:spcAft>
+              <a:defRPr sz="3800">
+                <a:solidFill>
+                  <a:schemeClr val="tx2"/>
+                </a:solidFill>
+                <a:latin typeface="Verdana" panose="020B0604030504040204" pitchFamily="34" charset="0"/>
+                <a:ea typeface="宋体" panose="02010600030101010101" pitchFamily="2" charset="-122"/>
+              </a:defRPr>
+            </a:lvl6pPr>
+            <a:lvl7pPr marL="914400" algn="l" rtl="0" fontAlgn="base">
+              <a:spcBef>
+                <a:spcPct val="0"/>
+              </a:spcBef>
+              <a:spcAft>
+                <a:spcPct val="0"/>
+              </a:spcAft>
+              <a:defRPr sz="3800">
+                <a:solidFill>
+                  <a:schemeClr val="tx2"/>
+                </a:solidFill>
+                <a:latin typeface="Verdana" panose="020B0604030504040204" pitchFamily="34" charset="0"/>
+                <a:ea typeface="宋体" panose="02010600030101010101" pitchFamily="2" charset="-122"/>
+              </a:defRPr>
+            </a:lvl7pPr>
+            <a:lvl8pPr marL="1371600" algn="l" rtl="0" fontAlgn="base">
+              <a:spcBef>
+                <a:spcPct val="0"/>
+              </a:spcBef>
+              <a:spcAft>
+                <a:spcPct val="0"/>
+              </a:spcAft>
+              <a:defRPr sz="3800">
+                <a:solidFill>
+                  <a:schemeClr val="tx2"/>
+                </a:solidFill>
+                <a:latin typeface="Verdana" panose="020B0604030504040204" pitchFamily="34" charset="0"/>
+                <a:ea typeface="宋体" panose="02010600030101010101" pitchFamily="2" charset="-122"/>
+              </a:defRPr>
+            </a:lvl8pPr>
+            <a:lvl9pPr marL="1828800" algn="l" rtl="0" fontAlgn="base">
+              <a:spcBef>
+                <a:spcPct val="0"/>
+              </a:spcBef>
+              <a:spcAft>
+                <a:spcPct val="0"/>
+              </a:spcAft>
+              <a:defRPr sz="3800">
+                <a:solidFill>
+                  <a:schemeClr val="tx2"/>
+                </a:solidFill>
+                <a:latin typeface="Verdana" panose="020B0604030504040204" pitchFamily="34" charset="0"/>
+                <a:ea typeface="宋体" panose="02010600030101010101" pitchFamily="2" charset="-122"/>
+              </a:defRPr>
+            </a:lvl9pPr>
+          </a:lstStyle>
+          <a:p>
+            <a:pPr eaLnBrk="1" hangingPunct="1"/>
+            <a:r>
+              <a:rPr lang="en-US" altLang="zh-CN" b="1" dirty="0" smtClean="0">
+                <a:latin typeface="黑体" panose="02010609060101010101" pitchFamily="2" charset="-122"/>
+                <a:ea typeface="黑体" panose="02010609060101010101" pitchFamily="2" charset="-122"/>
+              </a:rPr>
+              <a:t>3.6 </a:t>
+            </a:r>
+            <a:r>
+              <a:rPr lang="zh-CN" altLang="en-US" b="1" dirty="0" smtClean="0">
+                <a:latin typeface="黑体" panose="02010609060101010101" pitchFamily="2" charset="-122"/>
+                <a:ea typeface="黑体" panose="02010609060101010101" pitchFamily="2" charset="-122"/>
+              </a:rPr>
+              <a:t>基于场景的</a:t>
+            </a:r>
+            <a:r>
+              <a:rPr lang="zh-CN" altLang="en-US" b="1" dirty="0">
+                <a:latin typeface="黑体" panose="02010609060101010101" pitchFamily="2" charset="-122"/>
+                <a:ea typeface="黑体" panose="02010609060101010101" pitchFamily="2" charset="-122"/>
+              </a:rPr>
+              <a:t>测试</a:t>
+            </a:r>
+            <a:endParaRPr lang="zh-CN" altLang="en-US" b="1" dirty="0" smtClean="0">
+              <a:latin typeface="黑体" panose="02010609060101010101" pitchFamily="2" charset="-122"/>
+              <a:ea typeface="黑体" panose="02010609060101010101" pitchFamily="2" charset="-122"/>
+            </a:endParaRPr>
+          </a:p>
+        </p:txBody>
+      </p:sp>
+    </p:spTree>
+    <p:extLst>
+      <p:ext uri="{BB962C8B-B14F-4D97-AF65-F5344CB8AC3E}">
+        <p14:creationId xmlns:p14="http://schemas.microsoft.com/office/powerpoint/2010/main" val="1950588386"/>
+      </p:ext>
+    </p:extLst>
+  </p:cSld>
+  <p:clrMapOvr>
+    <a:masterClrMapping/>
+  </p:clrMapOvr>
+  <p:transition>
+    <p:blinds dir="vert"/>
+  </p:transition>
+  <p:timing>
+    <p:tnLst>
+      <p:par>
+        <p:cTn id="1" dur="indefinite" restart="never" nodeType="tmRoot"/>
+      </p:par>
+    </p:tnLst>
+  </p:timing>
+</p:sld>
+</file>
+
+<file path=ppt/slides/slide7.xml><?xml version="1.0" encoding="utf-8"?>
 <p:sld xmlns:a="http://schemas.openxmlformats.org/drawingml/2006/main" xmlns:r="http://schemas.openxmlformats.org/officeDocument/2006/relationships" xmlns:p="http://schemas.openxmlformats.org/presentationml/2006/main">
   <p:cSld>
     <p:spTree>
@@ -18497,1617 +20376,6 @@
 </p:sld>
 </file>
 
-<file path=ppt/slides/slide7.xml><?xml version="1.0" encoding="utf-8"?>
-<p:sld xmlns:a="http://schemas.openxmlformats.org/drawingml/2006/main" xmlns:r="http://schemas.openxmlformats.org/officeDocument/2006/relationships" xmlns:p="http://schemas.openxmlformats.org/presentationml/2006/main">
-  <p:cSld>
-    <p:spTree>
-      <p:nvGrpSpPr>
-        <p:cNvPr id="1" name=""/>
-        <p:cNvGrpSpPr/>
-        <p:nvPr/>
-      </p:nvGrpSpPr>
-      <p:grpSpPr>
-        <a:xfrm>
-          <a:off x="0" y="0"/>
-          <a:ext cx="0" cy="0"/>
-          <a:chOff x="0" y="0"/>
-          <a:chExt cx="0" cy="0"/>
-        </a:xfrm>
-      </p:grpSpPr>
-      <p:sp>
-        <p:nvSpPr>
-          <p:cNvPr id="3" name="内容占位符 2"/>
-          <p:cNvSpPr>
-            <a:spLocks noGrp="1"/>
-          </p:cNvSpPr>
-          <p:nvPr>
-            <p:ph sz="half" idx="2"/>
-          </p:nvPr>
-        </p:nvSpPr>
-        <p:spPr>
-          <a:xfrm>
-            <a:off x="539552" y="1844824"/>
-            <a:ext cx="7906834" cy="5670503"/>
-          </a:xfrm>
-        </p:spPr>
-        <p:txBody>
-          <a:bodyPr/>
-          <a:lstStyle/>
-          <a:p>
-            <a:pPr algn="just" eaLnBrk="1" hangingPunct="1"/>
-            <a:r>
-              <a:rPr lang="zh-CN" altLang="en-US" sz="3400" b="1" dirty="0"/>
-              <a:t>基本流与备选流的</a:t>
-            </a:r>
-            <a:r>
-              <a:rPr lang="zh-CN" altLang="en-US" sz="3400" b="1" dirty="0" smtClean="0"/>
-              <a:t>区别</a:t>
-            </a:r>
-            <a:endParaRPr lang="en-US" altLang="zh-CN" sz="3400" b="1" dirty="0" smtClean="0"/>
-          </a:p>
-          <a:p>
-            <a:pPr marL="0" indent="0" algn="just" eaLnBrk="1" hangingPunct="1">
-              <a:buNone/>
-            </a:pPr>
-            <a:endParaRPr lang="zh-CN" altLang="en-US" sz="3400" b="1" dirty="0"/>
-          </a:p>
-        </p:txBody>
-      </p:sp>
-      <p:graphicFrame>
-        <p:nvGraphicFramePr>
-          <p:cNvPr id="4" name="表格 3"/>
-          <p:cNvGraphicFramePr>
-            <a:graphicFrameLocks noGrp="1"/>
-          </p:cNvGraphicFramePr>
-          <p:nvPr>
-            <p:extLst>
-              <p:ext uri="{D42A27DB-BD31-4B8C-83A1-F6EECF244321}">
-                <p14:modId xmlns:p14="http://schemas.microsoft.com/office/powerpoint/2010/main" val="2856733648"/>
-              </p:ext>
-            </p:extLst>
-          </p:nvPr>
-        </p:nvGraphicFramePr>
-        <p:xfrm>
-          <a:off x="971600" y="2636912"/>
-          <a:ext cx="7704855" cy="3919296"/>
-        </p:xfrm>
-        <a:graphic>
-          <a:graphicData uri="http://schemas.openxmlformats.org/drawingml/2006/table">
-            <a:tbl>
-              <a:tblPr firstRow="1" bandRow="1">
-                <a:tableStyleId>{5C22544A-7EE6-4342-B048-85BDC9FD1C3A}</a:tableStyleId>
-              </a:tblPr>
-              <a:tblGrid>
-                <a:gridCol w="2376264"/>
-                <a:gridCol w="2376264"/>
-                <a:gridCol w="2952327"/>
-              </a:tblGrid>
-              <a:tr h="363526">
-                <a:tc>
-                  <a:txBody>
-                    <a:bodyPr/>
-                    <a:lstStyle/>
-                    <a:p>
-                      <a:endParaRPr lang="zh-CN" altLang="en-US" sz="2000" b="1" dirty="0">
-                        <a:solidFill>
-                          <a:schemeClr val="tx1"/>
-                        </a:solidFill>
-                      </a:endParaRPr>
-                    </a:p>
-                  </a:txBody>
-                  <a:tcPr>
-                    <a:lnL w="12700" cap="flat" cmpd="sng" algn="ctr">
-                      <a:solidFill>
-                        <a:schemeClr val="tx1"/>
-                      </a:solidFill>
-                      <a:prstDash val="solid"/>
-                      <a:round/>
-                      <a:headEnd type="none" w="med" len="med"/>
-                      <a:tailEnd type="none" w="med" len="med"/>
-                    </a:lnL>
-                    <a:lnR w="12700" cap="flat" cmpd="sng" algn="ctr">
-                      <a:solidFill>
-                        <a:schemeClr val="tx1"/>
-                      </a:solidFill>
-                      <a:prstDash val="solid"/>
-                      <a:round/>
-                      <a:headEnd type="none" w="med" len="med"/>
-                      <a:tailEnd type="none" w="med" len="med"/>
-                    </a:lnR>
-                    <a:lnT w="12700" cap="flat" cmpd="sng" algn="ctr">
-                      <a:solidFill>
-                        <a:schemeClr val="tx1"/>
-                      </a:solidFill>
-                      <a:prstDash val="solid"/>
-                      <a:round/>
-                      <a:headEnd type="none" w="med" len="med"/>
-                      <a:tailEnd type="none" w="med" len="med"/>
-                    </a:lnT>
-                    <a:lnB w="12700" cap="flat" cmpd="sng" algn="ctr">
-                      <a:solidFill>
-                        <a:schemeClr val="tx1"/>
-                      </a:solidFill>
-                      <a:prstDash val="solid"/>
-                      <a:round/>
-                      <a:headEnd type="none" w="med" len="med"/>
-                      <a:tailEnd type="none" w="med" len="med"/>
-                    </a:lnB>
-                    <a:noFill/>
-                  </a:tcPr>
-                </a:tc>
-                <a:tc>
-                  <a:txBody>
-                    <a:bodyPr/>
-                    <a:lstStyle/>
-                    <a:p>
-                      <a:r>
-                        <a:rPr lang="zh-CN" altLang="en-US" sz="2000" b="1" dirty="0" smtClean="0">
-                          <a:solidFill>
-                            <a:schemeClr val="tx1"/>
-                          </a:solidFill>
-                        </a:rPr>
-                        <a:t>基本流</a:t>
-                      </a:r>
-                      <a:endParaRPr lang="zh-CN" altLang="en-US" sz="2000" b="1" dirty="0">
-                        <a:solidFill>
-                          <a:schemeClr val="tx1"/>
-                        </a:solidFill>
-                      </a:endParaRPr>
-                    </a:p>
-                  </a:txBody>
-                  <a:tcPr>
-                    <a:lnL w="12700" cap="flat" cmpd="sng" algn="ctr">
-                      <a:solidFill>
-                        <a:schemeClr val="tx1"/>
-                      </a:solidFill>
-                      <a:prstDash val="solid"/>
-                      <a:round/>
-                      <a:headEnd type="none" w="med" len="med"/>
-                      <a:tailEnd type="none" w="med" len="med"/>
-                    </a:lnL>
-                    <a:lnR w="12700" cap="flat" cmpd="sng" algn="ctr">
-                      <a:solidFill>
-                        <a:schemeClr val="tx1"/>
-                      </a:solidFill>
-                      <a:prstDash val="solid"/>
-                      <a:round/>
-                      <a:headEnd type="none" w="med" len="med"/>
-                      <a:tailEnd type="none" w="med" len="med"/>
-                    </a:lnR>
-                    <a:lnT w="12700" cap="flat" cmpd="sng" algn="ctr">
-                      <a:solidFill>
-                        <a:schemeClr val="tx1"/>
-                      </a:solidFill>
-                      <a:prstDash val="solid"/>
-                      <a:round/>
-                      <a:headEnd type="none" w="med" len="med"/>
-                      <a:tailEnd type="none" w="med" len="med"/>
-                    </a:lnT>
-                    <a:lnB w="12700" cap="flat" cmpd="sng" algn="ctr">
-                      <a:solidFill>
-                        <a:schemeClr val="tx1"/>
-                      </a:solidFill>
-                      <a:prstDash val="solid"/>
-                      <a:round/>
-                      <a:headEnd type="none" w="med" len="med"/>
-                      <a:tailEnd type="none" w="med" len="med"/>
-                    </a:lnB>
-                    <a:noFill/>
-                  </a:tcPr>
-                </a:tc>
-                <a:tc>
-                  <a:txBody>
-                    <a:bodyPr/>
-                    <a:lstStyle/>
-                    <a:p>
-                      <a:r>
-                        <a:rPr lang="zh-CN" altLang="en-US" sz="2000" b="1" dirty="0" smtClean="0">
-                          <a:solidFill>
-                            <a:schemeClr val="tx1"/>
-                          </a:solidFill>
-                        </a:rPr>
-                        <a:t>备选流</a:t>
-                      </a:r>
-                      <a:endParaRPr lang="zh-CN" altLang="en-US" sz="2000" b="1" dirty="0">
-                        <a:solidFill>
-                          <a:schemeClr val="tx1"/>
-                        </a:solidFill>
-                      </a:endParaRPr>
-                    </a:p>
-                  </a:txBody>
-                  <a:tcPr>
-                    <a:lnL w="12700" cap="flat" cmpd="sng" algn="ctr">
-                      <a:solidFill>
-                        <a:schemeClr val="tx1"/>
-                      </a:solidFill>
-                      <a:prstDash val="solid"/>
-                      <a:round/>
-                      <a:headEnd type="none" w="med" len="med"/>
-                      <a:tailEnd type="none" w="med" len="med"/>
-                    </a:lnL>
-                    <a:lnR w="12700" cap="flat" cmpd="sng" algn="ctr">
-                      <a:solidFill>
-                        <a:schemeClr val="tx1"/>
-                      </a:solidFill>
-                      <a:prstDash val="solid"/>
-                      <a:round/>
-                      <a:headEnd type="none" w="med" len="med"/>
-                      <a:tailEnd type="none" w="med" len="med"/>
-                    </a:lnR>
-                    <a:lnT w="12700" cap="flat" cmpd="sng" algn="ctr">
-                      <a:solidFill>
-                        <a:schemeClr val="tx1"/>
-                      </a:solidFill>
-                      <a:prstDash val="solid"/>
-                      <a:round/>
-                      <a:headEnd type="none" w="med" len="med"/>
-                      <a:tailEnd type="none" w="med" len="med"/>
-                    </a:lnT>
-                    <a:lnB w="12700" cap="flat" cmpd="sng" algn="ctr">
-                      <a:solidFill>
-                        <a:schemeClr val="tx1"/>
-                      </a:solidFill>
-                      <a:prstDash val="solid"/>
-                      <a:round/>
-                      <a:headEnd type="none" w="med" len="med"/>
-                      <a:tailEnd type="none" w="med" len="med"/>
-                    </a:lnB>
-                    <a:noFill/>
-                  </a:tcPr>
-                </a:tc>
-              </a:tr>
-              <a:tr h="363526">
-                <a:tc>
-                  <a:txBody>
-                    <a:bodyPr/>
-                    <a:lstStyle/>
-                    <a:p>
-                      <a:r>
-                        <a:rPr lang="zh-CN" altLang="en-US" sz="2000" b="1" dirty="0" smtClean="0">
-                          <a:solidFill>
-                            <a:schemeClr val="tx1"/>
-                          </a:solidFill>
-                        </a:rPr>
-                        <a:t>测试重要性</a:t>
-                      </a:r>
-                      <a:endParaRPr lang="zh-CN" altLang="en-US" sz="2000" b="1" dirty="0">
-                        <a:solidFill>
-                          <a:schemeClr val="tx1"/>
-                        </a:solidFill>
-                      </a:endParaRPr>
-                    </a:p>
-                  </a:txBody>
-                  <a:tcPr>
-                    <a:lnL w="12700" cap="flat" cmpd="sng" algn="ctr">
-                      <a:solidFill>
-                        <a:schemeClr val="tx1"/>
-                      </a:solidFill>
-                      <a:prstDash val="solid"/>
-                      <a:round/>
-                      <a:headEnd type="none" w="med" len="med"/>
-                      <a:tailEnd type="none" w="med" len="med"/>
-                    </a:lnL>
-                    <a:lnR w="12700" cap="flat" cmpd="sng" algn="ctr">
-                      <a:solidFill>
-                        <a:schemeClr val="tx1"/>
-                      </a:solidFill>
-                      <a:prstDash val="solid"/>
-                      <a:round/>
-                      <a:headEnd type="none" w="med" len="med"/>
-                      <a:tailEnd type="none" w="med" len="med"/>
-                    </a:lnR>
-                    <a:lnT w="12700" cap="flat" cmpd="sng" algn="ctr">
-                      <a:solidFill>
-                        <a:schemeClr val="tx1"/>
-                      </a:solidFill>
-                      <a:prstDash val="solid"/>
-                      <a:round/>
-                      <a:headEnd type="none" w="med" len="med"/>
-                      <a:tailEnd type="none" w="med" len="med"/>
-                    </a:lnT>
-                    <a:lnB w="12700" cap="flat" cmpd="sng" algn="ctr">
-                      <a:solidFill>
-                        <a:schemeClr val="tx1"/>
-                      </a:solidFill>
-                      <a:prstDash val="solid"/>
-                      <a:round/>
-                      <a:headEnd type="none" w="med" len="med"/>
-                      <a:tailEnd type="none" w="med" len="med"/>
-                    </a:lnB>
-                    <a:noFill/>
-                  </a:tcPr>
-                </a:tc>
-                <a:tc>
-                  <a:txBody>
-                    <a:bodyPr/>
-                    <a:lstStyle/>
-                    <a:p>
-                      <a:r>
-                        <a:rPr lang="zh-CN" altLang="en-US" sz="2000" b="1" dirty="0" smtClean="0">
-                          <a:solidFill>
-                            <a:schemeClr val="tx1"/>
-                          </a:solidFill>
-                        </a:rPr>
-                        <a:t>重要</a:t>
-                      </a:r>
-                      <a:endParaRPr lang="zh-CN" altLang="en-US" sz="2000" b="1" dirty="0">
-                        <a:solidFill>
-                          <a:schemeClr val="tx1"/>
-                        </a:solidFill>
-                      </a:endParaRPr>
-                    </a:p>
-                  </a:txBody>
-                  <a:tcPr>
-                    <a:lnL w="12700" cap="flat" cmpd="sng" algn="ctr">
-                      <a:solidFill>
-                        <a:schemeClr val="tx1"/>
-                      </a:solidFill>
-                      <a:prstDash val="solid"/>
-                      <a:round/>
-                      <a:headEnd type="none" w="med" len="med"/>
-                      <a:tailEnd type="none" w="med" len="med"/>
-                    </a:lnL>
-                    <a:lnR w="12700" cap="flat" cmpd="sng" algn="ctr">
-                      <a:solidFill>
-                        <a:schemeClr val="tx1"/>
-                      </a:solidFill>
-                      <a:prstDash val="solid"/>
-                      <a:round/>
-                      <a:headEnd type="none" w="med" len="med"/>
-                      <a:tailEnd type="none" w="med" len="med"/>
-                    </a:lnR>
-                    <a:lnT w="12700" cap="flat" cmpd="sng" algn="ctr">
-                      <a:solidFill>
-                        <a:schemeClr val="tx1"/>
-                      </a:solidFill>
-                      <a:prstDash val="solid"/>
-                      <a:round/>
-                      <a:headEnd type="none" w="med" len="med"/>
-                      <a:tailEnd type="none" w="med" len="med"/>
-                    </a:lnT>
-                    <a:lnB w="12700" cap="flat" cmpd="sng" algn="ctr">
-                      <a:solidFill>
-                        <a:schemeClr val="tx1"/>
-                      </a:solidFill>
-                      <a:prstDash val="solid"/>
-                      <a:round/>
-                      <a:headEnd type="none" w="med" len="med"/>
-                      <a:tailEnd type="none" w="med" len="med"/>
-                    </a:lnB>
-                    <a:noFill/>
-                  </a:tcPr>
-                </a:tc>
-                <a:tc>
-                  <a:txBody>
-                    <a:bodyPr/>
-                    <a:lstStyle/>
-                    <a:p>
-                      <a:pPr marL="0" algn="l" defTabSz="914400" rtl="0" eaLnBrk="1" latinLnBrk="0" hangingPunct="1"/>
-                      <a:r>
-                        <a:rPr lang="zh-CN" altLang="en-US" sz="2000" b="1" kern="1200" dirty="0" smtClean="0">
-                          <a:solidFill>
-                            <a:schemeClr val="tx1"/>
-                          </a:solidFill>
-                          <a:latin typeface="+mn-lt"/>
-                          <a:ea typeface="+mn-ea"/>
-                          <a:cs typeface="+mn-cs"/>
-                        </a:rPr>
-                        <a:t>次要</a:t>
-                      </a:r>
-                      <a:endParaRPr lang="zh-CN" altLang="en-US" sz="2000" b="1" kern="1200" dirty="0">
-                        <a:solidFill>
-                          <a:schemeClr val="tx1"/>
-                        </a:solidFill>
-                        <a:latin typeface="+mn-lt"/>
-                        <a:ea typeface="+mn-ea"/>
-                        <a:cs typeface="+mn-cs"/>
-                      </a:endParaRPr>
-                    </a:p>
-                  </a:txBody>
-                  <a:tcPr>
-                    <a:lnL w="12700" cap="flat" cmpd="sng" algn="ctr">
-                      <a:solidFill>
-                        <a:schemeClr val="tx1"/>
-                      </a:solidFill>
-                      <a:prstDash val="solid"/>
-                      <a:round/>
-                      <a:headEnd type="none" w="med" len="med"/>
-                      <a:tailEnd type="none" w="med" len="med"/>
-                    </a:lnL>
-                    <a:lnR w="12700" cap="flat" cmpd="sng" algn="ctr">
-                      <a:solidFill>
-                        <a:schemeClr val="tx1"/>
-                      </a:solidFill>
-                      <a:prstDash val="solid"/>
-                      <a:round/>
-                      <a:headEnd type="none" w="med" len="med"/>
-                      <a:tailEnd type="none" w="med" len="med"/>
-                    </a:lnR>
-                    <a:lnT w="12700" cap="flat" cmpd="sng" algn="ctr">
-                      <a:solidFill>
-                        <a:schemeClr val="tx1"/>
-                      </a:solidFill>
-                      <a:prstDash val="solid"/>
-                      <a:round/>
-                      <a:headEnd type="none" w="med" len="med"/>
-                      <a:tailEnd type="none" w="med" len="med"/>
-                    </a:lnT>
-                    <a:lnB w="12700" cap="flat" cmpd="sng" algn="ctr">
-                      <a:solidFill>
-                        <a:schemeClr val="tx1"/>
-                      </a:solidFill>
-                      <a:prstDash val="solid"/>
-                      <a:round/>
-                      <a:headEnd type="none" w="med" len="med"/>
-                      <a:tailEnd type="none" w="med" len="med"/>
-                    </a:lnB>
-                    <a:noFill/>
-                  </a:tcPr>
-                </a:tc>
-              </a:tr>
-              <a:tr h="363526">
-                <a:tc>
-                  <a:txBody>
-                    <a:bodyPr/>
-                    <a:lstStyle/>
-                    <a:p>
-                      <a:r>
-                        <a:rPr lang="zh-CN" altLang="en-US" sz="2000" b="1" dirty="0" smtClean="0">
-                          <a:solidFill>
-                            <a:schemeClr val="tx1"/>
-                          </a:solidFill>
-                        </a:rPr>
-                        <a:t>数目</a:t>
-                      </a:r>
-                      <a:endParaRPr lang="zh-CN" altLang="en-US" sz="2000" b="1" dirty="0">
-                        <a:solidFill>
-                          <a:schemeClr val="tx1"/>
-                        </a:solidFill>
-                      </a:endParaRPr>
-                    </a:p>
-                  </a:txBody>
-                  <a:tcPr>
-                    <a:lnL w="12700" cap="flat" cmpd="sng" algn="ctr">
-                      <a:solidFill>
-                        <a:schemeClr val="tx1"/>
-                      </a:solidFill>
-                      <a:prstDash val="solid"/>
-                      <a:round/>
-                      <a:headEnd type="none" w="med" len="med"/>
-                      <a:tailEnd type="none" w="med" len="med"/>
-                    </a:lnL>
-                    <a:lnR w="12700" cap="flat" cmpd="sng" algn="ctr">
-                      <a:solidFill>
-                        <a:schemeClr val="tx1"/>
-                      </a:solidFill>
-                      <a:prstDash val="solid"/>
-                      <a:round/>
-                      <a:headEnd type="none" w="med" len="med"/>
-                      <a:tailEnd type="none" w="med" len="med"/>
-                    </a:lnR>
-                    <a:lnT w="12700" cap="flat" cmpd="sng" algn="ctr">
-                      <a:solidFill>
-                        <a:schemeClr val="tx1"/>
-                      </a:solidFill>
-                      <a:prstDash val="solid"/>
-                      <a:round/>
-                      <a:headEnd type="none" w="med" len="med"/>
-                      <a:tailEnd type="none" w="med" len="med"/>
-                    </a:lnT>
-                    <a:lnB w="12700" cap="flat" cmpd="sng" algn="ctr">
-                      <a:solidFill>
-                        <a:schemeClr val="tx1"/>
-                      </a:solidFill>
-                      <a:prstDash val="solid"/>
-                      <a:round/>
-                      <a:headEnd type="none" w="med" len="med"/>
-                      <a:tailEnd type="none" w="med" len="med"/>
-                    </a:lnB>
-                    <a:noFill/>
-                  </a:tcPr>
-                </a:tc>
-                <a:tc>
-                  <a:txBody>
-                    <a:bodyPr/>
-                    <a:lstStyle/>
-                    <a:p>
-                      <a:r>
-                        <a:rPr lang="en-US" altLang="zh-CN" sz="2000" b="1" dirty="0" smtClean="0">
-                          <a:solidFill>
-                            <a:schemeClr val="tx1"/>
-                          </a:solidFill>
-                        </a:rPr>
-                        <a:t>1</a:t>
-                      </a:r>
-                      <a:r>
-                        <a:rPr lang="zh-CN" altLang="en-US" sz="2000" b="1" dirty="0" smtClean="0">
-                          <a:solidFill>
-                            <a:schemeClr val="tx1"/>
-                          </a:solidFill>
-                        </a:rPr>
-                        <a:t>条</a:t>
-                      </a:r>
-                      <a:endParaRPr lang="zh-CN" altLang="en-US" sz="2000" b="1" dirty="0">
-                        <a:solidFill>
-                          <a:schemeClr val="tx1"/>
-                        </a:solidFill>
-                      </a:endParaRPr>
-                    </a:p>
-                  </a:txBody>
-                  <a:tcPr>
-                    <a:lnL w="12700" cap="flat" cmpd="sng" algn="ctr">
-                      <a:solidFill>
-                        <a:schemeClr val="tx1"/>
-                      </a:solidFill>
-                      <a:prstDash val="solid"/>
-                      <a:round/>
-                      <a:headEnd type="none" w="med" len="med"/>
-                      <a:tailEnd type="none" w="med" len="med"/>
-                    </a:lnL>
-                    <a:lnR w="12700" cap="flat" cmpd="sng" algn="ctr">
-                      <a:solidFill>
-                        <a:schemeClr val="tx1"/>
-                      </a:solidFill>
-                      <a:prstDash val="solid"/>
-                      <a:round/>
-                      <a:headEnd type="none" w="med" len="med"/>
-                      <a:tailEnd type="none" w="med" len="med"/>
-                    </a:lnR>
-                    <a:lnT w="12700" cap="flat" cmpd="sng" algn="ctr">
-                      <a:solidFill>
-                        <a:schemeClr val="tx1"/>
-                      </a:solidFill>
-                      <a:prstDash val="solid"/>
-                      <a:round/>
-                      <a:headEnd type="none" w="med" len="med"/>
-                      <a:tailEnd type="none" w="med" len="med"/>
-                    </a:lnT>
-                    <a:lnB w="12700" cap="flat" cmpd="sng" algn="ctr">
-                      <a:solidFill>
-                        <a:schemeClr val="tx1"/>
-                      </a:solidFill>
-                      <a:prstDash val="solid"/>
-                      <a:round/>
-                      <a:headEnd type="none" w="med" len="med"/>
-                      <a:tailEnd type="none" w="med" len="med"/>
-                    </a:lnB>
-                    <a:noFill/>
-                  </a:tcPr>
-                </a:tc>
-                <a:tc>
-                  <a:txBody>
-                    <a:bodyPr/>
-                    <a:lstStyle/>
-                    <a:p>
-                      <a:r>
-                        <a:rPr lang="en-US" altLang="zh-CN" sz="2000" b="1" dirty="0" smtClean="0">
-                          <a:solidFill>
-                            <a:schemeClr val="tx1"/>
-                          </a:solidFill>
-                        </a:rPr>
-                        <a:t>1</a:t>
-                      </a:r>
-                      <a:r>
-                        <a:rPr lang="zh-CN" altLang="en-US" sz="2000" b="1" dirty="0" smtClean="0">
-                          <a:solidFill>
-                            <a:schemeClr val="tx1"/>
-                          </a:solidFill>
-                        </a:rPr>
-                        <a:t>条或多条</a:t>
-                      </a:r>
-                      <a:endParaRPr lang="zh-CN" altLang="en-US" sz="2000" b="1" dirty="0">
-                        <a:solidFill>
-                          <a:schemeClr val="tx1"/>
-                        </a:solidFill>
-                      </a:endParaRPr>
-                    </a:p>
-                  </a:txBody>
-                  <a:tcPr>
-                    <a:lnL w="12700" cap="flat" cmpd="sng" algn="ctr">
-                      <a:solidFill>
-                        <a:schemeClr val="tx1"/>
-                      </a:solidFill>
-                      <a:prstDash val="solid"/>
-                      <a:round/>
-                      <a:headEnd type="none" w="med" len="med"/>
-                      <a:tailEnd type="none" w="med" len="med"/>
-                    </a:lnL>
-                    <a:lnR w="12700" cap="flat" cmpd="sng" algn="ctr">
-                      <a:solidFill>
-                        <a:schemeClr val="tx1"/>
-                      </a:solidFill>
-                      <a:prstDash val="solid"/>
-                      <a:round/>
-                      <a:headEnd type="none" w="med" len="med"/>
-                      <a:tailEnd type="none" w="med" len="med"/>
-                    </a:lnR>
-                    <a:lnT w="12700" cap="flat" cmpd="sng" algn="ctr">
-                      <a:solidFill>
-                        <a:schemeClr val="tx1"/>
-                      </a:solidFill>
-                      <a:prstDash val="solid"/>
-                      <a:round/>
-                      <a:headEnd type="none" w="med" len="med"/>
-                      <a:tailEnd type="none" w="med" len="med"/>
-                    </a:lnT>
-                    <a:lnB w="12700" cap="flat" cmpd="sng" algn="ctr">
-                      <a:solidFill>
-                        <a:schemeClr val="tx1"/>
-                      </a:solidFill>
-                      <a:prstDash val="solid"/>
-                      <a:round/>
-                      <a:headEnd type="none" w="med" len="med"/>
-                      <a:tailEnd type="none" w="med" len="med"/>
-                    </a:lnB>
-                    <a:noFill/>
-                  </a:tcPr>
-                </a:tc>
-              </a:tr>
-              <a:tr h="627456">
-                <a:tc>
-                  <a:txBody>
-                    <a:bodyPr/>
-                    <a:lstStyle/>
-                    <a:p>
-                      <a:r>
-                        <a:rPr lang="zh-CN" altLang="en-US" sz="2000" b="1" dirty="0" smtClean="0">
-                          <a:solidFill>
-                            <a:schemeClr val="tx1"/>
-                          </a:solidFill>
-                        </a:rPr>
-                        <a:t>初始节点位置</a:t>
-                      </a:r>
-                      <a:endParaRPr lang="zh-CN" altLang="en-US" sz="2000" b="1" dirty="0">
-                        <a:solidFill>
-                          <a:schemeClr val="tx1"/>
-                        </a:solidFill>
-                      </a:endParaRPr>
-                    </a:p>
-                  </a:txBody>
-                  <a:tcPr>
-                    <a:lnL w="12700" cap="flat" cmpd="sng" algn="ctr">
-                      <a:solidFill>
-                        <a:schemeClr val="tx1"/>
-                      </a:solidFill>
-                      <a:prstDash val="solid"/>
-                      <a:round/>
-                      <a:headEnd type="none" w="med" len="med"/>
-                      <a:tailEnd type="none" w="med" len="med"/>
-                    </a:lnL>
-                    <a:lnR w="12700" cap="flat" cmpd="sng" algn="ctr">
-                      <a:solidFill>
-                        <a:schemeClr val="tx1"/>
-                      </a:solidFill>
-                      <a:prstDash val="solid"/>
-                      <a:round/>
-                      <a:headEnd type="none" w="med" len="med"/>
-                      <a:tailEnd type="none" w="med" len="med"/>
-                    </a:lnR>
-                    <a:lnT w="12700" cap="flat" cmpd="sng" algn="ctr">
-                      <a:solidFill>
-                        <a:schemeClr val="tx1"/>
-                      </a:solidFill>
-                      <a:prstDash val="solid"/>
-                      <a:round/>
-                      <a:headEnd type="none" w="med" len="med"/>
-                      <a:tailEnd type="none" w="med" len="med"/>
-                    </a:lnT>
-                    <a:lnB w="12700" cap="flat" cmpd="sng" algn="ctr">
-                      <a:solidFill>
-                        <a:schemeClr val="tx1"/>
-                      </a:solidFill>
-                      <a:prstDash val="solid"/>
-                      <a:round/>
-                      <a:headEnd type="none" w="med" len="med"/>
-                      <a:tailEnd type="none" w="med" len="med"/>
-                    </a:lnB>
-                    <a:noFill/>
-                  </a:tcPr>
-                </a:tc>
-                <a:tc>
-                  <a:txBody>
-                    <a:bodyPr/>
-                    <a:lstStyle/>
-                    <a:p>
-                      <a:r>
-                        <a:rPr lang="zh-CN" altLang="en-US" sz="2000" b="1" dirty="0" smtClean="0">
-                          <a:solidFill>
-                            <a:schemeClr val="tx1"/>
-                          </a:solidFill>
-                        </a:rPr>
-                        <a:t>系统初始状态</a:t>
-                      </a:r>
-                      <a:endParaRPr lang="zh-CN" altLang="en-US" sz="2000" b="1" dirty="0">
-                        <a:solidFill>
-                          <a:schemeClr val="tx1"/>
-                        </a:solidFill>
-                      </a:endParaRPr>
-                    </a:p>
-                  </a:txBody>
-                  <a:tcPr>
-                    <a:lnL w="12700" cap="flat" cmpd="sng" algn="ctr">
-                      <a:solidFill>
-                        <a:schemeClr val="tx1"/>
-                      </a:solidFill>
-                      <a:prstDash val="solid"/>
-                      <a:round/>
-                      <a:headEnd type="none" w="med" len="med"/>
-                      <a:tailEnd type="none" w="med" len="med"/>
-                    </a:lnL>
-                    <a:lnR w="12700" cap="flat" cmpd="sng" algn="ctr">
-                      <a:solidFill>
-                        <a:schemeClr val="tx1"/>
-                      </a:solidFill>
-                      <a:prstDash val="solid"/>
-                      <a:round/>
-                      <a:headEnd type="none" w="med" len="med"/>
-                      <a:tailEnd type="none" w="med" len="med"/>
-                    </a:lnR>
-                    <a:lnT w="12700" cap="flat" cmpd="sng" algn="ctr">
-                      <a:solidFill>
-                        <a:schemeClr val="tx1"/>
-                      </a:solidFill>
-                      <a:prstDash val="solid"/>
-                      <a:round/>
-                      <a:headEnd type="none" w="med" len="med"/>
-                      <a:tailEnd type="none" w="med" len="med"/>
-                    </a:lnT>
-                    <a:lnB w="12700" cap="flat" cmpd="sng" algn="ctr">
-                      <a:solidFill>
-                        <a:schemeClr val="tx1"/>
-                      </a:solidFill>
-                      <a:prstDash val="solid"/>
-                      <a:round/>
-                      <a:headEnd type="none" w="med" len="med"/>
-                      <a:tailEnd type="none" w="med" len="med"/>
-                    </a:lnB>
-                    <a:noFill/>
-                  </a:tcPr>
-                </a:tc>
-                <a:tc>
-                  <a:txBody>
-                    <a:bodyPr/>
-                    <a:lstStyle/>
-                    <a:p>
-                      <a:r>
-                        <a:rPr lang="zh-CN" altLang="en-US" sz="2000" b="1" dirty="0" smtClean="0">
-                          <a:solidFill>
-                            <a:schemeClr val="tx1"/>
-                          </a:solidFill>
-                        </a:rPr>
-                        <a:t>基本流或其他备选流</a:t>
-                      </a:r>
-                      <a:endParaRPr lang="zh-CN" altLang="en-US" sz="2000" b="1" dirty="0">
-                        <a:solidFill>
-                          <a:schemeClr val="tx1"/>
-                        </a:solidFill>
-                      </a:endParaRPr>
-                    </a:p>
-                  </a:txBody>
-                  <a:tcPr>
-                    <a:lnL w="12700" cap="flat" cmpd="sng" algn="ctr">
-                      <a:solidFill>
-                        <a:schemeClr val="tx1"/>
-                      </a:solidFill>
-                      <a:prstDash val="solid"/>
-                      <a:round/>
-                      <a:headEnd type="none" w="med" len="med"/>
-                      <a:tailEnd type="none" w="med" len="med"/>
-                    </a:lnL>
-                    <a:lnR w="12700" cap="flat" cmpd="sng" algn="ctr">
-                      <a:solidFill>
-                        <a:schemeClr val="tx1"/>
-                      </a:solidFill>
-                      <a:prstDash val="solid"/>
-                      <a:round/>
-                      <a:headEnd type="none" w="med" len="med"/>
-                      <a:tailEnd type="none" w="med" len="med"/>
-                    </a:lnR>
-                    <a:lnT w="12700" cap="flat" cmpd="sng" algn="ctr">
-                      <a:solidFill>
-                        <a:schemeClr val="tx1"/>
-                      </a:solidFill>
-                      <a:prstDash val="solid"/>
-                      <a:round/>
-                      <a:headEnd type="none" w="med" len="med"/>
-                      <a:tailEnd type="none" w="med" len="med"/>
-                    </a:lnT>
-                    <a:lnB w="12700" cap="flat" cmpd="sng" algn="ctr">
-                      <a:solidFill>
-                        <a:schemeClr val="tx1"/>
-                      </a:solidFill>
-                      <a:prstDash val="solid"/>
-                      <a:round/>
-                      <a:headEnd type="none" w="med" len="med"/>
-                      <a:tailEnd type="none" w="med" len="med"/>
-                    </a:lnB>
-                    <a:noFill/>
-                  </a:tcPr>
-                </a:tc>
-              </a:tr>
-              <a:tr h="627456">
-                <a:tc>
-                  <a:txBody>
-                    <a:bodyPr/>
-                    <a:lstStyle/>
-                    <a:p>
-                      <a:r>
-                        <a:rPr lang="zh-CN" altLang="en-US" sz="2000" b="1" dirty="0" smtClean="0">
-                          <a:solidFill>
-                            <a:schemeClr val="tx1"/>
-                          </a:solidFill>
-                        </a:rPr>
-                        <a:t>结束节点位置</a:t>
-                      </a:r>
-                      <a:endParaRPr lang="zh-CN" altLang="en-US" sz="2000" b="1" dirty="0">
-                        <a:solidFill>
-                          <a:schemeClr val="tx1"/>
-                        </a:solidFill>
-                      </a:endParaRPr>
-                    </a:p>
-                  </a:txBody>
-                  <a:tcPr>
-                    <a:lnL w="12700" cap="flat" cmpd="sng" algn="ctr">
-                      <a:solidFill>
-                        <a:schemeClr val="tx1"/>
-                      </a:solidFill>
-                      <a:prstDash val="solid"/>
-                      <a:round/>
-                      <a:headEnd type="none" w="med" len="med"/>
-                      <a:tailEnd type="none" w="med" len="med"/>
-                    </a:lnL>
-                    <a:lnR w="12700" cap="flat" cmpd="sng" algn="ctr">
-                      <a:solidFill>
-                        <a:schemeClr val="tx1"/>
-                      </a:solidFill>
-                      <a:prstDash val="solid"/>
-                      <a:round/>
-                      <a:headEnd type="none" w="med" len="med"/>
-                      <a:tailEnd type="none" w="med" len="med"/>
-                    </a:lnR>
-                    <a:lnT w="12700" cap="flat" cmpd="sng" algn="ctr">
-                      <a:solidFill>
-                        <a:schemeClr val="tx1"/>
-                      </a:solidFill>
-                      <a:prstDash val="solid"/>
-                      <a:round/>
-                      <a:headEnd type="none" w="med" len="med"/>
-                      <a:tailEnd type="none" w="med" len="med"/>
-                    </a:lnT>
-                    <a:lnB w="12700" cap="flat" cmpd="sng" algn="ctr">
-                      <a:solidFill>
-                        <a:schemeClr val="tx1"/>
-                      </a:solidFill>
-                      <a:prstDash val="solid"/>
-                      <a:round/>
-                      <a:headEnd type="none" w="med" len="med"/>
-                      <a:tailEnd type="none" w="med" len="med"/>
-                    </a:lnB>
-                    <a:noFill/>
-                  </a:tcPr>
-                </a:tc>
-                <a:tc>
-                  <a:txBody>
-                    <a:bodyPr/>
-                    <a:lstStyle/>
-                    <a:p>
-                      <a:r>
-                        <a:rPr lang="zh-CN" altLang="en-US" sz="2000" b="1" dirty="0" smtClean="0">
-                          <a:solidFill>
-                            <a:schemeClr val="tx1"/>
-                          </a:solidFill>
-                        </a:rPr>
-                        <a:t>系统默认终止状</a:t>
-                      </a:r>
-                      <a:endParaRPr lang="zh-CN" altLang="en-US" sz="2000" b="1" dirty="0">
-                        <a:solidFill>
-                          <a:schemeClr val="tx1"/>
-                        </a:solidFill>
-                      </a:endParaRPr>
-                    </a:p>
-                  </a:txBody>
-                  <a:tcPr>
-                    <a:lnL w="12700" cap="flat" cmpd="sng" algn="ctr">
-                      <a:solidFill>
-                        <a:schemeClr val="tx1"/>
-                      </a:solidFill>
-                      <a:prstDash val="solid"/>
-                      <a:round/>
-                      <a:headEnd type="none" w="med" len="med"/>
-                      <a:tailEnd type="none" w="med" len="med"/>
-                    </a:lnL>
-                    <a:lnR w="12700" cap="flat" cmpd="sng" algn="ctr">
-                      <a:solidFill>
-                        <a:schemeClr val="tx1"/>
-                      </a:solidFill>
-                      <a:prstDash val="solid"/>
-                      <a:round/>
-                      <a:headEnd type="none" w="med" len="med"/>
-                      <a:tailEnd type="none" w="med" len="med"/>
-                    </a:lnR>
-                    <a:lnT w="12700" cap="flat" cmpd="sng" algn="ctr">
-                      <a:solidFill>
-                        <a:schemeClr val="tx1"/>
-                      </a:solidFill>
-                      <a:prstDash val="solid"/>
-                      <a:round/>
-                      <a:headEnd type="none" w="med" len="med"/>
-                      <a:tailEnd type="none" w="med" len="med"/>
-                    </a:lnT>
-                    <a:lnB w="12700" cap="flat" cmpd="sng" algn="ctr">
-                      <a:solidFill>
-                        <a:schemeClr val="tx1"/>
-                      </a:solidFill>
-                      <a:prstDash val="solid"/>
-                      <a:round/>
-                      <a:headEnd type="none" w="med" len="med"/>
-                      <a:tailEnd type="none" w="med" len="med"/>
-                    </a:lnB>
-                    <a:noFill/>
-                  </a:tcPr>
-                </a:tc>
-                <a:tc>
-                  <a:txBody>
-                    <a:bodyPr/>
-                    <a:lstStyle/>
-                    <a:p>
-                      <a:r>
-                        <a:rPr lang="zh-CN" altLang="en-US" sz="2000" b="1" dirty="0" smtClean="0">
-                          <a:solidFill>
-                            <a:schemeClr val="tx1"/>
-                          </a:solidFill>
-                        </a:rPr>
-                        <a:t>基本流或系统其他终止状态</a:t>
-                      </a:r>
-                      <a:endParaRPr lang="zh-CN" altLang="en-US" sz="2000" b="1" dirty="0">
-                        <a:solidFill>
-                          <a:schemeClr val="tx1"/>
-                        </a:solidFill>
-                      </a:endParaRPr>
-                    </a:p>
-                  </a:txBody>
-                  <a:tcPr>
-                    <a:lnL w="12700" cap="flat" cmpd="sng" algn="ctr">
-                      <a:solidFill>
-                        <a:schemeClr val="tx1"/>
-                      </a:solidFill>
-                      <a:prstDash val="solid"/>
-                      <a:round/>
-                      <a:headEnd type="none" w="med" len="med"/>
-                      <a:tailEnd type="none" w="med" len="med"/>
-                    </a:lnL>
-                    <a:lnR w="12700" cap="flat" cmpd="sng" algn="ctr">
-                      <a:solidFill>
-                        <a:schemeClr val="tx1"/>
-                      </a:solidFill>
-                      <a:prstDash val="solid"/>
-                      <a:round/>
-                      <a:headEnd type="none" w="med" len="med"/>
-                      <a:tailEnd type="none" w="med" len="med"/>
-                    </a:lnR>
-                    <a:lnT w="12700" cap="flat" cmpd="sng" algn="ctr">
-                      <a:solidFill>
-                        <a:schemeClr val="tx1"/>
-                      </a:solidFill>
-                      <a:prstDash val="solid"/>
-                      <a:round/>
-                      <a:headEnd type="none" w="med" len="med"/>
-                      <a:tailEnd type="none" w="med" len="med"/>
-                    </a:lnT>
-                    <a:lnB w="12700" cap="flat" cmpd="sng" algn="ctr">
-                      <a:solidFill>
-                        <a:schemeClr val="tx1"/>
-                      </a:solidFill>
-                      <a:prstDash val="solid"/>
-                      <a:round/>
-                      <a:headEnd type="none" w="med" len="med"/>
-                      <a:tailEnd type="none" w="med" len="med"/>
-                    </a:lnB>
-                    <a:noFill/>
-                  </a:tcPr>
-                </a:tc>
-              </a:tr>
-              <a:tr h="627456">
-                <a:tc>
-                  <a:txBody>
-                    <a:bodyPr/>
-                    <a:lstStyle/>
-                    <a:p>
-                      <a:r>
-                        <a:rPr lang="zh-CN" altLang="en-US" sz="2000" b="1" dirty="0" smtClean="0">
-                          <a:solidFill>
-                            <a:schemeClr val="tx1"/>
-                          </a:solidFill>
-                        </a:rPr>
-                        <a:t>是否完整的业务流程</a:t>
-                      </a:r>
-                      <a:endParaRPr lang="zh-CN" altLang="en-US" sz="2000" b="1" dirty="0">
-                        <a:solidFill>
-                          <a:schemeClr val="tx1"/>
-                        </a:solidFill>
-                      </a:endParaRPr>
-                    </a:p>
-                  </a:txBody>
-                  <a:tcPr>
-                    <a:lnL w="12700" cap="flat" cmpd="sng" algn="ctr">
-                      <a:solidFill>
-                        <a:schemeClr val="tx1"/>
-                      </a:solidFill>
-                      <a:prstDash val="solid"/>
-                      <a:round/>
-                      <a:headEnd type="none" w="med" len="med"/>
-                      <a:tailEnd type="none" w="med" len="med"/>
-                    </a:lnL>
-                    <a:lnR w="12700" cap="flat" cmpd="sng" algn="ctr">
-                      <a:solidFill>
-                        <a:schemeClr val="tx1"/>
-                      </a:solidFill>
-                      <a:prstDash val="solid"/>
-                      <a:round/>
-                      <a:headEnd type="none" w="med" len="med"/>
-                      <a:tailEnd type="none" w="med" len="med"/>
-                    </a:lnR>
-                    <a:lnT w="12700" cap="flat" cmpd="sng" algn="ctr">
-                      <a:solidFill>
-                        <a:schemeClr val="tx1"/>
-                      </a:solidFill>
-                      <a:prstDash val="solid"/>
-                      <a:round/>
-                      <a:headEnd type="none" w="med" len="med"/>
-                      <a:tailEnd type="none" w="med" len="med"/>
-                    </a:lnT>
-                    <a:lnB w="12700" cap="flat" cmpd="sng" algn="ctr">
-                      <a:solidFill>
-                        <a:schemeClr val="tx1"/>
-                      </a:solidFill>
-                      <a:prstDash val="solid"/>
-                      <a:round/>
-                      <a:headEnd type="none" w="med" len="med"/>
-                      <a:tailEnd type="none" w="med" len="med"/>
-                    </a:lnB>
-                    <a:noFill/>
-                  </a:tcPr>
-                </a:tc>
-                <a:tc>
-                  <a:txBody>
-                    <a:bodyPr/>
-                    <a:lstStyle/>
-                    <a:p>
-                      <a:r>
-                        <a:rPr lang="zh-CN" altLang="en-US" sz="2000" b="1" dirty="0" smtClean="0">
-                          <a:solidFill>
-                            <a:schemeClr val="tx1"/>
-                          </a:solidFill>
-                        </a:rPr>
-                        <a:t>是</a:t>
-                      </a:r>
-                      <a:endParaRPr lang="zh-CN" altLang="en-US" sz="2000" b="1" dirty="0">
-                        <a:solidFill>
-                          <a:schemeClr val="tx1"/>
-                        </a:solidFill>
-                      </a:endParaRPr>
-                    </a:p>
-                  </a:txBody>
-                  <a:tcPr>
-                    <a:lnL w="12700" cap="flat" cmpd="sng" algn="ctr">
-                      <a:solidFill>
-                        <a:schemeClr val="tx1"/>
-                      </a:solidFill>
-                      <a:prstDash val="solid"/>
-                      <a:round/>
-                      <a:headEnd type="none" w="med" len="med"/>
-                      <a:tailEnd type="none" w="med" len="med"/>
-                    </a:lnL>
-                    <a:lnR w="12700" cap="flat" cmpd="sng" algn="ctr">
-                      <a:solidFill>
-                        <a:schemeClr val="tx1"/>
-                      </a:solidFill>
-                      <a:prstDash val="solid"/>
-                      <a:round/>
-                      <a:headEnd type="none" w="med" len="med"/>
-                      <a:tailEnd type="none" w="med" len="med"/>
-                    </a:lnR>
-                    <a:lnT w="12700" cap="flat" cmpd="sng" algn="ctr">
-                      <a:solidFill>
-                        <a:schemeClr val="tx1"/>
-                      </a:solidFill>
-                      <a:prstDash val="solid"/>
-                      <a:round/>
-                      <a:headEnd type="none" w="med" len="med"/>
-                      <a:tailEnd type="none" w="med" len="med"/>
-                    </a:lnT>
-                    <a:lnB w="12700" cap="flat" cmpd="sng" algn="ctr">
-                      <a:solidFill>
-                        <a:schemeClr val="tx1"/>
-                      </a:solidFill>
-                      <a:prstDash val="solid"/>
-                      <a:round/>
-                      <a:headEnd type="none" w="med" len="med"/>
-                      <a:tailEnd type="none" w="med" len="med"/>
-                    </a:lnB>
-                    <a:noFill/>
-                  </a:tcPr>
-                </a:tc>
-                <a:tc>
-                  <a:txBody>
-                    <a:bodyPr/>
-                    <a:lstStyle/>
-                    <a:p>
-                      <a:r>
-                        <a:rPr lang="zh-CN" altLang="en-US" sz="2000" b="1" dirty="0" smtClean="0">
-                          <a:solidFill>
-                            <a:schemeClr val="tx1"/>
-                          </a:solidFill>
-                        </a:rPr>
-                        <a:t>否，仅为业务流程的执行片段</a:t>
-                      </a:r>
-                      <a:endParaRPr lang="zh-CN" altLang="en-US" sz="2000" b="1" dirty="0">
-                        <a:solidFill>
-                          <a:schemeClr val="tx1"/>
-                        </a:solidFill>
-                      </a:endParaRPr>
-                    </a:p>
-                  </a:txBody>
-                  <a:tcPr>
-                    <a:lnL w="12700" cap="flat" cmpd="sng" algn="ctr">
-                      <a:solidFill>
-                        <a:schemeClr val="tx1"/>
-                      </a:solidFill>
-                      <a:prstDash val="solid"/>
-                      <a:round/>
-                      <a:headEnd type="none" w="med" len="med"/>
-                      <a:tailEnd type="none" w="med" len="med"/>
-                    </a:lnL>
-                    <a:lnR w="12700" cap="flat" cmpd="sng" algn="ctr">
-                      <a:solidFill>
-                        <a:schemeClr val="tx1"/>
-                      </a:solidFill>
-                      <a:prstDash val="solid"/>
-                      <a:round/>
-                      <a:headEnd type="none" w="med" len="med"/>
-                      <a:tailEnd type="none" w="med" len="med"/>
-                    </a:lnR>
-                    <a:lnT w="12700" cap="flat" cmpd="sng" algn="ctr">
-                      <a:solidFill>
-                        <a:schemeClr val="tx1"/>
-                      </a:solidFill>
-                      <a:prstDash val="solid"/>
-                      <a:round/>
-                      <a:headEnd type="none" w="med" len="med"/>
-                      <a:tailEnd type="none" w="med" len="med"/>
-                    </a:lnT>
-                    <a:lnB w="12700" cap="flat" cmpd="sng" algn="ctr">
-                      <a:solidFill>
-                        <a:schemeClr val="tx1"/>
-                      </a:solidFill>
-                      <a:prstDash val="solid"/>
-                      <a:round/>
-                      <a:headEnd type="none" w="med" len="med"/>
-                      <a:tailEnd type="none" w="med" len="med"/>
-                    </a:lnB>
-                    <a:noFill/>
-                  </a:tcPr>
-                </a:tc>
-              </a:tr>
-              <a:tr h="627456">
-                <a:tc>
-                  <a:txBody>
-                    <a:bodyPr/>
-                    <a:lstStyle/>
-                    <a:p>
-                      <a:r>
-                        <a:rPr lang="zh-CN" altLang="en-US" sz="2000" b="1" dirty="0" smtClean="0">
-                          <a:solidFill>
-                            <a:schemeClr val="tx1"/>
-                          </a:solidFill>
-                        </a:rPr>
-                        <a:t>能否构成场景</a:t>
-                      </a:r>
-                      <a:endParaRPr lang="zh-CN" altLang="en-US" sz="2000" b="1" dirty="0">
-                        <a:solidFill>
-                          <a:schemeClr val="tx1"/>
-                        </a:solidFill>
-                      </a:endParaRPr>
-                    </a:p>
-                  </a:txBody>
-                  <a:tcPr>
-                    <a:lnL w="12700" cap="flat" cmpd="sng" algn="ctr">
-                      <a:solidFill>
-                        <a:schemeClr val="tx1"/>
-                      </a:solidFill>
-                      <a:prstDash val="solid"/>
-                      <a:round/>
-                      <a:headEnd type="none" w="med" len="med"/>
-                      <a:tailEnd type="none" w="med" len="med"/>
-                    </a:lnL>
-                    <a:lnR w="12700" cap="flat" cmpd="sng" algn="ctr">
-                      <a:solidFill>
-                        <a:schemeClr val="tx1"/>
-                      </a:solidFill>
-                      <a:prstDash val="solid"/>
-                      <a:round/>
-                      <a:headEnd type="none" w="med" len="med"/>
-                      <a:tailEnd type="none" w="med" len="med"/>
-                    </a:lnR>
-                    <a:lnT w="12700" cap="flat" cmpd="sng" algn="ctr">
-                      <a:solidFill>
-                        <a:schemeClr val="tx1"/>
-                      </a:solidFill>
-                      <a:prstDash val="solid"/>
-                      <a:round/>
-                      <a:headEnd type="none" w="med" len="med"/>
-                      <a:tailEnd type="none" w="med" len="med"/>
-                    </a:lnT>
-                    <a:lnB w="12700" cap="flat" cmpd="sng" algn="ctr">
-                      <a:solidFill>
-                        <a:schemeClr val="tx1"/>
-                      </a:solidFill>
-                      <a:prstDash val="solid"/>
-                      <a:round/>
-                      <a:headEnd type="none" w="med" len="med"/>
-                      <a:tailEnd type="none" w="med" len="med"/>
-                    </a:lnB>
-                    <a:noFill/>
-                  </a:tcPr>
-                </a:tc>
-                <a:tc>
-                  <a:txBody>
-                    <a:bodyPr/>
-                    <a:lstStyle/>
-                    <a:p>
-                      <a:r>
-                        <a:rPr lang="zh-CN" altLang="en-US" sz="2000" b="1" dirty="0" smtClean="0">
-                          <a:solidFill>
-                            <a:schemeClr val="tx1"/>
-                          </a:solidFill>
-                        </a:rPr>
-                        <a:t>能</a:t>
-                      </a:r>
-                      <a:endParaRPr lang="zh-CN" altLang="en-US" sz="2000" b="1" dirty="0">
-                        <a:solidFill>
-                          <a:schemeClr val="tx1"/>
-                        </a:solidFill>
-                      </a:endParaRPr>
-                    </a:p>
-                  </a:txBody>
-                  <a:tcPr>
-                    <a:lnL w="12700" cap="flat" cmpd="sng" algn="ctr">
-                      <a:solidFill>
-                        <a:schemeClr val="tx1"/>
-                      </a:solidFill>
-                      <a:prstDash val="solid"/>
-                      <a:round/>
-                      <a:headEnd type="none" w="med" len="med"/>
-                      <a:tailEnd type="none" w="med" len="med"/>
-                    </a:lnL>
-                    <a:lnR w="12700" cap="flat" cmpd="sng" algn="ctr">
-                      <a:solidFill>
-                        <a:schemeClr val="tx1"/>
-                      </a:solidFill>
-                      <a:prstDash val="solid"/>
-                      <a:round/>
-                      <a:headEnd type="none" w="med" len="med"/>
-                      <a:tailEnd type="none" w="med" len="med"/>
-                    </a:lnR>
-                    <a:lnT w="12700" cap="flat" cmpd="sng" algn="ctr">
-                      <a:solidFill>
-                        <a:schemeClr val="tx1"/>
-                      </a:solidFill>
-                      <a:prstDash val="solid"/>
-                      <a:round/>
-                      <a:headEnd type="none" w="med" len="med"/>
-                      <a:tailEnd type="none" w="med" len="med"/>
-                    </a:lnT>
-                    <a:lnB w="12700" cap="flat" cmpd="sng" algn="ctr">
-                      <a:solidFill>
-                        <a:schemeClr val="tx1"/>
-                      </a:solidFill>
-                      <a:prstDash val="solid"/>
-                      <a:round/>
-                      <a:headEnd type="none" w="med" len="med"/>
-                      <a:tailEnd type="none" w="med" len="med"/>
-                    </a:lnB>
-                    <a:noFill/>
-                  </a:tcPr>
-                </a:tc>
-                <a:tc>
-                  <a:txBody>
-                    <a:bodyPr/>
-                    <a:lstStyle/>
-                    <a:p>
-                      <a:r>
-                        <a:rPr lang="zh-CN" altLang="en-US" sz="2000" b="1" dirty="0" smtClean="0">
-                          <a:solidFill>
-                            <a:schemeClr val="tx1"/>
-                          </a:solidFill>
-                        </a:rPr>
-                        <a:t>否，需要和基本流共同构成场景</a:t>
-                      </a:r>
-                      <a:endParaRPr lang="zh-CN" altLang="en-US" sz="2000" b="1" dirty="0">
-                        <a:solidFill>
-                          <a:schemeClr val="tx1"/>
-                        </a:solidFill>
-                      </a:endParaRPr>
-                    </a:p>
-                  </a:txBody>
-                  <a:tcPr>
-                    <a:lnL w="12700" cap="flat" cmpd="sng" algn="ctr">
-                      <a:solidFill>
-                        <a:schemeClr val="tx1"/>
-                      </a:solidFill>
-                      <a:prstDash val="solid"/>
-                      <a:round/>
-                      <a:headEnd type="none" w="med" len="med"/>
-                      <a:tailEnd type="none" w="med" len="med"/>
-                    </a:lnL>
-                    <a:lnR w="12700" cap="flat" cmpd="sng" algn="ctr">
-                      <a:solidFill>
-                        <a:schemeClr val="tx1"/>
-                      </a:solidFill>
-                      <a:prstDash val="solid"/>
-                      <a:round/>
-                      <a:headEnd type="none" w="med" len="med"/>
-                      <a:tailEnd type="none" w="med" len="med"/>
-                    </a:lnR>
-                    <a:lnT w="12700" cap="flat" cmpd="sng" algn="ctr">
-                      <a:solidFill>
-                        <a:schemeClr val="tx1"/>
-                      </a:solidFill>
-                      <a:prstDash val="solid"/>
-                      <a:round/>
-                      <a:headEnd type="none" w="med" len="med"/>
-                      <a:tailEnd type="none" w="med" len="med"/>
-                    </a:lnT>
-                    <a:lnB w="12700" cap="flat" cmpd="sng" algn="ctr">
-                      <a:solidFill>
-                        <a:schemeClr val="tx1"/>
-                      </a:solidFill>
-                      <a:prstDash val="solid"/>
-                      <a:round/>
-                      <a:headEnd type="none" w="med" len="med"/>
-                      <a:tailEnd type="none" w="med" len="med"/>
-                    </a:lnB>
-                    <a:noFill/>
-                  </a:tcPr>
-                </a:tc>
-              </a:tr>
-            </a:tbl>
-          </a:graphicData>
-        </a:graphic>
-      </p:graphicFrame>
-      <p:sp>
-        <p:nvSpPr>
-          <p:cNvPr id="6" name="Rectangle 2"/>
-          <p:cNvSpPr txBox="1">
-            <a:spLocks noChangeArrowheads="1"/>
-          </p:cNvSpPr>
-          <p:nvPr/>
-        </p:nvSpPr>
-        <p:spPr bwMode="auto">
-          <a:xfrm>
-            <a:off x="574675" y="304800"/>
-            <a:ext cx="8001000" cy="1216025"/>
-          </a:xfrm>
-          <a:prstGeom prst="rect">
-            <a:avLst/>
-          </a:prstGeom>
-          <a:noFill/>
-          <a:ln>
-            <a:noFill/>
-          </a:ln>
-          <a:extLst>
-            <a:ext uri="{909E8E84-426E-40DD-AFC4-6F175D3DCCD1}">
-              <a14:hiddenFill xmlns:a14="http://schemas.microsoft.com/office/drawing/2010/main">
-                <a:solidFill>
-                  <a:srgbClr val="FFFFFF"/>
-                </a:solidFill>
-              </a14:hiddenFill>
-            </a:ext>
-            <a:ext uri="{91240B29-F687-4F45-9708-019B960494DF}">
-              <a14:hiddenLine xmlns:a14="http://schemas.microsoft.com/office/drawing/2010/main" w="9525">
-                <a:solidFill>
-                  <a:srgbClr val="000000"/>
-                </a:solidFill>
-                <a:miter lim="800000"/>
-                <a:headEnd/>
-                <a:tailEnd/>
-              </a14:hiddenLine>
-            </a:ext>
-          </a:extLst>
-        </p:spPr>
-        <p:txBody>
-          <a:bodyPr vert="horz" wrap="square" lIns="91440" tIns="45720" rIns="91440" bIns="45720" numCol="1" anchor="b" anchorCtr="0" compatLnSpc="1"/>
-          <a:lstStyle>
-            <a:lvl1pPr algn="l" rtl="0" eaLnBrk="0" fontAlgn="base" hangingPunct="0">
-              <a:spcBef>
-                <a:spcPct val="0"/>
-              </a:spcBef>
-              <a:spcAft>
-                <a:spcPct val="0"/>
-              </a:spcAft>
-              <a:defRPr sz="3800">
-                <a:solidFill>
-                  <a:schemeClr val="tx2"/>
-                </a:solidFill>
-                <a:latin typeface="+mj-lt"/>
-                <a:ea typeface="+mj-ea"/>
-                <a:cs typeface="+mj-cs"/>
-              </a:defRPr>
-            </a:lvl1pPr>
-            <a:lvl2pPr algn="l" rtl="0" eaLnBrk="0" fontAlgn="base" hangingPunct="0">
-              <a:spcBef>
-                <a:spcPct val="0"/>
-              </a:spcBef>
-              <a:spcAft>
-                <a:spcPct val="0"/>
-              </a:spcAft>
-              <a:defRPr sz="3800">
-                <a:solidFill>
-                  <a:schemeClr val="tx2"/>
-                </a:solidFill>
-                <a:latin typeface="Verdana" panose="020B0604030504040204" pitchFamily="34" charset="0"/>
-                <a:ea typeface="宋体" panose="02010600030101010101" pitchFamily="2" charset="-122"/>
-              </a:defRPr>
-            </a:lvl2pPr>
-            <a:lvl3pPr algn="l" rtl="0" eaLnBrk="0" fontAlgn="base" hangingPunct="0">
-              <a:spcBef>
-                <a:spcPct val="0"/>
-              </a:spcBef>
-              <a:spcAft>
-                <a:spcPct val="0"/>
-              </a:spcAft>
-              <a:defRPr sz="3800">
-                <a:solidFill>
-                  <a:schemeClr val="tx2"/>
-                </a:solidFill>
-                <a:latin typeface="Verdana" panose="020B0604030504040204" pitchFamily="34" charset="0"/>
-                <a:ea typeface="宋体" panose="02010600030101010101" pitchFamily="2" charset="-122"/>
-              </a:defRPr>
-            </a:lvl3pPr>
-            <a:lvl4pPr algn="l" rtl="0" eaLnBrk="0" fontAlgn="base" hangingPunct="0">
-              <a:spcBef>
-                <a:spcPct val="0"/>
-              </a:spcBef>
-              <a:spcAft>
-                <a:spcPct val="0"/>
-              </a:spcAft>
-              <a:defRPr sz="3800">
-                <a:solidFill>
-                  <a:schemeClr val="tx2"/>
-                </a:solidFill>
-                <a:latin typeface="Verdana" panose="020B0604030504040204" pitchFamily="34" charset="0"/>
-                <a:ea typeface="宋体" panose="02010600030101010101" pitchFamily="2" charset="-122"/>
-              </a:defRPr>
-            </a:lvl4pPr>
-            <a:lvl5pPr algn="l" rtl="0" eaLnBrk="0" fontAlgn="base" hangingPunct="0">
-              <a:spcBef>
-                <a:spcPct val="0"/>
-              </a:spcBef>
-              <a:spcAft>
-                <a:spcPct val="0"/>
-              </a:spcAft>
-              <a:defRPr sz="3800">
-                <a:solidFill>
-                  <a:schemeClr val="tx2"/>
-                </a:solidFill>
-                <a:latin typeface="Verdana" panose="020B0604030504040204" pitchFamily="34" charset="0"/>
-                <a:ea typeface="宋体" panose="02010600030101010101" pitchFamily="2" charset="-122"/>
-              </a:defRPr>
-            </a:lvl5pPr>
-            <a:lvl6pPr marL="457200" algn="l" rtl="0" fontAlgn="base">
-              <a:spcBef>
-                <a:spcPct val="0"/>
-              </a:spcBef>
-              <a:spcAft>
-                <a:spcPct val="0"/>
-              </a:spcAft>
-              <a:defRPr sz="3800">
-                <a:solidFill>
-                  <a:schemeClr val="tx2"/>
-                </a:solidFill>
-                <a:latin typeface="Verdana" panose="020B0604030504040204" pitchFamily="34" charset="0"/>
-                <a:ea typeface="宋体" panose="02010600030101010101" pitchFamily="2" charset="-122"/>
-              </a:defRPr>
-            </a:lvl6pPr>
-            <a:lvl7pPr marL="914400" algn="l" rtl="0" fontAlgn="base">
-              <a:spcBef>
-                <a:spcPct val="0"/>
-              </a:spcBef>
-              <a:spcAft>
-                <a:spcPct val="0"/>
-              </a:spcAft>
-              <a:defRPr sz="3800">
-                <a:solidFill>
-                  <a:schemeClr val="tx2"/>
-                </a:solidFill>
-                <a:latin typeface="Verdana" panose="020B0604030504040204" pitchFamily="34" charset="0"/>
-                <a:ea typeface="宋体" panose="02010600030101010101" pitchFamily="2" charset="-122"/>
-              </a:defRPr>
-            </a:lvl7pPr>
-            <a:lvl8pPr marL="1371600" algn="l" rtl="0" fontAlgn="base">
-              <a:spcBef>
-                <a:spcPct val="0"/>
-              </a:spcBef>
-              <a:spcAft>
-                <a:spcPct val="0"/>
-              </a:spcAft>
-              <a:defRPr sz="3800">
-                <a:solidFill>
-                  <a:schemeClr val="tx2"/>
-                </a:solidFill>
-                <a:latin typeface="Verdana" panose="020B0604030504040204" pitchFamily="34" charset="0"/>
-                <a:ea typeface="宋体" panose="02010600030101010101" pitchFamily="2" charset="-122"/>
-              </a:defRPr>
-            </a:lvl8pPr>
-            <a:lvl9pPr marL="1828800" algn="l" rtl="0" fontAlgn="base">
-              <a:spcBef>
-                <a:spcPct val="0"/>
-              </a:spcBef>
-              <a:spcAft>
-                <a:spcPct val="0"/>
-              </a:spcAft>
-              <a:defRPr sz="3800">
-                <a:solidFill>
-                  <a:schemeClr val="tx2"/>
-                </a:solidFill>
-                <a:latin typeface="Verdana" panose="020B0604030504040204" pitchFamily="34" charset="0"/>
-                <a:ea typeface="宋体" panose="02010600030101010101" pitchFamily="2" charset="-122"/>
-              </a:defRPr>
-            </a:lvl9pPr>
-          </a:lstStyle>
-          <a:p>
-            <a:pPr eaLnBrk="1" hangingPunct="1"/>
-            <a:r>
-              <a:rPr lang="en-US" altLang="zh-CN" b="1" dirty="0" smtClean="0">
-                <a:latin typeface="黑体" panose="02010609060101010101" pitchFamily="2" charset="-122"/>
-                <a:ea typeface="黑体" panose="02010609060101010101" pitchFamily="2" charset="-122"/>
-              </a:rPr>
-              <a:t>3.6 </a:t>
-            </a:r>
-            <a:r>
-              <a:rPr lang="zh-CN" altLang="en-US" b="1" dirty="0" smtClean="0">
-                <a:latin typeface="黑体" panose="02010609060101010101" pitchFamily="2" charset="-122"/>
-                <a:ea typeface="黑体" panose="02010609060101010101" pitchFamily="2" charset="-122"/>
-              </a:rPr>
-              <a:t>基于场景的</a:t>
-            </a:r>
-            <a:r>
-              <a:rPr lang="zh-CN" altLang="en-US" b="1" dirty="0">
-                <a:latin typeface="黑体" panose="02010609060101010101" pitchFamily="2" charset="-122"/>
-                <a:ea typeface="黑体" panose="02010609060101010101" pitchFamily="2" charset="-122"/>
-              </a:rPr>
-              <a:t>测试</a:t>
-            </a:r>
-            <a:endParaRPr lang="zh-CN" altLang="en-US" b="1" dirty="0" smtClean="0">
-              <a:latin typeface="黑体" panose="02010609060101010101" pitchFamily="2" charset="-122"/>
-              <a:ea typeface="黑体" panose="02010609060101010101" pitchFamily="2" charset="-122"/>
-            </a:endParaRPr>
-          </a:p>
-        </p:txBody>
-      </p:sp>
-    </p:spTree>
-    <p:extLst>
-      <p:ext uri="{BB962C8B-B14F-4D97-AF65-F5344CB8AC3E}">
-        <p14:creationId xmlns:p14="http://schemas.microsoft.com/office/powerpoint/2010/main" val="1950588386"/>
-      </p:ext>
-    </p:extLst>
-  </p:cSld>
-  <p:clrMapOvr>
-    <a:masterClrMapping/>
-  </p:clrMapOvr>
-  <p:transition>
-    <p:blinds dir="vert"/>
-  </p:transition>
-  <p:timing>
-    <p:tnLst>
-      <p:par>
-        <p:cTn id="1" dur="indefinite" restart="never" nodeType="tmRoot"/>
-      </p:par>
-    </p:tnLst>
-  </p:timing>
-</p:sld>
-</file>
-
 <file path=ppt/slides/slide8.xml><?xml version="1.0" encoding="utf-8"?>
 <p:sld xmlns:a="http://schemas.openxmlformats.org/drawingml/2006/main" xmlns:r="http://schemas.openxmlformats.org/officeDocument/2006/relationships" xmlns:p="http://schemas.openxmlformats.org/presentationml/2006/main">
   <p:cSld>
@@ -20757,7 +21025,7 @@
         </p:blipFill>
         <p:spPr bwMode="auto">
           <a:xfrm>
-            <a:off x="5032375" y="101600"/>
+            <a:off x="5020151" y="448107"/>
             <a:ext cx="2397125" cy="6399213"/>
           </a:xfrm>
           <a:prstGeom prst="rect">
@@ -21405,7 +21673,7 @@
   </a:extraClrSchemeLst>
   <a:extLst>
     <a:ext uri="{05A4C25C-085E-4340-85A3-A5531E510DB2}">
-      <thm15:themeFamily xmlns:thm15="http://schemas.microsoft.com/office/thememl/2012/main" xmlns="" name="Office Theme" id="{62F939B6-93AF-4DB8-9C6B-D6C7DFDC589F}" vid="{4A3C46E8-61CC-4603-A589-7422A47A8E4A}"/>
+      <thm15:themeFamily xmlns="" xmlns:thm15="http://schemas.microsoft.com/office/thememl/2012/main" name="Office Theme" id="{62F939B6-93AF-4DB8-9C6B-D6C7DFDC589F}" vid="{4A3C46E8-61CC-4603-A589-7422A47A8E4A}"/>
     </a:ext>
   </a:extLst>
 </a:theme>
@@ -21693,7 +21961,7 @@
   <a:extraClrSchemeLst/>
   <a:extLst>
     <a:ext uri="{05A4C25C-085E-4340-85A3-A5531E510DB2}">
-      <thm15:themeFamily xmlns:thm15="http://schemas.microsoft.com/office/thememl/2012/main" xmlns="" name="Office Theme" id="{62F939B6-93AF-4DB8-9C6B-D6C7DFDC589F}" vid="{4A3C46E8-61CC-4603-A589-7422A47A8E4A}"/>
+      <thm15:themeFamily xmlns="" xmlns:thm15="http://schemas.microsoft.com/office/thememl/2012/main" name="Office Theme" id="{62F939B6-93AF-4DB8-9C6B-D6C7DFDC589F}" vid="{4A3C46E8-61CC-4603-A589-7422A47A8E4A}"/>
     </a:ext>
   </a:extLst>
 </a:theme>
@@ -21981,7 +22249,7 @@
   <a:extraClrSchemeLst/>
   <a:extLst>
     <a:ext uri="{05A4C25C-085E-4340-85A3-A5531E510DB2}">
-      <thm15:themeFamily xmlns:thm15="http://schemas.microsoft.com/office/thememl/2012/main" xmlns="" name="Office Theme" id="{62F939B6-93AF-4DB8-9C6B-D6C7DFDC589F}" vid="{4A3C46E8-61CC-4603-A589-7422A47A8E4A}"/>
+      <thm15:themeFamily xmlns="" xmlns:thm15="http://schemas.microsoft.com/office/thememl/2012/main" name="Office Theme" id="{62F939B6-93AF-4DB8-9C6B-D6C7DFDC589F}" vid="{4A3C46E8-61CC-4603-A589-7422A47A8E4A}"/>
     </a:ext>
   </a:extLst>
 </a:theme>
